--- a/Documentation/EnirKesto flow ppt.pptx
+++ b/Documentation/EnirKesto flow ppt.pptx
@@ -198,7 +198,7 @@
           <a:p>
             <a:fld id="{7434BC37-04A8-A344-9841-A3D291134CFB}" type="datetimeFigureOut">
               <a:rPr lang="en-US" smtClean="0"/>
-              <a:t>4/25/2017</a:t>
+              <a:t>5/4/17</a:t>
             </a:fld>
             <a:endParaRPr lang="en-US"/>
           </a:p>
@@ -762,7 +762,7 @@
           <a:p>
             <a:fld id="{F3FE53C9-709B-6141-9C40-501A141F6151}" type="datetimeFigureOut">
               <a:rPr lang="en-US" smtClean="0"/>
-              <a:t>4/25/2017</a:t>
+              <a:t>5/4/17</a:t>
             </a:fld>
             <a:endParaRPr lang="en-US"/>
           </a:p>
@@ -930,7 +930,7 @@
           <a:p>
             <a:fld id="{F3FE53C9-709B-6141-9C40-501A141F6151}" type="datetimeFigureOut">
               <a:rPr lang="en-US" smtClean="0"/>
-              <a:t>4/25/2017</a:t>
+              <a:t>5/4/17</a:t>
             </a:fld>
             <a:endParaRPr lang="en-US"/>
           </a:p>
@@ -1108,7 +1108,7 @@
           <a:p>
             <a:fld id="{F3FE53C9-709B-6141-9C40-501A141F6151}" type="datetimeFigureOut">
               <a:rPr lang="en-US" smtClean="0"/>
-              <a:t>4/25/2017</a:t>
+              <a:t>5/4/17</a:t>
             </a:fld>
             <a:endParaRPr lang="en-US"/>
           </a:p>
@@ -1276,7 +1276,7 @@
           <a:p>
             <a:fld id="{F3FE53C9-709B-6141-9C40-501A141F6151}" type="datetimeFigureOut">
               <a:rPr lang="en-US" smtClean="0"/>
-              <a:t>4/25/2017</a:t>
+              <a:t>5/4/17</a:t>
             </a:fld>
             <a:endParaRPr lang="en-US"/>
           </a:p>
@@ -1521,7 +1521,7 @@
           <a:p>
             <a:fld id="{F3FE53C9-709B-6141-9C40-501A141F6151}" type="datetimeFigureOut">
               <a:rPr lang="en-US" smtClean="0"/>
-              <a:t>4/25/2017</a:t>
+              <a:t>5/4/17</a:t>
             </a:fld>
             <a:endParaRPr lang="en-US"/>
           </a:p>
@@ -1750,7 +1750,7 @@
           <a:p>
             <a:fld id="{F3FE53C9-709B-6141-9C40-501A141F6151}" type="datetimeFigureOut">
               <a:rPr lang="en-US" smtClean="0"/>
-              <a:t>4/25/2017</a:t>
+              <a:t>5/4/17</a:t>
             </a:fld>
             <a:endParaRPr lang="en-US"/>
           </a:p>
@@ -2114,7 +2114,7 @@
           <a:p>
             <a:fld id="{F3FE53C9-709B-6141-9C40-501A141F6151}" type="datetimeFigureOut">
               <a:rPr lang="en-US" smtClean="0"/>
-              <a:t>4/25/2017</a:t>
+              <a:t>5/4/17</a:t>
             </a:fld>
             <a:endParaRPr lang="en-US"/>
           </a:p>
@@ -2231,7 +2231,7 @@
           <a:p>
             <a:fld id="{F3FE53C9-709B-6141-9C40-501A141F6151}" type="datetimeFigureOut">
               <a:rPr lang="en-US" smtClean="0"/>
-              <a:t>4/25/2017</a:t>
+              <a:t>5/4/17</a:t>
             </a:fld>
             <a:endParaRPr lang="en-US"/>
           </a:p>
@@ -2326,7 +2326,7 @@
           <a:p>
             <a:fld id="{F3FE53C9-709B-6141-9C40-501A141F6151}" type="datetimeFigureOut">
               <a:rPr lang="en-US" smtClean="0"/>
-              <a:t>4/25/2017</a:t>
+              <a:t>5/4/17</a:t>
             </a:fld>
             <a:endParaRPr lang="en-US"/>
           </a:p>
@@ -2601,7 +2601,7 @@
           <a:p>
             <a:fld id="{F3FE53C9-709B-6141-9C40-501A141F6151}" type="datetimeFigureOut">
               <a:rPr lang="en-US" smtClean="0"/>
-              <a:t>4/25/2017</a:t>
+              <a:t>5/4/17</a:t>
             </a:fld>
             <a:endParaRPr lang="en-US"/>
           </a:p>
@@ -2853,7 +2853,7 @@
           <a:p>
             <a:fld id="{F3FE53C9-709B-6141-9C40-501A141F6151}" type="datetimeFigureOut">
               <a:rPr lang="en-US" smtClean="0"/>
-              <a:t>4/25/2017</a:t>
+              <a:t>5/4/17</a:t>
             </a:fld>
             <a:endParaRPr lang="en-US"/>
           </a:p>
@@ -3064,7 +3064,7 @@
           <a:p>
             <a:fld id="{F3FE53C9-709B-6141-9C40-501A141F6151}" type="datetimeFigureOut">
               <a:rPr lang="en-US" smtClean="0"/>
-              <a:t>4/25/2017</a:t>
+              <a:t>5/4/17</a:t>
             </a:fld>
             <a:endParaRPr lang="en-US"/>
           </a:p>
@@ -3469,1057 +3469,1040 @@
           <a:chExt cx="0" cy="0"/>
         </a:xfrm>
       </p:grpSpPr>
-      <p:grpSp>
-        <p:nvGrpSpPr>
-          <p:cNvPr id="2" name="Group 1"/>
-          <p:cNvGrpSpPr/>
+      <p:cxnSp>
+        <p:nvCxnSpPr>
+          <p:cNvPr id="3" name="Straight Connector 2"/>
+          <p:cNvCxnSpPr/>
           <p:nvPr/>
-        </p:nvGrpSpPr>
-        <p:grpSpPr>
-          <a:xfrm>
-            <a:off x="1244852" y="901123"/>
-            <a:ext cx="9894822" cy="5020863"/>
-            <a:chOff x="-290244" y="930785"/>
-            <a:chExt cx="8167845" cy="4144554"/>
-          </a:xfrm>
-        </p:grpSpPr>
-        <p:cxnSp>
-          <p:nvCxnSpPr>
-            <p:cNvPr id="3" name="Straight Connector 2"/>
-            <p:cNvCxnSpPr/>
-            <p:nvPr/>
-          </p:nvCxnSpPr>
-          <p:spPr>
-            <a:xfrm>
-              <a:off x="1023457" y="2055303"/>
-              <a:ext cx="0" cy="3020036"/>
-            </a:xfrm>
-            <a:prstGeom prst="line">
-              <a:avLst/>
-            </a:prstGeom>
-            <a:ln w="12700">
-              <a:prstDash val="dash"/>
-            </a:ln>
-          </p:spPr>
-          <p:style>
-            <a:lnRef idx="1">
-              <a:schemeClr val="accent1"/>
-            </a:lnRef>
-            <a:fillRef idx="0">
-              <a:schemeClr val="accent1"/>
-            </a:fillRef>
-            <a:effectRef idx="0">
-              <a:schemeClr val="accent1"/>
-            </a:effectRef>
-            <a:fontRef idx="minor">
-              <a:schemeClr val="tx1"/>
-            </a:fontRef>
-          </p:style>
-        </p:cxnSp>
-        <p:cxnSp>
-          <p:nvCxnSpPr>
-            <p:cNvPr id="4" name="Straight Connector 3"/>
-            <p:cNvCxnSpPr/>
-            <p:nvPr/>
-          </p:nvCxnSpPr>
-          <p:spPr>
-            <a:xfrm>
-              <a:off x="2479120" y="2055303"/>
-              <a:ext cx="0" cy="3020036"/>
-            </a:xfrm>
-            <a:prstGeom prst="line">
-              <a:avLst/>
-            </a:prstGeom>
-            <a:ln w="12700">
-              <a:prstDash val="dash"/>
-            </a:ln>
-          </p:spPr>
-          <p:style>
-            <a:lnRef idx="1">
-              <a:schemeClr val="accent1"/>
-            </a:lnRef>
-            <a:fillRef idx="0">
-              <a:schemeClr val="accent1"/>
-            </a:fillRef>
-            <a:effectRef idx="0">
-              <a:schemeClr val="accent1"/>
-            </a:effectRef>
-            <a:fontRef idx="minor">
-              <a:schemeClr val="tx1"/>
-            </a:fontRef>
-          </p:style>
-        </p:cxnSp>
-        <p:cxnSp>
-          <p:nvCxnSpPr>
-            <p:cNvPr id="5" name="Straight Connector 4"/>
-            <p:cNvCxnSpPr/>
-            <p:nvPr/>
-          </p:nvCxnSpPr>
-          <p:spPr>
-            <a:xfrm>
-              <a:off x="3959950" y="2055303"/>
-              <a:ext cx="0" cy="3020036"/>
-            </a:xfrm>
-            <a:prstGeom prst="line">
-              <a:avLst/>
-            </a:prstGeom>
-            <a:ln w="12700">
-              <a:prstDash val="dash"/>
-            </a:ln>
-          </p:spPr>
-          <p:style>
-            <a:lnRef idx="1">
-              <a:schemeClr val="accent1"/>
-            </a:lnRef>
-            <a:fillRef idx="0">
-              <a:schemeClr val="accent1"/>
-            </a:fillRef>
-            <a:effectRef idx="0">
-              <a:schemeClr val="accent1"/>
-            </a:effectRef>
-            <a:fontRef idx="minor">
-              <a:schemeClr val="tx1"/>
-            </a:fontRef>
-          </p:style>
-        </p:cxnSp>
-        <p:cxnSp>
-          <p:nvCxnSpPr>
-            <p:cNvPr id="7" name="Straight Connector 6"/>
-            <p:cNvCxnSpPr/>
-            <p:nvPr/>
-          </p:nvCxnSpPr>
-          <p:spPr>
-            <a:xfrm>
-              <a:off x="6869878" y="2055303"/>
-              <a:ext cx="0" cy="3020036"/>
-            </a:xfrm>
-            <a:prstGeom prst="line">
-              <a:avLst/>
-            </a:prstGeom>
-            <a:ln w="12700">
-              <a:prstDash val="dash"/>
-            </a:ln>
-          </p:spPr>
-          <p:style>
-            <a:lnRef idx="1">
-              <a:schemeClr val="accent1"/>
-            </a:lnRef>
-            <a:fillRef idx="0">
-              <a:schemeClr val="accent1"/>
-            </a:fillRef>
-            <a:effectRef idx="0">
-              <a:schemeClr val="accent1"/>
-            </a:effectRef>
-            <a:fontRef idx="minor">
-              <a:schemeClr val="tx1"/>
-            </a:fontRef>
-          </p:style>
-        </p:cxnSp>
-        <p:cxnSp>
-          <p:nvCxnSpPr>
-            <p:cNvPr id="8" name="Straight Connector 7"/>
-            <p:cNvCxnSpPr/>
-            <p:nvPr/>
-          </p:nvCxnSpPr>
-          <p:spPr>
-            <a:xfrm>
-              <a:off x="5403729" y="2055303"/>
-              <a:ext cx="0" cy="3020036"/>
-            </a:xfrm>
-            <a:prstGeom prst="line">
-              <a:avLst/>
-            </a:prstGeom>
-            <a:ln w="12700">
-              <a:prstDash val="dash"/>
-            </a:ln>
-          </p:spPr>
-          <p:style>
-            <a:lnRef idx="1">
-              <a:schemeClr val="accent1"/>
-            </a:lnRef>
-            <a:fillRef idx="0">
-              <a:schemeClr val="accent1"/>
-            </a:fillRef>
-            <a:effectRef idx="0">
-              <a:schemeClr val="accent1"/>
-            </a:effectRef>
-            <a:fontRef idx="minor">
-              <a:schemeClr val="tx1"/>
-            </a:fontRef>
-          </p:style>
-        </p:cxnSp>
-        <p:sp>
-          <p:nvSpPr>
-            <p:cNvPr id="9" name="Rectangle 8"/>
-            <p:cNvSpPr/>
-            <p:nvPr/>
-          </p:nvSpPr>
-          <p:spPr>
-            <a:xfrm>
-              <a:off x="452657" y="1652631"/>
-              <a:ext cx="1147193" cy="402672"/>
-            </a:xfrm>
-            <a:prstGeom prst="rect">
-              <a:avLst/>
-            </a:prstGeom>
+        </p:nvCxnSpPr>
+        <p:spPr>
+          <a:xfrm>
+            <a:off x="2836317" y="2263405"/>
+            <a:ext cx="0" cy="3658581"/>
+          </a:xfrm>
+          <a:prstGeom prst="line">
+            <a:avLst/>
+          </a:prstGeom>
+          <a:ln w="12700">
+            <a:prstDash val="dash"/>
+          </a:ln>
+        </p:spPr>
+        <p:style>
+          <a:lnRef idx="1">
+            <a:schemeClr val="accent1"/>
+          </a:lnRef>
+          <a:fillRef idx="0">
+            <a:schemeClr val="accent1"/>
+          </a:fillRef>
+          <a:effectRef idx="0">
+            <a:schemeClr val="accent1"/>
+          </a:effectRef>
+          <a:fontRef idx="minor">
+            <a:schemeClr val="tx1"/>
+          </a:fontRef>
+        </p:style>
+      </p:cxnSp>
+      <p:cxnSp>
+        <p:nvCxnSpPr>
+          <p:cNvPr id="4" name="Straight Connector 3"/>
+          <p:cNvCxnSpPr/>
+          <p:nvPr/>
+        </p:nvCxnSpPr>
+        <p:spPr>
+          <a:xfrm>
+            <a:off x="4599759" y="2263405"/>
+            <a:ext cx="0" cy="3658581"/>
+          </a:xfrm>
+          <a:prstGeom prst="line">
+            <a:avLst/>
+          </a:prstGeom>
+          <a:ln w="12700">
+            <a:prstDash val="dash"/>
+          </a:ln>
+        </p:spPr>
+        <p:style>
+          <a:lnRef idx="1">
+            <a:schemeClr val="accent1"/>
+          </a:lnRef>
+          <a:fillRef idx="0">
+            <a:schemeClr val="accent1"/>
+          </a:fillRef>
+          <a:effectRef idx="0">
+            <a:schemeClr val="accent1"/>
+          </a:effectRef>
+          <a:fontRef idx="minor">
+            <a:schemeClr val="tx1"/>
+          </a:fontRef>
+        </p:style>
+      </p:cxnSp>
+      <p:cxnSp>
+        <p:nvCxnSpPr>
+          <p:cNvPr id="5" name="Straight Connector 4"/>
+          <p:cNvCxnSpPr/>
+          <p:nvPr/>
+        </p:nvCxnSpPr>
+        <p:spPr>
+          <a:xfrm>
+            <a:off x="6393690" y="2263405"/>
+            <a:ext cx="0" cy="3658581"/>
+          </a:xfrm>
+          <a:prstGeom prst="line">
+            <a:avLst/>
+          </a:prstGeom>
+          <a:ln w="12700">
+            <a:prstDash val="dash"/>
+          </a:ln>
+        </p:spPr>
+        <p:style>
+          <a:lnRef idx="1">
+            <a:schemeClr val="accent1"/>
+          </a:lnRef>
+          <a:fillRef idx="0">
+            <a:schemeClr val="accent1"/>
+          </a:fillRef>
+          <a:effectRef idx="0">
+            <a:schemeClr val="accent1"/>
+          </a:effectRef>
+          <a:fontRef idx="minor">
+            <a:schemeClr val="tx1"/>
+          </a:fontRef>
+        </p:style>
+      </p:cxnSp>
+      <p:cxnSp>
+        <p:nvCxnSpPr>
+          <p:cNvPr id="7" name="Straight Connector 6"/>
+          <p:cNvCxnSpPr/>
+          <p:nvPr/>
+        </p:nvCxnSpPr>
+        <p:spPr>
+          <a:xfrm>
+            <a:off x="9918882" y="2263405"/>
+            <a:ext cx="0" cy="3658581"/>
+          </a:xfrm>
+          <a:prstGeom prst="line">
+            <a:avLst/>
+          </a:prstGeom>
+          <a:ln w="12700">
+            <a:prstDash val="dash"/>
+          </a:ln>
+        </p:spPr>
+        <p:style>
+          <a:lnRef idx="1">
+            <a:schemeClr val="accent1"/>
+          </a:lnRef>
+          <a:fillRef idx="0">
+            <a:schemeClr val="accent1"/>
+          </a:fillRef>
+          <a:effectRef idx="0">
+            <a:schemeClr val="accent1"/>
+          </a:effectRef>
+          <a:fontRef idx="minor">
+            <a:schemeClr val="tx1"/>
+          </a:fontRef>
+        </p:style>
+      </p:cxnSp>
+      <p:cxnSp>
+        <p:nvCxnSpPr>
+          <p:cNvPr id="8" name="Straight Connector 7"/>
+          <p:cNvCxnSpPr/>
+          <p:nvPr/>
+        </p:nvCxnSpPr>
+        <p:spPr>
+          <a:xfrm>
+            <a:off x="8142736" y="2263405"/>
+            <a:ext cx="0" cy="3658581"/>
+          </a:xfrm>
+          <a:prstGeom prst="line">
+            <a:avLst/>
+          </a:prstGeom>
+          <a:ln w="12700">
+            <a:prstDash val="dash"/>
+          </a:ln>
+        </p:spPr>
+        <p:style>
+          <a:lnRef idx="1">
+            <a:schemeClr val="accent1"/>
+          </a:lnRef>
+          <a:fillRef idx="0">
+            <a:schemeClr val="accent1"/>
+          </a:fillRef>
+          <a:effectRef idx="0">
+            <a:schemeClr val="accent1"/>
+          </a:effectRef>
+          <a:fontRef idx="minor">
+            <a:schemeClr val="tx1"/>
+          </a:fontRef>
+        </p:style>
+      </p:cxnSp>
+      <p:sp>
+        <p:nvSpPr>
+          <p:cNvPr id="9" name="Rectangle 8"/>
+          <p:cNvSpPr/>
+          <p:nvPr/>
+        </p:nvSpPr>
+        <p:spPr>
+          <a:xfrm>
+            <a:off x="2144829" y="1775593"/>
+            <a:ext cx="1389751" cy="487811"/>
+          </a:xfrm>
+          <a:prstGeom prst="rect">
+            <a:avLst/>
+          </a:prstGeom>
+          <a:solidFill>
+            <a:schemeClr val="accent1">
+              <a:lumMod val="20000"/>
+              <a:lumOff val="80000"/>
+            </a:schemeClr>
+          </a:solidFill>
+          <a:ln>
             <a:solidFill>
-              <a:schemeClr val="accent1">
-                <a:lumMod val="20000"/>
-                <a:lumOff val="80000"/>
-              </a:schemeClr>
+              <a:srgbClr val="5B9BD5"/>
             </a:solidFill>
-            <a:ln>
-              <a:solidFill>
-                <a:srgbClr val="5B9BD5"/>
-              </a:solidFill>
-            </a:ln>
-          </p:spPr>
-          <p:style>
-            <a:lnRef idx="2">
-              <a:schemeClr val="accent1">
-                <a:shade val="50000"/>
-              </a:schemeClr>
-            </a:lnRef>
-            <a:fillRef idx="1">
-              <a:schemeClr val="accent1"/>
-            </a:fillRef>
-            <a:effectRef idx="0">
-              <a:schemeClr val="accent1"/>
-            </a:effectRef>
-            <a:fontRef idx="minor">
-              <a:schemeClr val="lt1"/>
-            </a:fontRef>
-          </p:style>
-          <p:txBody>
-            <a:bodyPr rtlCol="0" anchor="ctr"/>
-            <a:lstStyle/>
-            <a:p>
-              <a:pPr algn="ctr"/>
-              <a:r>
-                <a:rPr lang="nb-NO" sz="1400" dirty="0">
-                  <a:solidFill>
-                    <a:schemeClr val="tx2"/>
-                  </a:solidFill>
-                </a:rPr>
-                <a:t>POP3 Messages</a:t>
-              </a:r>
-              <a:endParaRPr lang="en-US" sz="1400" dirty="0">
+          </a:ln>
+        </p:spPr>
+        <p:style>
+          <a:lnRef idx="2">
+            <a:schemeClr val="accent1">
+              <a:shade val="50000"/>
+            </a:schemeClr>
+          </a:lnRef>
+          <a:fillRef idx="1">
+            <a:schemeClr val="accent1"/>
+          </a:fillRef>
+          <a:effectRef idx="0">
+            <a:schemeClr val="accent1"/>
+          </a:effectRef>
+          <a:fontRef idx="minor">
+            <a:schemeClr val="lt1"/>
+          </a:fontRef>
+        </p:style>
+        <p:txBody>
+          <a:bodyPr rtlCol="0" anchor="ctr"/>
+          <a:lstStyle/>
+          <a:p>
+            <a:pPr algn="ctr"/>
+            <a:r>
+              <a:rPr lang="nb-NO" sz="1400" dirty="0">
                 <a:solidFill>
                   <a:schemeClr val="tx2"/>
                 </a:solidFill>
-              </a:endParaRPr>
-            </a:p>
-          </p:txBody>
-        </p:sp>
-        <p:sp>
-          <p:nvSpPr>
-            <p:cNvPr id="10" name="Rectangle 9"/>
-            <p:cNvSpPr/>
-            <p:nvPr/>
-          </p:nvSpPr>
-          <p:spPr>
-            <a:xfrm>
-              <a:off x="1905524" y="1652631"/>
-              <a:ext cx="1147193" cy="402672"/>
-            </a:xfrm>
-            <a:prstGeom prst="rect">
-              <a:avLst/>
-            </a:prstGeom>
+              </a:rPr>
+              <a:t>POP3 Messages</a:t>
+            </a:r>
+            <a:endParaRPr lang="en-US" sz="1400" dirty="0">
+              <a:solidFill>
+                <a:schemeClr val="tx2"/>
+              </a:solidFill>
+            </a:endParaRPr>
+          </a:p>
+        </p:txBody>
+      </p:sp>
+      <p:sp>
+        <p:nvSpPr>
+          <p:cNvPr id="10" name="Rectangle 9"/>
+          <p:cNvSpPr/>
+          <p:nvPr/>
+        </p:nvSpPr>
+        <p:spPr>
+          <a:xfrm>
+            <a:off x="3904885" y="1775593"/>
+            <a:ext cx="1389751" cy="487811"/>
+          </a:xfrm>
+          <a:prstGeom prst="rect">
+            <a:avLst/>
+          </a:prstGeom>
+          <a:solidFill>
+            <a:schemeClr val="accent1">
+              <a:lumMod val="20000"/>
+              <a:lumOff val="80000"/>
+            </a:schemeClr>
+          </a:solidFill>
+          <a:ln>
             <a:solidFill>
-              <a:schemeClr val="accent1">
-                <a:lumMod val="20000"/>
-                <a:lumOff val="80000"/>
-              </a:schemeClr>
+              <a:srgbClr val="5B9BD5"/>
             </a:solidFill>
-            <a:ln>
-              <a:solidFill>
-                <a:srgbClr val="5B9BD5"/>
-              </a:solidFill>
-            </a:ln>
-          </p:spPr>
-          <p:style>
-            <a:lnRef idx="2">
-              <a:schemeClr val="accent1">
-                <a:shade val="50000"/>
-              </a:schemeClr>
-            </a:lnRef>
-            <a:fillRef idx="1">
-              <a:schemeClr val="accent1"/>
-            </a:fillRef>
-            <a:effectRef idx="0">
-              <a:schemeClr val="accent1"/>
-            </a:effectRef>
-            <a:fontRef idx="minor">
-              <a:schemeClr val="lt1"/>
-            </a:fontRef>
-          </p:style>
-          <p:txBody>
-            <a:bodyPr rtlCol="0" anchor="ctr"/>
-            <a:lstStyle/>
-            <a:p>
-              <a:pPr algn="ctr"/>
-              <a:r>
-                <a:rPr lang="nb-NO" sz="1400" dirty="0">
-                  <a:solidFill>
-                    <a:schemeClr val="tx2"/>
-                  </a:solidFill>
-                </a:rPr>
-                <a:t>Event Source Messaging</a:t>
-              </a:r>
-              <a:endParaRPr lang="en-US" sz="1400" dirty="0">
+          </a:ln>
+        </p:spPr>
+        <p:style>
+          <a:lnRef idx="2">
+            <a:schemeClr val="accent1">
+              <a:shade val="50000"/>
+            </a:schemeClr>
+          </a:lnRef>
+          <a:fillRef idx="1">
+            <a:schemeClr val="accent1"/>
+          </a:fillRef>
+          <a:effectRef idx="0">
+            <a:schemeClr val="accent1"/>
+          </a:effectRef>
+          <a:fontRef idx="minor">
+            <a:schemeClr val="lt1"/>
+          </a:fontRef>
+        </p:style>
+        <p:txBody>
+          <a:bodyPr rtlCol="0" anchor="ctr"/>
+          <a:lstStyle/>
+          <a:p>
+            <a:pPr algn="ctr"/>
+            <a:r>
+              <a:rPr lang="nb-NO" sz="1400" dirty="0">
                 <a:solidFill>
                   <a:schemeClr val="tx2"/>
                 </a:solidFill>
-              </a:endParaRPr>
-            </a:p>
-          </p:txBody>
-        </p:sp>
-        <p:sp>
-          <p:nvSpPr>
-            <p:cNvPr id="11" name="Rectangle 10"/>
-            <p:cNvSpPr/>
-            <p:nvPr/>
-          </p:nvSpPr>
-          <p:spPr>
-            <a:xfrm>
-              <a:off x="3350002" y="1652631"/>
-              <a:ext cx="1147193" cy="402672"/>
-            </a:xfrm>
-            <a:prstGeom prst="rect">
-              <a:avLst/>
-            </a:prstGeom>
+              </a:rPr>
+              <a:t>Event Source Messaging</a:t>
+            </a:r>
+            <a:endParaRPr lang="en-US" sz="1400" dirty="0">
+              <a:solidFill>
+                <a:schemeClr val="tx2"/>
+              </a:solidFill>
+            </a:endParaRPr>
+          </a:p>
+        </p:txBody>
+      </p:sp>
+      <p:sp>
+        <p:nvSpPr>
+          <p:cNvPr id="11" name="Rectangle 10"/>
+          <p:cNvSpPr/>
+          <p:nvPr/>
+        </p:nvSpPr>
+        <p:spPr>
+          <a:xfrm>
+            <a:off x="5654777" y="1775593"/>
+            <a:ext cx="1389751" cy="487811"/>
+          </a:xfrm>
+          <a:prstGeom prst="rect">
+            <a:avLst/>
+          </a:prstGeom>
+          <a:solidFill>
+            <a:schemeClr val="accent1">
+              <a:lumMod val="20000"/>
+              <a:lumOff val="80000"/>
+            </a:schemeClr>
+          </a:solidFill>
+          <a:ln>
             <a:solidFill>
-              <a:schemeClr val="accent1">
-                <a:lumMod val="20000"/>
-                <a:lumOff val="80000"/>
-              </a:schemeClr>
+              <a:srgbClr val="5B9BD5"/>
             </a:solidFill>
-            <a:ln>
-              <a:solidFill>
-                <a:srgbClr val="5B9BD5"/>
-              </a:solidFill>
-            </a:ln>
-          </p:spPr>
-          <p:style>
-            <a:lnRef idx="2">
-              <a:schemeClr val="accent1">
-                <a:shade val="50000"/>
-              </a:schemeClr>
-            </a:lnRef>
-            <a:fillRef idx="1">
-              <a:schemeClr val="accent1"/>
-            </a:fillRef>
-            <a:effectRef idx="0">
-              <a:schemeClr val="accent1"/>
-            </a:effectRef>
-            <a:fontRef idx="minor">
-              <a:schemeClr val="lt1"/>
-            </a:fontRef>
-          </p:style>
-          <p:txBody>
-            <a:bodyPr rtlCol="0" anchor="ctr"/>
-            <a:lstStyle/>
-            <a:p>
-              <a:pPr algn="ctr"/>
-              <a:r>
-                <a:rPr lang="nb-NO" sz="1200" dirty="0">
-                  <a:solidFill>
-                    <a:schemeClr val="tx2"/>
-                  </a:solidFill>
-                </a:rPr>
-                <a:t>Event Stream</a:t>
-              </a:r>
-              <a:endParaRPr lang="en-US" sz="1200" dirty="0">
+          </a:ln>
+        </p:spPr>
+        <p:style>
+          <a:lnRef idx="2">
+            <a:schemeClr val="accent1">
+              <a:shade val="50000"/>
+            </a:schemeClr>
+          </a:lnRef>
+          <a:fillRef idx="1">
+            <a:schemeClr val="accent1"/>
+          </a:fillRef>
+          <a:effectRef idx="0">
+            <a:schemeClr val="accent1"/>
+          </a:effectRef>
+          <a:fontRef idx="minor">
+            <a:schemeClr val="lt1"/>
+          </a:fontRef>
+        </p:style>
+        <p:txBody>
+          <a:bodyPr rtlCol="0" anchor="ctr"/>
+          <a:lstStyle/>
+          <a:p>
+            <a:pPr algn="ctr"/>
+            <a:r>
+              <a:rPr lang="nb-NO" sz="1200" dirty="0">
                 <a:solidFill>
                   <a:schemeClr val="tx2"/>
                 </a:solidFill>
-              </a:endParaRPr>
-            </a:p>
-          </p:txBody>
-        </p:sp>
-        <p:sp>
-          <p:nvSpPr>
-            <p:cNvPr id="12" name="Rectangle 11"/>
-            <p:cNvSpPr/>
-            <p:nvPr/>
-          </p:nvSpPr>
-          <p:spPr>
-            <a:xfrm>
-              <a:off x="4823142" y="1652631"/>
-              <a:ext cx="1147193" cy="402672"/>
-            </a:xfrm>
-            <a:prstGeom prst="rect">
-              <a:avLst/>
-            </a:prstGeom>
+              </a:rPr>
+              <a:t>Event Stream</a:t>
+            </a:r>
+            <a:endParaRPr lang="en-US" sz="1200" dirty="0">
+              <a:solidFill>
+                <a:schemeClr val="tx2"/>
+              </a:solidFill>
+            </a:endParaRPr>
+          </a:p>
+        </p:txBody>
+      </p:sp>
+      <p:sp>
+        <p:nvSpPr>
+          <p:cNvPr id="12" name="Rectangle 11"/>
+          <p:cNvSpPr/>
+          <p:nvPr/>
+        </p:nvSpPr>
+        <p:spPr>
+          <a:xfrm>
+            <a:off x="7439392" y="1775593"/>
+            <a:ext cx="1389751" cy="487811"/>
+          </a:xfrm>
+          <a:prstGeom prst="rect">
+            <a:avLst/>
+          </a:prstGeom>
+          <a:solidFill>
+            <a:schemeClr val="accent1">
+              <a:lumMod val="20000"/>
+              <a:lumOff val="80000"/>
+            </a:schemeClr>
+          </a:solidFill>
+          <a:ln>
             <a:solidFill>
-              <a:schemeClr val="accent1">
-                <a:lumMod val="20000"/>
-                <a:lumOff val="80000"/>
-              </a:schemeClr>
+              <a:srgbClr val="5B9BD5"/>
             </a:solidFill>
-            <a:ln>
-              <a:solidFill>
-                <a:srgbClr val="5B9BD5"/>
-              </a:solidFill>
-            </a:ln>
-          </p:spPr>
-          <p:style>
-            <a:lnRef idx="2">
-              <a:schemeClr val="accent1">
-                <a:shade val="50000"/>
-              </a:schemeClr>
-            </a:lnRef>
-            <a:fillRef idx="1">
-              <a:schemeClr val="accent1"/>
-            </a:fillRef>
-            <a:effectRef idx="0">
-              <a:schemeClr val="accent1"/>
-            </a:effectRef>
-            <a:fontRef idx="minor">
-              <a:schemeClr val="lt1"/>
-            </a:fontRef>
-          </p:style>
-          <p:txBody>
-            <a:bodyPr rtlCol="0" anchor="ctr"/>
-            <a:lstStyle/>
-            <a:p>
-              <a:pPr algn="ctr"/>
-              <a:r>
-                <a:rPr lang="nb-NO" sz="1400" dirty="0">
-                  <a:solidFill>
-                    <a:schemeClr val="tx2"/>
-                  </a:solidFill>
-                </a:rPr>
-                <a:t>Text Analytics</a:t>
-              </a:r>
-              <a:endParaRPr lang="en-US" sz="1400" dirty="0">
+          </a:ln>
+        </p:spPr>
+        <p:style>
+          <a:lnRef idx="2">
+            <a:schemeClr val="accent1">
+              <a:shade val="50000"/>
+            </a:schemeClr>
+          </a:lnRef>
+          <a:fillRef idx="1">
+            <a:schemeClr val="accent1"/>
+          </a:fillRef>
+          <a:effectRef idx="0">
+            <a:schemeClr val="accent1"/>
+          </a:effectRef>
+          <a:fontRef idx="minor">
+            <a:schemeClr val="lt1"/>
+          </a:fontRef>
+        </p:style>
+        <p:txBody>
+          <a:bodyPr rtlCol="0" anchor="ctr"/>
+          <a:lstStyle/>
+          <a:p>
+            <a:pPr algn="ctr"/>
+            <a:r>
+              <a:rPr lang="nb-NO" sz="1400" dirty="0">
                 <a:solidFill>
                   <a:schemeClr val="tx2"/>
                 </a:solidFill>
-              </a:endParaRPr>
-            </a:p>
-          </p:txBody>
-        </p:sp>
-        <p:sp>
-          <p:nvSpPr>
-            <p:cNvPr id="13" name="Rectangle 12"/>
-            <p:cNvSpPr/>
-            <p:nvPr/>
-          </p:nvSpPr>
-          <p:spPr>
-            <a:xfrm>
-              <a:off x="6273911" y="1652631"/>
-              <a:ext cx="1147193" cy="402672"/>
-            </a:xfrm>
-            <a:prstGeom prst="rect">
-              <a:avLst/>
-            </a:prstGeom>
+              </a:rPr>
+              <a:t>Text Analytics</a:t>
+            </a:r>
+            <a:endParaRPr lang="en-US" sz="1400" dirty="0">
+              <a:solidFill>
+                <a:schemeClr val="tx2"/>
+              </a:solidFill>
+            </a:endParaRPr>
+          </a:p>
+        </p:txBody>
+      </p:sp>
+      <p:sp>
+        <p:nvSpPr>
+          <p:cNvPr id="13" name="Rectangle 12"/>
+          <p:cNvSpPr/>
+          <p:nvPr/>
+        </p:nvSpPr>
+        <p:spPr>
+          <a:xfrm>
+            <a:off x="9196906" y="1775593"/>
+            <a:ext cx="1389751" cy="487811"/>
+          </a:xfrm>
+          <a:prstGeom prst="rect">
+            <a:avLst/>
+          </a:prstGeom>
+          <a:solidFill>
+            <a:schemeClr val="accent1">
+              <a:lumMod val="20000"/>
+              <a:lumOff val="80000"/>
+            </a:schemeClr>
+          </a:solidFill>
+          <a:ln>
             <a:solidFill>
-              <a:schemeClr val="accent1">
-                <a:lumMod val="20000"/>
-                <a:lumOff val="80000"/>
-              </a:schemeClr>
+              <a:srgbClr val="5B9BD5"/>
             </a:solidFill>
-            <a:ln>
-              <a:solidFill>
-                <a:srgbClr val="5B9BD5"/>
-              </a:solidFill>
-            </a:ln>
-          </p:spPr>
-          <p:style>
-            <a:lnRef idx="2">
-              <a:schemeClr val="accent1">
-                <a:shade val="50000"/>
-              </a:schemeClr>
-            </a:lnRef>
-            <a:fillRef idx="1">
-              <a:schemeClr val="accent1"/>
-            </a:fillRef>
-            <a:effectRef idx="0">
-              <a:schemeClr val="accent1"/>
-            </a:effectRef>
-            <a:fontRef idx="minor">
-              <a:schemeClr val="lt1"/>
-            </a:fontRef>
-          </p:style>
-          <p:txBody>
-            <a:bodyPr rtlCol="0" anchor="ctr"/>
-            <a:lstStyle/>
-            <a:p>
-              <a:pPr algn="ctr"/>
-              <a:r>
-                <a:rPr lang="nb-NO" sz="1200" dirty="0">
-                  <a:solidFill>
-                    <a:schemeClr val="tx2"/>
-                  </a:solidFill>
-                </a:rPr>
-                <a:t>Event Source Tagging</a:t>
-              </a:r>
-              <a:endParaRPr lang="en-US" sz="1200" dirty="0">
+          </a:ln>
+        </p:spPr>
+        <p:style>
+          <a:lnRef idx="2">
+            <a:schemeClr val="accent1">
+              <a:shade val="50000"/>
+            </a:schemeClr>
+          </a:lnRef>
+          <a:fillRef idx="1">
+            <a:schemeClr val="accent1"/>
+          </a:fillRef>
+          <a:effectRef idx="0">
+            <a:schemeClr val="accent1"/>
+          </a:effectRef>
+          <a:fontRef idx="minor">
+            <a:schemeClr val="lt1"/>
+          </a:fontRef>
+        </p:style>
+        <p:txBody>
+          <a:bodyPr rtlCol="0" anchor="ctr"/>
+          <a:lstStyle/>
+          <a:p>
+            <a:pPr algn="ctr"/>
+            <a:r>
+              <a:rPr lang="nb-NO" sz="1200" dirty="0">
                 <a:solidFill>
                   <a:schemeClr val="tx2"/>
                 </a:solidFill>
-              </a:endParaRPr>
-            </a:p>
-          </p:txBody>
-        </p:sp>
-        <p:cxnSp>
-          <p:nvCxnSpPr>
-            <p:cNvPr id="15" name="Straight Arrow Connector 14"/>
-            <p:cNvCxnSpPr>
-              <a:cxnSpLocks/>
-            </p:cNvCxnSpPr>
-            <p:nvPr/>
-          </p:nvCxnSpPr>
-          <p:spPr>
-            <a:xfrm flipV="1">
-              <a:off x="1023457" y="2412804"/>
-              <a:ext cx="1393089" cy="8705"/>
-            </a:xfrm>
-            <a:prstGeom prst="straightConnector1">
-              <a:avLst/>
-            </a:prstGeom>
-            <a:ln w="12700">
-              <a:tailEnd type="arrow" w="lg" len="lg"/>
-            </a:ln>
-          </p:spPr>
-          <p:style>
-            <a:lnRef idx="1">
-              <a:schemeClr val="accent1"/>
-            </a:lnRef>
-            <a:fillRef idx="0">
-              <a:schemeClr val="accent1"/>
-            </a:fillRef>
-            <a:effectRef idx="0">
-              <a:schemeClr val="accent1"/>
-            </a:effectRef>
-            <a:fontRef idx="minor">
-              <a:schemeClr val="tx1"/>
-            </a:fontRef>
-          </p:style>
-        </p:cxnSp>
-        <p:sp>
-          <p:nvSpPr>
-            <p:cNvPr id="16" name="TextBox 15"/>
-            <p:cNvSpPr txBox="1"/>
-            <p:nvPr/>
-          </p:nvSpPr>
-          <p:spPr>
-            <a:xfrm>
-              <a:off x="1023455" y="2196853"/>
-              <a:ext cx="1455666" cy="215950"/>
-            </a:xfrm>
-            <a:prstGeom prst="rect">
-              <a:avLst/>
-            </a:prstGeom>
-            <a:noFill/>
-          </p:spPr>
-          <p:txBody>
-            <a:bodyPr wrap="square" rtlCol="0">
-              <a:spAutoFit/>
-            </a:bodyPr>
-            <a:lstStyle/>
-            <a:p>
-              <a:pPr algn="ctr"/>
-              <a:r>
-                <a:rPr lang="nb-NO" sz="1100" dirty="0">
-                  <a:solidFill>
-                    <a:schemeClr val="accent1">
-                      <a:lumMod val="50000"/>
-                    </a:schemeClr>
-                  </a:solidFill>
-                </a:rPr>
-                <a:t>Receive</a:t>
-              </a:r>
-              <a:endParaRPr lang="en-US" sz="1100" dirty="0">
+              </a:rPr>
+              <a:t>Event Source Tagging</a:t>
+            </a:r>
+            <a:endParaRPr lang="en-US" sz="1200" dirty="0">
+              <a:solidFill>
+                <a:schemeClr val="tx2"/>
+              </a:solidFill>
+            </a:endParaRPr>
+          </a:p>
+        </p:txBody>
+      </p:sp>
+      <p:cxnSp>
+        <p:nvCxnSpPr>
+          <p:cNvPr id="15" name="Straight Arrow Connector 14"/>
+          <p:cNvCxnSpPr>
+            <a:cxnSpLocks/>
+          </p:cNvCxnSpPr>
+          <p:nvPr/>
+        </p:nvCxnSpPr>
+        <p:spPr>
+          <a:xfrm flipV="1">
+            <a:off x="2836317" y="2696495"/>
+            <a:ext cx="1687638" cy="10546"/>
+          </a:xfrm>
+          <a:prstGeom prst="straightConnector1">
+            <a:avLst/>
+          </a:prstGeom>
+          <a:ln w="12700">
+            <a:tailEnd type="arrow" w="lg" len="lg"/>
+          </a:ln>
+        </p:spPr>
+        <p:style>
+          <a:lnRef idx="1">
+            <a:schemeClr val="accent1"/>
+          </a:lnRef>
+          <a:fillRef idx="0">
+            <a:schemeClr val="accent1"/>
+          </a:fillRef>
+          <a:effectRef idx="0">
+            <a:schemeClr val="accent1"/>
+          </a:effectRef>
+          <a:fontRef idx="minor">
+            <a:schemeClr val="tx1"/>
+          </a:fontRef>
+        </p:style>
+      </p:cxnSp>
+      <p:sp>
+        <p:nvSpPr>
+          <p:cNvPr id="16" name="TextBox 15"/>
+          <p:cNvSpPr txBox="1"/>
+          <p:nvPr/>
+        </p:nvSpPr>
+        <p:spPr>
+          <a:xfrm>
+            <a:off x="2846148" y="2445431"/>
+            <a:ext cx="1763446" cy="261610"/>
+          </a:xfrm>
+          <a:prstGeom prst="rect">
+            <a:avLst/>
+          </a:prstGeom>
+          <a:noFill/>
+        </p:spPr>
+        <p:txBody>
+          <a:bodyPr wrap="square" rtlCol="0">
+            <a:spAutoFit/>
+          </a:bodyPr>
+          <a:lstStyle/>
+          <a:p>
+            <a:pPr algn="ctr"/>
+            <a:r>
+              <a:rPr lang="nb-NO" sz="1100" dirty="0">
                 <a:solidFill>
                   <a:schemeClr val="accent1">
                     <a:lumMod val="50000"/>
                   </a:schemeClr>
                 </a:solidFill>
-              </a:endParaRPr>
-            </a:p>
-          </p:txBody>
-        </p:sp>
-        <p:cxnSp>
-          <p:nvCxnSpPr>
-            <p:cNvPr id="17" name="Straight Arrow Connector 16"/>
-            <p:cNvCxnSpPr>
-              <a:cxnSpLocks/>
-              <a:endCxn id="59" idx="1"/>
-            </p:cNvCxnSpPr>
-            <p:nvPr/>
-          </p:nvCxnSpPr>
-          <p:spPr>
-            <a:xfrm>
-              <a:off x="3508954" y="2570540"/>
-              <a:ext cx="1417771" cy="0"/>
-            </a:xfrm>
-            <a:prstGeom prst="straightConnector1">
-              <a:avLst/>
-            </a:prstGeom>
-            <a:ln w="12700">
-              <a:tailEnd type="arrow" w="lg" len="lg"/>
-            </a:ln>
-          </p:spPr>
-          <p:style>
-            <a:lnRef idx="1">
-              <a:schemeClr val="accent1"/>
-            </a:lnRef>
-            <a:fillRef idx="0">
-              <a:schemeClr val="accent1"/>
-            </a:fillRef>
-            <a:effectRef idx="0">
-              <a:schemeClr val="accent1"/>
-            </a:effectRef>
-            <a:fontRef idx="minor">
-              <a:schemeClr val="tx1"/>
-            </a:fontRef>
-          </p:style>
-        </p:cxnSp>
-        <p:sp>
-          <p:nvSpPr>
-            <p:cNvPr id="18" name="TextBox 17"/>
-            <p:cNvSpPr txBox="1"/>
-            <p:nvPr/>
-          </p:nvSpPr>
-          <p:spPr>
-            <a:xfrm>
-              <a:off x="2416546" y="2343561"/>
-              <a:ext cx="1455666" cy="215950"/>
-            </a:xfrm>
-            <a:prstGeom prst="rect">
-              <a:avLst/>
-            </a:prstGeom>
-            <a:noFill/>
-          </p:spPr>
-          <p:txBody>
-            <a:bodyPr wrap="square" rtlCol="0">
-              <a:spAutoFit/>
-            </a:bodyPr>
-            <a:lstStyle/>
-            <a:p>
-              <a:pPr algn="ctr"/>
-              <a:r>
-                <a:rPr lang="nb-NO" sz="1100" dirty="0">
-                  <a:solidFill>
-                    <a:schemeClr val="accent1">
-                      <a:lumMod val="50000"/>
-                    </a:schemeClr>
-                  </a:solidFill>
-                </a:rPr>
-                <a:t>Received</a:t>
-              </a:r>
-              <a:endParaRPr lang="en-US" sz="1100" dirty="0">
+              </a:rPr>
+              <a:t>Receive</a:t>
+            </a:r>
+            <a:endParaRPr lang="en-US" sz="1100" dirty="0">
+              <a:solidFill>
+                <a:schemeClr val="accent1">
+                  <a:lumMod val="50000"/>
+                </a:schemeClr>
+              </a:solidFill>
+            </a:endParaRPr>
+          </a:p>
+        </p:txBody>
+      </p:sp>
+      <p:cxnSp>
+        <p:nvCxnSpPr>
+          <p:cNvPr id="17" name="Straight Arrow Connector 16"/>
+          <p:cNvCxnSpPr>
+            <a:cxnSpLocks/>
+          </p:cNvCxnSpPr>
+          <p:nvPr/>
+        </p:nvCxnSpPr>
+        <p:spPr>
+          <a:xfrm flipV="1">
+            <a:off x="4671700" y="2874221"/>
+            <a:ext cx="1664015" cy="4974"/>
+          </a:xfrm>
+          <a:prstGeom prst="straightConnector1">
+            <a:avLst/>
+          </a:prstGeom>
+          <a:ln w="12700">
+            <a:tailEnd type="arrow" w="lg" len="lg"/>
+          </a:ln>
+        </p:spPr>
+        <p:style>
+          <a:lnRef idx="1">
+            <a:schemeClr val="accent1"/>
+          </a:lnRef>
+          <a:fillRef idx="0">
+            <a:schemeClr val="accent1"/>
+          </a:fillRef>
+          <a:effectRef idx="0">
+            <a:schemeClr val="accent1"/>
+          </a:effectRef>
+          <a:fontRef idx="minor">
+            <a:schemeClr val="tx1"/>
+          </a:fontRef>
+        </p:style>
+      </p:cxnSp>
+      <p:sp>
+        <p:nvSpPr>
+          <p:cNvPr id="18" name="TextBox 17"/>
+          <p:cNvSpPr txBox="1"/>
+          <p:nvPr/>
+        </p:nvSpPr>
+        <p:spPr>
+          <a:xfrm>
+            <a:off x="4529256" y="2619946"/>
+            <a:ext cx="1763446" cy="261610"/>
+          </a:xfrm>
+          <a:prstGeom prst="rect">
+            <a:avLst/>
+          </a:prstGeom>
+          <a:noFill/>
+        </p:spPr>
+        <p:txBody>
+          <a:bodyPr wrap="square" rtlCol="0">
+            <a:spAutoFit/>
+          </a:bodyPr>
+          <a:lstStyle/>
+          <a:p>
+            <a:pPr algn="ctr"/>
+            <a:r>
+              <a:rPr lang="nb-NO" sz="1100" dirty="0">
                 <a:solidFill>
                   <a:schemeClr val="accent1">
                     <a:lumMod val="50000"/>
                   </a:schemeClr>
                 </a:solidFill>
-              </a:endParaRPr>
-            </a:p>
-          </p:txBody>
-        </p:sp>
-        <p:cxnSp>
-          <p:nvCxnSpPr>
-            <p:cNvPr id="21" name="Straight Arrow Connector 20"/>
-            <p:cNvCxnSpPr>
-              <a:cxnSpLocks/>
-            </p:cNvCxnSpPr>
-            <p:nvPr/>
-          </p:nvCxnSpPr>
-          <p:spPr>
-            <a:xfrm flipV="1">
-              <a:off x="1027561" y="2879989"/>
-              <a:ext cx="4320666" cy="13097"/>
-            </a:xfrm>
-            <a:prstGeom prst="straightConnector1">
-              <a:avLst/>
-            </a:prstGeom>
-            <a:ln w="12700">
-              <a:tailEnd type="arrow" w="lg" len="lg"/>
-            </a:ln>
-          </p:spPr>
-          <p:style>
-            <a:lnRef idx="1">
-              <a:schemeClr val="accent1"/>
-            </a:lnRef>
-            <a:fillRef idx="0">
-              <a:schemeClr val="accent1"/>
-            </a:fillRef>
-            <a:effectRef idx="0">
-              <a:schemeClr val="accent1"/>
-            </a:effectRef>
-            <a:fontRef idx="minor">
-              <a:schemeClr val="tx1"/>
-            </a:fontRef>
-          </p:style>
-        </p:cxnSp>
-        <p:sp>
-          <p:nvSpPr>
-            <p:cNvPr id="22" name="TextBox 21"/>
-            <p:cNvSpPr txBox="1"/>
-            <p:nvPr/>
-          </p:nvSpPr>
-          <p:spPr>
-            <a:xfrm>
-              <a:off x="1025582" y="2675315"/>
-              <a:ext cx="1455666" cy="215950"/>
-            </a:xfrm>
-            <a:prstGeom prst="rect">
-              <a:avLst/>
-            </a:prstGeom>
-            <a:noFill/>
-          </p:spPr>
-          <p:txBody>
-            <a:bodyPr wrap="square" rtlCol="0">
-              <a:spAutoFit/>
-            </a:bodyPr>
-            <a:lstStyle/>
-            <a:p>
-              <a:pPr algn="ctr"/>
-              <a:r>
-                <a:rPr lang="nb-NO" sz="1100" dirty="0">
-                  <a:solidFill>
-                    <a:schemeClr val="accent1">
-                      <a:lumMod val="50000"/>
-                    </a:schemeClr>
-                  </a:solidFill>
-                </a:rPr>
-                <a:t>Post: tags</a:t>
-              </a:r>
-              <a:endParaRPr lang="en-US" sz="1100" dirty="0">
+              </a:rPr>
+              <a:t>Received</a:t>
+            </a:r>
+            <a:endParaRPr lang="en-US" sz="1100" dirty="0">
+              <a:solidFill>
+                <a:schemeClr val="accent1">
+                  <a:lumMod val="50000"/>
+                </a:schemeClr>
+              </a:solidFill>
+            </a:endParaRPr>
+          </a:p>
+        </p:txBody>
+      </p:sp>
+      <p:cxnSp>
+        <p:nvCxnSpPr>
+          <p:cNvPr id="21" name="Straight Arrow Connector 20"/>
+          <p:cNvCxnSpPr>
+            <a:cxnSpLocks/>
+          </p:cNvCxnSpPr>
+          <p:nvPr/>
+        </p:nvCxnSpPr>
+        <p:spPr>
+          <a:xfrm flipV="1">
+            <a:off x="2841289" y="3262459"/>
+            <a:ext cx="5234211" cy="15866"/>
+          </a:xfrm>
+          <a:prstGeom prst="straightConnector1">
+            <a:avLst/>
+          </a:prstGeom>
+          <a:ln w="12700">
+            <a:tailEnd type="arrow" w="lg" len="lg"/>
+          </a:ln>
+        </p:spPr>
+        <p:style>
+          <a:lnRef idx="1">
+            <a:schemeClr val="accent1"/>
+          </a:lnRef>
+          <a:fillRef idx="0">
+            <a:schemeClr val="accent1"/>
+          </a:fillRef>
+          <a:effectRef idx="0">
+            <a:schemeClr val="accent1"/>
+          </a:effectRef>
+          <a:fontRef idx="minor">
+            <a:schemeClr val="tx1"/>
+          </a:fontRef>
+        </p:style>
+      </p:cxnSp>
+      <p:sp>
+        <p:nvSpPr>
+          <p:cNvPr id="22" name="TextBox 21"/>
+          <p:cNvSpPr txBox="1"/>
+          <p:nvPr/>
+        </p:nvSpPr>
+        <p:spPr>
+          <a:xfrm>
+            <a:off x="2838891" y="3014510"/>
+            <a:ext cx="1763446" cy="261610"/>
+          </a:xfrm>
+          <a:prstGeom prst="rect">
+            <a:avLst/>
+          </a:prstGeom>
+          <a:noFill/>
+        </p:spPr>
+        <p:txBody>
+          <a:bodyPr wrap="square" rtlCol="0">
+            <a:spAutoFit/>
+          </a:bodyPr>
+          <a:lstStyle/>
+          <a:p>
+            <a:pPr algn="ctr"/>
+            <a:r>
+              <a:rPr lang="nb-NO" sz="1100" dirty="0">
                 <a:solidFill>
                   <a:schemeClr val="accent1">
                     <a:lumMod val="50000"/>
                   </a:schemeClr>
                 </a:solidFill>
-              </a:endParaRPr>
-            </a:p>
-          </p:txBody>
-        </p:sp>
-        <p:cxnSp>
-          <p:nvCxnSpPr>
-            <p:cNvPr id="23" name="Straight Arrow Connector 22"/>
-            <p:cNvCxnSpPr>
-              <a:cxnSpLocks/>
-            </p:cNvCxnSpPr>
-            <p:nvPr/>
-          </p:nvCxnSpPr>
-          <p:spPr>
-            <a:xfrm>
-              <a:off x="1079822" y="3175982"/>
-              <a:ext cx="4328200" cy="0"/>
-            </a:xfrm>
-            <a:prstGeom prst="straightConnector1">
-              <a:avLst/>
-            </a:prstGeom>
-            <a:ln w="12700">
-              <a:headEnd type="arrow"/>
-              <a:tailEnd type="none" w="lg" len="lg"/>
-            </a:ln>
-          </p:spPr>
-          <p:style>
-            <a:lnRef idx="1">
-              <a:schemeClr val="accent1"/>
-            </a:lnRef>
-            <a:fillRef idx="0">
-              <a:schemeClr val="accent1"/>
-            </a:fillRef>
-            <a:effectRef idx="0">
-              <a:schemeClr val="accent1"/>
-            </a:effectRef>
-            <a:fontRef idx="minor">
-              <a:schemeClr val="tx1"/>
-            </a:fontRef>
-          </p:style>
-        </p:cxnSp>
-        <p:sp>
-          <p:nvSpPr>
-            <p:cNvPr id="24" name="TextBox 23"/>
-            <p:cNvSpPr txBox="1"/>
-            <p:nvPr/>
-          </p:nvSpPr>
-          <p:spPr>
-            <a:xfrm>
-              <a:off x="411240" y="2934279"/>
-              <a:ext cx="2666637" cy="215950"/>
-            </a:xfrm>
-            <a:prstGeom prst="rect">
-              <a:avLst/>
-            </a:prstGeom>
-            <a:noFill/>
-          </p:spPr>
-          <p:txBody>
-            <a:bodyPr wrap="square" rtlCol="0">
-              <a:spAutoFit/>
-            </a:bodyPr>
-            <a:lstStyle/>
-            <a:p>
-              <a:pPr algn="ctr"/>
-              <a:r>
-                <a:rPr lang="nb-NO" sz="1100" dirty="0">
-                  <a:solidFill>
-                    <a:schemeClr val="accent1">
-                      <a:lumMod val="50000"/>
-                    </a:schemeClr>
-                  </a:solidFill>
-                </a:rPr>
-                <a:t>[Tags.]</a:t>
-              </a:r>
-              <a:endParaRPr lang="en-US" sz="1100" dirty="0">
+              </a:rPr>
+              <a:t>Post: tags</a:t>
+            </a:r>
+            <a:endParaRPr lang="en-US" sz="1100" dirty="0">
+              <a:solidFill>
+                <a:schemeClr val="accent1">
+                  <a:lumMod val="50000"/>
+                </a:schemeClr>
+              </a:solidFill>
+            </a:endParaRPr>
+          </a:p>
+        </p:txBody>
+      </p:sp>
+      <p:cxnSp>
+        <p:nvCxnSpPr>
+          <p:cNvPr id="23" name="Straight Arrow Connector 22"/>
+          <p:cNvCxnSpPr>
+            <a:cxnSpLocks/>
+          </p:cNvCxnSpPr>
+          <p:nvPr/>
+        </p:nvCxnSpPr>
+        <p:spPr>
+          <a:xfrm>
+            <a:off x="2904599" y="3621036"/>
+            <a:ext cx="5243338" cy="0"/>
+          </a:xfrm>
+          <a:prstGeom prst="straightConnector1">
+            <a:avLst/>
+          </a:prstGeom>
+          <a:ln w="12700">
+            <a:headEnd type="arrow"/>
+            <a:tailEnd type="none" w="lg" len="lg"/>
+          </a:ln>
+        </p:spPr>
+        <p:style>
+          <a:lnRef idx="1">
+            <a:schemeClr val="accent1"/>
+          </a:lnRef>
+          <a:fillRef idx="0">
+            <a:schemeClr val="accent1"/>
+          </a:fillRef>
+          <a:effectRef idx="0">
+            <a:schemeClr val="accent1"/>
+          </a:effectRef>
+          <a:fontRef idx="minor">
+            <a:schemeClr val="tx1"/>
+          </a:fontRef>
+        </p:style>
+      </p:cxnSp>
+      <p:sp>
+        <p:nvSpPr>
+          <p:cNvPr id="24" name="TextBox 23"/>
+          <p:cNvSpPr txBox="1"/>
+          <p:nvPr/>
+        </p:nvSpPr>
+        <p:spPr>
+          <a:xfrm>
+            <a:off x="2094655" y="3328228"/>
+            <a:ext cx="3230460" cy="261610"/>
+          </a:xfrm>
+          <a:prstGeom prst="rect">
+            <a:avLst/>
+          </a:prstGeom>
+          <a:noFill/>
+        </p:spPr>
+        <p:txBody>
+          <a:bodyPr wrap="square" rtlCol="0">
+            <a:spAutoFit/>
+          </a:bodyPr>
+          <a:lstStyle/>
+          <a:p>
+            <a:pPr algn="ctr"/>
+            <a:r>
+              <a:rPr lang="nb-NO" sz="1100" dirty="0">
                 <a:solidFill>
                   <a:schemeClr val="accent1">
                     <a:lumMod val="50000"/>
                   </a:schemeClr>
                 </a:solidFill>
-              </a:endParaRPr>
-            </a:p>
-          </p:txBody>
-        </p:sp>
-        <p:cxnSp>
-          <p:nvCxnSpPr>
-            <p:cNvPr id="25" name="Straight Arrow Connector 24"/>
-            <p:cNvCxnSpPr>
-              <a:cxnSpLocks/>
-            </p:cNvCxnSpPr>
-            <p:nvPr/>
-          </p:nvCxnSpPr>
-          <p:spPr>
-            <a:xfrm flipV="1">
-              <a:off x="1041993" y="3517053"/>
-              <a:ext cx="5778863" cy="16429"/>
-            </a:xfrm>
-            <a:prstGeom prst="straightConnector1">
-              <a:avLst/>
-            </a:prstGeom>
-            <a:ln w="12700">
-              <a:tailEnd type="arrow" w="lg" len="lg"/>
-            </a:ln>
-          </p:spPr>
-          <p:style>
-            <a:lnRef idx="1">
-              <a:schemeClr val="accent1"/>
-            </a:lnRef>
-            <a:fillRef idx="0">
-              <a:schemeClr val="accent1"/>
-            </a:fillRef>
-            <a:effectRef idx="0">
-              <a:schemeClr val="accent1"/>
-            </a:effectRef>
-            <a:fontRef idx="minor">
-              <a:schemeClr val="tx1"/>
-            </a:fontRef>
-          </p:style>
-        </p:cxnSp>
-        <p:sp>
-          <p:nvSpPr>
-            <p:cNvPr id="26" name="TextBox 25"/>
-            <p:cNvSpPr txBox="1"/>
-            <p:nvPr/>
-          </p:nvSpPr>
-          <p:spPr>
-            <a:xfrm>
-              <a:off x="-290244" y="3266909"/>
-              <a:ext cx="4069604" cy="215950"/>
-            </a:xfrm>
-            <a:prstGeom prst="rect">
-              <a:avLst/>
-            </a:prstGeom>
-            <a:noFill/>
-          </p:spPr>
-          <p:txBody>
-            <a:bodyPr wrap="square" rtlCol="0">
-              <a:spAutoFit/>
-            </a:bodyPr>
-            <a:lstStyle/>
-            <a:p>
-              <a:pPr algn="ctr"/>
-              <a:r>
-                <a:rPr lang="nb-NO" sz="1100" dirty="0">
-                  <a:solidFill>
-                    <a:schemeClr val="accent1">
-                      <a:lumMod val="50000"/>
-                    </a:schemeClr>
-                  </a:solidFill>
-                </a:rPr>
-                <a:t>Add tag</a:t>
-              </a:r>
-              <a:endParaRPr lang="en-US" sz="1100" dirty="0">
+              </a:rPr>
+              <a:t>[Tags.]</a:t>
+            </a:r>
+            <a:endParaRPr lang="en-US" sz="1100" dirty="0">
+              <a:solidFill>
+                <a:schemeClr val="accent1">
+                  <a:lumMod val="50000"/>
+                </a:schemeClr>
+              </a:solidFill>
+            </a:endParaRPr>
+          </a:p>
+        </p:txBody>
+      </p:sp>
+      <p:cxnSp>
+        <p:nvCxnSpPr>
+          <p:cNvPr id="25" name="Straight Arrow Connector 24"/>
+          <p:cNvCxnSpPr>
+            <a:cxnSpLocks/>
+          </p:cNvCxnSpPr>
+          <p:nvPr/>
+        </p:nvCxnSpPr>
+        <p:spPr>
+          <a:xfrm flipV="1">
+            <a:off x="2858772" y="4034222"/>
+            <a:ext cx="7000723" cy="19903"/>
+          </a:xfrm>
+          <a:prstGeom prst="straightConnector1">
+            <a:avLst/>
+          </a:prstGeom>
+          <a:ln w="12700">
+            <a:tailEnd type="arrow" w="lg" len="lg"/>
+          </a:ln>
+        </p:spPr>
+        <p:style>
+          <a:lnRef idx="1">
+            <a:schemeClr val="accent1"/>
+          </a:lnRef>
+          <a:fillRef idx="0">
+            <a:schemeClr val="accent1"/>
+          </a:fillRef>
+          <a:effectRef idx="0">
+            <a:schemeClr val="accent1"/>
+          </a:effectRef>
+          <a:fontRef idx="minor">
+            <a:schemeClr val="tx1"/>
+          </a:fontRef>
+        </p:style>
+      </p:cxnSp>
+      <p:sp>
+        <p:nvSpPr>
+          <p:cNvPr id="26" name="TextBox 25"/>
+          <p:cNvSpPr txBox="1"/>
+          <p:nvPr/>
+        </p:nvSpPr>
+        <p:spPr>
+          <a:xfrm>
+            <a:off x="1244852" y="3731188"/>
+            <a:ext cx="4930065" cy="261610"/>
+          </a:xfrm>
+          <a:prstGeom prst="rect">
+            <a:avLst/>
+          </a:prstGeom>
+          <a:noFill/>
+        </p:spPr>
+        <p:txBody>
+          <a:bodyPr wrap="square" rtlCol="0">
+            <a:spAutoFit/>
+          </a:bodyPr>
+          <a:lstStyle/>
+          <a:p>
+            <a:pPr algn="ctr"/>
+            <a:r>
+              <a:rPr lang="nb-NO" sz="1100" dirty="0">
                 <a:solidFill>
                   <a:schemeClr val="accent1">
                     <a:lumMod val="50000"/>
                   </a:schemeClr>
                 </a:solidFill>
-              </a:endParaRPr>
-            </a:p>
-          </p:txBody>
-        </p:sp>
-        <p:cxnSp>
-          <p:nvCxnSpPr>
-            <p:cNvPr id="27" name="Straight Arrow Connector 26"/>
-            <p:cNvCxnSpPr>
-              <a:cxnSpLocks/>
-              <a:stCxn id="72" idx="3"/>
-            </p:cNvCxnSpPr>
-            <p:nvPr/>
-          </p:nvCxnSpPr>
-          <p:spPr>
-            <a:xfrm>
-              <a:off x="5032914" y="3856711"/>
-              <a:ext cx="2844687" cy="7158"/>
-            </a:xfrm>
-            <a:prstGeom prst="straightConnector1">
-              <a:avLst/>
-            </a:prstGeom>
-            <a:ln w="12700">
-              <a:headEnd type="arrow"/>
-              <a:tailEnd type="none" w="lg" len="lg"/>
-            </a:ln>
-          </p:spPr>
-          <p:style>
-            <a:lnRef idx="1">
-              <a:schemeClr val="accent1"/>
-            </a:lnRef>
-            <a:fillRef idx="0">
-              <a:schemeClr val="accent1"/>
-            </a:fillRef>
-            <a:effectRef idx="0">
-              <a:schemeClr val="accent1"/>
-            </a:effectRef>
-            <a:fontRef idx="minor">
-              <a:schemeClr val="tx1"/>
-            </a:fontRef>
-          </p:style>
-        </p:cxnSp>
-        <p:sp>
-          <p:nvSpPr>
-            <p:cNvPr id="28" name="TextBox 27"/>
-            <p:cNvSpPr txBox="1"/>
-            <p:nvPr/>
-          </p:nvSpPr>
-          <p:spPr>
-            <a:xfrm>
-              <a:off x="4754467" y="3617781"/>
-              <a:ext cx="2666637" cy="215950"/>
-            </a:xfrm>
-            <a:prstGeom prst="rect">
-              <a:avLst/>
-            </a:prstGeom>
-            <a:noFill/>
-          </p:spPr>
-          <p:txBody>
-            <a:bodyPr wrap="square" rtlCol="0">
-              <a:spAutoFit/>
-            </a:bodyPr>
-            <a:lstStyle/>
-            <a:p>
-              <a:pPr algn="ctr"/>
-              <a:r>
-                <a:rPr lang="nb-NO" sz="1100" dirty="0">
-                  <a:solidFill>
-                    <a:schemeClr val="accent1">
-                      <a:lumMod val="50000"/>
-                    </a:schemeClr>
-                  </a:solidFill>
-                </a:rPr>
-                <a:t>Tag added</a:t>
-              </a:r>
-              <a:endParaRPr lang="en-US" sz="1100" dirty="0">
+              </a:rPr>
+              <a:t>Add tag</a:t>
+            </a:r>
+            <a:endParaRPr lang="en-US" sz="1100" dirty="0">
+              <a:solidFill>
+                <a:schemeClr val="accent1">
+                  <a:lumMod val="50000"/>
+                </a:schemeClr>
+              </a:solidFill>
+            </a:endParaRPr>
+          </a:p>
+        </p:txBody>
+      </p:sp>
+      <p:cxnSp>
+        <p:nvCxnSpPr>
+          <p:cNvPr id="27" name="Straight Arrow Connector 26"/>
+          <p:cNvCxnSpPr>
+            <a:cxnSpLocks/>
+          </p:cNvCxnSpPr>
+          <p:nvPr/>
+        </p:nvCxnSpPr>
+        <p:spPr>
+          <a:xfrm>
+            <a:off x="6472724" y="4467309"/>
+            <a:ext cx="3446156" cy="8671"/>
+          </a:xfrm>
+          <a:prstGeom prst="straightConnector1">
+            <a:avLst/>
+          </a:prstGeom>
+          <a:ln w="12700">
+            <a:headEnd type="arrow"/>
+            <a:tailEnd type="none" w="lg" len="lg"/>
+          </a:ln>
+        </p:spPr>
+        <p:style>
+          <a:lnRef idx="1">
+            <a:schemeClr val="accent1"/>
+          </a:lnRef>
+          <a:fillRef idx="0">
+            <a:schemeClr val="accent1"/>
+          </a:fillRef>
+          <a:effectRef idx="0">
+            <a:schemeClr val="accent1"/>
+          </a:effectRef>
+          <a:fontRef idx="minor">
+            <a:schemeClr val="tx1"/>
+          </a:fontRef>
+        </p:style>
+      </p:cxnSp>
+      <p:sp>
+        <p:nvSpPr>
+          <p:cNvPr id="28" name="TextBox 27"/>
+          <p:cNvSpPr txBox="1"/>
+          <p:nvPr/>
+        </p:nvSpPr>
+        <p:spPr>
+          <a:xfrm>
+            <a:off x="7356197" y="4249904"/>
+            <a:ext cx="3230460" cy="261610"/>
+          </a:xfrm>
+          <a:prstGeom prst="rect">
+            <a:avLst/>
+          </a:prstGeom>
+          <a:noFill/>
+        </p:spPr>
+        <p:txBody>
+          <a:bodyPr wrap="square" rtlCol="0">
+            <a:spAutoFit/>
+          </a:bodyPr>
+          <a:lstStyle/>
+          <a:p>
+            <a:pPr algn="ctr"/>
+            <a:r>
+              <a:rPr lang="nb-NO" sz="1100" dirty="0">
                 <a:solidFill>
                   <a:schemeClr val="accent1">
                     <a:lumMod val="50000"/>
                   </a:schemeClr>
                 </a:solidFill>
-              </a:endParaRPr>
-            </a:p>
-          </p:txBody>
-        </p:sp>
-        <p:pic>
-          <p:nvPicPr>
-            <p:cNvPr id="36" name="Picture 35"/>
-            <p:cNvPicPr>
-              <a:picLocks noChangeAspect="1"/>
-            </p:cNvPicPr>
-            <p:nvPr/>
-          </p:nvPicPr>
-          <p:blipFill>
-            <a:blip r:embed="rId3">
-              <a:extLst>
-                <a:ext uri="{BEBA8EAE-BF5A-486C-A8C5-ECC9F3942E4B}">
-                  <a14:imgProps xmlns:a14="http://schemas.microsoft.com/office/drawing/2010/main">
-                    <a14:imgLayer r:embed="rId4">
-                      <a14:imgEffect>
-                        <a14:saturation sat="0"/>
-                      </a14:imgEffect>
-                    </a14:imgLayer>
-                  </a14:imgProps>
-                </a:ext>
-                <a:ext uri="{28A0092B-C50C-407E-A947-70E740481C1C}">
-                  <a14:useLocalDpi xmlns:a14="http://schemas.microsoft.com/office/drawing/2010/main" val="0"/>
-                </a:ext>
-              </a:extLst>
-            </a:blip>
-            <a:stretch>
-              <a:fillRect/>
-            </a:stretch>
-          </p:blipFill>
-          <p:spPr>
-            <a:xfrm>
-              <a:off x="2166448" y="930785"/>
-              <a:ext cx="631428" cy="632942"/>
-            </a:xfrm>
-            <a:prstGeom prst="rect">
-              <a:avLst/>
-            </a:prstGeom>
-          </p:spPr>
-        </p:pic>
-        <p:pic>
-          <p:nvPicPr>
-            <p:cNvPr id="38" name="Picture 37"/>
-            <p:cNvPicPr>
-              <a:picLocks noChangeAspect="1"/>
-            </p:cNvPicPr>
-            <p:nvPr/>
-          </p:nvPicPr>
-          <p:blipFill>
-            <a:blip r:embed="rId5">
-              <a:extLst>
-                <a:ext uri="{BEBA8EAE-BF5A-486C-A8C5-ECC9F3942E4B}">
-                  <a14:imgProps xmlns:a14="http://schemas.microsoft.com/office/drawing/2010/main">
-                    <a14:imgLayer r:embed="rId6">
-                      <a14:imgEffect>
-                        <a14:saturation sat="0"/>
-                      </a14:imgEffect>
-                    </a14:imgLayer>
-                  </a14:imgProps>
-                </a:ext>
-                <a:ext uri="{28A0092B-C50C-407E-A947-70E740481C1C}">
-                  <a14:useLocalDpi xmlns:a14="http://schemas.microsoft.com/office/drawing/2010/main" val="0"/>
-                </a:ext>
-              </a:extLst>
-            </a:blip>
-            <a:stretch>
-              <a:fillRect/>
-            </a:stretch>
-          </p:blipFill>
-          <p:spPr>
-            <a:xfrm>
-              <a:off x="5139113" y="994094"/>
-              <a:ext cx="529231" cy="530500"/>
-            </a:xfrm>
-            <a:prstGeom prst="rect">
-              <a:avLst/>
-            </a:prstGeom>
-          </p:spPr>
-        </p:pic>
-      </p:grpSp>
+              </a:rPr>
+              <a:t>Tag added</a:t>
+            </a:r>
+            <a:endParaRPr lang="en-US" sz="1100" dirty="0">
+              <a:solidFill>
+                <a:schemeClr val="accent1">
+                  <a:lumMod val="50000"/>
+                </a:schemeClr>
+              </a:solidFill>
+            </a:endParaRPr>
+          </a:p>
+        </p:txBody>
+      </p:sp>
+      <p:pic>
+        <p:nvPicPr>
+          <p:cNvPr id="36" name="Picture 35"/>
+          <p:cNvPicPr>
+            <a:picLocks noChangeAspect="1"/>
+          </p:cNvPicPr>
+          <p:nvPr/>
+        </p:nvPicPr>
+        <p:blipFill>
+          <a:blip r:embed="rId3">
+            <a:extLst>
+              <a:ext uri="{BEBA8EAE-BF5A-486C-A8C5-ECC9F3942E4B}">
+                <a14:imgProps xmlns:a14="http://schemas.microsoft.com/office/drawing/2010/main">
+                  <a14:imgLayer r:embed="rId4">
+                    <a14:imgEffect>
+                      <a14:saturation sat="0"/>
+                    </a14:imgEffect>
+                  </a14:imgLayer>
+                </a14:imgProps>
+              </a:ext>
+              <a:ext uri="{28A0092B-C50C-407E-A947-70E740481C1C}">
+                <a14:useLocalDpi xmlns:a14="http://schemas.microsoft.com/office/drawing/2010/main" val="0"/>
+              </a:ext>
+            </a:extLst>
+          </a:blip>
+          <a:stretch>
+            <a:fillRect/>
+          </a:stretch>
+        </p:blipFill>
+        <p:spPr>
+          <a:xfrm>
+            <a:off x="4220977" y="901123"/>
+            <a:ext cx="764935" cy="766769"/>
+          </a:xfrm>
+          <a:prstGeom prst="rect">
+            <a:avLst/>
+          </a:prstGeom>
+        </p:spPr>
+      </p:pic>
+      <p:pic>
+        <p:nvPicPr>
+          <p:cNvPr id="38" name="Picture 37"/>
+          <p:cNvPicPr>
+            <a:picLocks noChangeAspect="1"/>
+          </p:cNvPicPr>
+          <p:nvPr/>
+        </p:nvPicPr>
+        <p:blipFill>
+          <a:blip r:embed="rId5">
+            <a:extLst>
+              <a:ext uri="{BEBA8EAE-BF5A-486C-A8C5-ECC9F3942E4B}">
+                <a14:imgProps xmlns:a14="http://schemas.microsoft.com/office/drawing/2010/main">
+                  <a14:imgLayer r:embed="rId6">
+                    <a14:imgEffect>
+                      <a14:saturation sat="0"/>
+                    </a14:imgEffect>
+                  </a14:imgLayer>
+                </a14:imgProps>
+              </a:ext>
+              <a:ext uri="{28A0092B-C50C-407E-A947-70E740481C1C}">
+                <a14:useLocalDpi xmlns:a14="http://schemas.microsoft.com/office/drawing/2010/main" val="0"/>
+              </a:ext>
+            </a:extLst>
+          </a:blip>
+          <a:stretch>
+            <a:fillRect/>
+          </a:stretch>
+        </p:blipFill>
+        <p:spPr>
+          <a:xfrm>
+            <a:off x="7822171" y="977818"/>
+            <a:ext cx="641130" cy="642667"/>
+          </a:xfrm>
+          <a:prstGeom prst="rect">
+            <a:avLst/>
+          </a:prstGeom>
+        </p:spPr>
+      </p:pic>
       <p:pic>
         <p:nvPicPr>
           <p:cNvPr id="42" name="Picture 41">
             <a:extLst>
               <a:ext uri="{FF2B5EF4-FFF2-40B4-BE49-F238E27FC236}">
-                <a16:creationId xmlns:a16="http://schemas.microsoft.com/office/drawing/2014/main" id="{4FE2A4FA-504C-467D-9F82-DA370EF3C4E7}"/>
+                <a16:creationId xmlns:a16="http://schemas.microsoft.com/office/drawing/2014/main" xmlns="" id="{4FE2A4FA-504C-467D-9F82-DA370EF3C4E7}"/>
               </a:ext>
             </a:extLst>
           </p:cNvPr>
@@ -4549,7 +4532,7 @@
           <p:cNvPr id="44" name="Picture 43">
             <a:extLst>
               <a:ext uri="{FF2B5EF4-FFF2-40B4-BE49-F238E27FC236}">
-                <a16:creationId xmlns:a16="http://schemas.microsoft.com/office/drawing/2014/main" id="{C0D289B3-C691-456E-9886-A279D7A95551}"/>
+                <a16:creationId xmlns:a16="http://schemas.microsoft.com/office/drawing/2014/main" xmlns="" id="{C0D289B3-C691-456E-9886-A279D7A95551}"/>
               </a:ext>
             </a:extLst>
           </p:cNvPr>
@@ -4579,7 +4562,7 @@
           <p:cNvPr id="46" name="Picture 45">
             <a:extLst>
               <a:ext uri="{FF2B5EF4-FFF2-40B4-BE49-F238E27FC236}">
-                <a16:creationId xmlns:a16="http://schemas.microsoft.com/office/drawing/2014/main" id="{66041D7D-85C0-4DF2-A6B4-171CEC9D0D5B}"/>
+                <a16:creationId xmlns:a16="http://schemas.microsoft.com/office/drawing/2014/main" xmlns="" id="{66041D7D-85C0-4DF2-A6B4-171CEC9D0D5B}"/>
               </a:ext>
             </a:extLst>
           </p:cNvPr>
@@ -4609,7 +4592,7 @@
           <p:cNvPr id="47" name="TextBox 46">
             <a:extLst>
               <a:ext uri="{FF2B5EF4-FFF2-40B4-BE49-F238E27FC236}">
-                <a16:creationId xmlns:a16="http://schemas.microsoft.com/office/drawing/2014/main" id="{A71F9528-B6BB-4540-910F-D8E455F3D94D}"/>
+                <a16:creationId xmlns:a16="http://schemas.microsoft.com/office/drawing/2014/main" xmlns="" id="{A71F9528-B6BB-4540-910F-D8E455F3D94D}"/>
               </a:ext>
             </a:extLst>
           </p:cNvPr>
@@ -4658,7 +4641,7 @@
           <p:cNvPr id="49" name="Straight Arrow Connector 48">
             <a:extLst>
               <a:ext uri="{FF2B5EF4-FFF2-40B4-BE49-F238E27FC236}">
-                <a16:creationId xmlns:a16="http://schemas.microsoft.com/office/drawing/2014/main" id="{C028D68F-ABD4-4AC4-8E4D-3724DC273A98}"/>
+                <a16:creationId xmlns:a16="http://schemas.microsoft.com/office/drawing/2014/main" xmlns="" id="{C028D68F-ABD4-4AC4-8E4D-3724DC273A98}"/>
               </a:ext>
             </a:extLst>
           </p:cNvPr>
@@ -4699,7 +4682,7 @@
           <p:cNvPr id="55" name="Rectangle 54">
             <a:extLst>
               <a:ext uri="{FF2B5EF4-FFF2-40B4-BE49-F238E27FC236}">
-                <a16:creationId xmlns:a16="http://schemas.microsoft.com/office/drawing/2014/main" id="{CB13440C-44FD-4345-9165-81B9D4B0A59B}"/>
+                <a16:creationId xmlns:a16="http://schemas.microsoft.com/office/drawing/2014/main" xmlns="" id="{CB13440C-44FD-4345-9165-81B9D4B0A59B}"/>
               </a:ext>
             </a:extLst>
           </p:cNvPr>
@@ -4760,7 +4743,7 @@
           <p:cNvPr id="57" name="Rectangle 56">
             <a:extLst>
               <a:ext uri="{FF2B5EF4-FFF2-40B4-BE49-F238E27FC236}">
-                <a16:creationId xmlns:a16="http://schemas.microsoft.com/office/drawing/2014/main" id="{6DCF4139-A4EC-4EBC-9A2A-A71FED06CEBA}"/>
+                <a16:creationId xmlns:a16="http://schemas.microsoft.com/office/drawing/2014/main" xmlns="" id="{6DCF4139-A4EC-4EBC-9A2A-A71FED06CEBA}"/>
               </a:ext>
             </a:extLst>
           </p:cNvPr>
@@ -4821,7 +4804,7 @@
           <p:cNvPr id="59" name="Rectangle 58">
             <a:extLst>
               <a:ext uri="{FF2B5EF4-FFF2-40B4-BE49-F238E27FC236}">
-                <a16:creationId xmlns:a16="http://schemas.microsoft.com/office/drawing/2014/main" id="{0F581339-09DB-4FDE-BDD3-026604AFF957}"/>
+                <a16:creationId xmlns:a16="http://schemas.microsoft.com/office/drawing/2014/main" xmlns="" id="{0F581339-09DB-4FDE-BDD3-026604AFF957}"/>
               </a:ext>
             </a:extLst>
           </p:cNvPr>
@@ -4882,7 +4865,7 @@
           <p:cNvPr id="61" name="Rectangle 60">
             <a:extLst>
               <a:ext uri="{FF2B5EF4-FFF2-40B4-BE49-F238E27FC236}">
-                <a16:creationId xmlns:a16="http://schemas.microsoft.com/office/drawing/2014/main" id="{DE16778B-5857-44BB-ABB4-1C0EB854BAD8}"/>
+                <a16:creationId xmlns:a16="http://schemas.microsoft.com/office/drawing/2014/main" xmlns="" id="{DE16778B-5857-44BB-ABB4-1C0EB854BAD8}"/>
               </a:ext>
             </a:extLst>
           </p:cNvPr>
@@ -4943,7 +4926,7 @@
           <p:cNvPr id="70" name="Rectangle 69">
             <a:extLst>
               <a:ext uri="{FF2B5EF4-FFF2-40B4-BE49-F238E27FC236}">
-                <a16:creationId xmlns:a16="http://schemas.microsoft.com/office/drawing/2014/main" id="{B0FBBB91-E4E5-4DB8-BBA0-3FF3F60EDDE9}"/>
+                <a16:creationId xmlns:a16="http://schemas.microsoft.com/office/drawing/2014/main" xmlns="" id="{B0FBBB91-E4E5-4DB8-BBA0-3FF3F60EDDE9}"/>
               </a:ext>
             </a:extLst>
           </p:cNvPr>
@@ -5004,7 +4987,7 @@
           <p:cNvPr id="72" name="Rectangle 71">
             <a:extLst>
               <a:ext uri="{FF2B5EF4-FFF2-40B4-BE49-F238E27FC236}">
-                <a16:creationId xmlns:a16="http://schemas.microsoft.com/office/drawing/2014/main" id="{CD0C4AA4-3FE7-41E8-8C4B-A6BAE3EDB06C}"/>
+                <a16:creationId xmlns:a16="http://schemas.microsoft.com/office/drawing/2014/main" xmlns="" id="{CD0C4AA4-3FE7-41E8-8C4B-A6BAE3EDB06C}"/>
               </a:ext>
             </a:extLst>
           </p:cNvPr>
@@ -5065,7 +5048,7 @@
           <p:cNvPr id="74" name="TextBox 73">
             <a:extLst>
               <a:ext uri="{FF2B5EF4-FFF2-40B4-BE49-F238E27FC236}">
-                <a16:creationId xmlns:a16="http://schemas.microsoft.com/office/drawing/2014/main" id="{433ED686-263A-4C02-A346-2D1F2DAEFC43}"/>
+                <a16:creationId xmlns:a16="http://schemas.microsoft.com/office/drawing/2014/main" xmlns="" id="{433ED686-263A-4C02-A346-2D1F2DAEFC43}"/>
               </a:ext>
             </a:extLst>
           </p:cNvPr>
@@ -5125,747 +5108,12 @@
           <a:chExt cx="0" cy="0"/>
         </a:xfrm>
       </p:grpSpPr>
-      <p:grpSp>
-        <p:nvGrpSpPr>
-          <p:cNvPr id="2" name="Group 1"/>
-          <p:cNvGrpSpPr/>
-          <p:nvPr/>
-        </p:nvGrpSpPr>
-        <p:grpSpPr>
-          <a:xfrm>
-            <a:off x="1037714" y="1693612"/>
-            <a:ext cx="8026634" cy="4155422"/>
-            <a:chOff x="355026" y="1652627"/>
-            <a:chExt cx="6625718" cy="3430162"/>
-          </a:xfrm>
-        </p:grpSpPr>
-        <p:cxnSp>
-          <p:nvCxnSpPr>
-            <p:cNvPr id="3" name="Straight Connector 2"/>
-            <p:cNvCxnSpPr/>
-            <p:nvPr/>
-          </p:nvCxnSpPr>
-          <p:spPr>
-            <a:xfrm>
-              <a:off x="928622" y="2062753"/>
-              <a:ext cx="0" cy="3020036"/>
-            </a:xfrm>
-            <a:prstGeom prst="line">
-              <a:avLst/>
-            </a:prstGeom>
-            <a:ln w="12700">
-              <a:prstDash val="dash"/>
-            </a:ln>
-          </p:spPr>
-          <p:style>
-            <a:lnRef idx="1">
-              <a:schemeClr val="accent1"/>
-            </a:lnRef>
-            <a:fillRef idx="0">
-              <a:schemeClr val="accent1"/>
-            </a:fillRef>
-            <a:effectRef idx="0">
-              <a:schemeClr val="accent1"/>
-            </a:effectRef>
-            <a:fontRef idx="minor">
-              <a:schemeClr val="tx1"/>
-            </a:fontRef>
-          </p:style>
-        </p:cxnSp>
-        <p:cxnSp>
-          <p:nvCxnSpPr>
-            <p:cNvPr id="4" name="Straight Connector 3"/>
-            <p:cNvCxnSpPr/>
-            <p:nvPr/>
-          </p:nvCxnSpPr>
-          <p:spPr>
-            <a:xfrm>
-              <a:off x="2167168" y="2050114"/>
-              <a:ext cx="0" cy="3020036"/>
-            </a:xfrm>
-            <a:prstGeom prst="line">
-              <a:avLst/>
-            </a:prstGeom>
-            <a:ln w="12700">
-              <a:prstDash val="dash"/>
-            </a:ln>
-          </p:spPr>
-          <p:style>
-            <a:lnRef idx="1">
-              <a:schemeClr val="accent1"/>
-            </a:lnRef>
-            <a:fillRef idx="0">
-              <a:schemeClr val="accent1"/>
-            </a:fillRef>
-            <a:effectRef idx="0">
-              <a:schemeClr val="accent1"/>
-            </a:effectRef>
-            <a:fontRef idx="minor">
-              <a:schemeClr val="tx1"/>
-            </a:fontRef>
-          </p:style>
-        </p:cxnSp>
-        <p:cxnSp>
-          <p:nvCxnSpPr>
-            <p:cNvPr id="5" name="Straight Connector 4"/>
-            <p:cNvCxnSpPr/>
-            <p:nvPr/>
-          </p:nvCxnSpPr>
-          <p:spPr>
-            <a:xfrm>
-              <a:off x="3375164" y="2050115"/>
-              <a:ext cx="0" cy="3020036"/>
-            </a:xfrm>
-            <a:prstGeom prst="line">
-              <a:avLst/>
-            </a:prstGeom>
-            <a:ln w="12700">
-              <a:prstDash val="dash"/>
-            </a:ln>
-          </p:spPr>
-          <p:style>
-            <a:lnRef idx="1">
-              <a:schemeClr val="accent1"/>
-            </a:lnRef>
-            <a:fillRef idx="0">
-              <a:schemeClr val="accent1"/>
-            </a:fillRef>
-            <a:effectRef idx="0">
-              <a:schemeClr val="accent1"/>
-            </a:effectRef>
-            <a:fontRef idx="minor">
-              <a:schemeClr val="tx1"/>
-            </a:fontRef>
-          </p:style>
-        </p:cxnSp>
-        <p:cxnSp>
-          <p:nvCxnSpPr>
-            <p:cNvPr id="7" name="Straight Connector 6"/>
-            <p:cNvCxnSpPr/>
-            <p:nvPr/>
-          </p:nvCxnSpPr>
-          <p:spPr>
-            <a:xfrm>
-              <a:off x="5877172" y="2062752"/>
-              <a:ext cx="0" cy="3020036"/>
-            </a:xfrm>
-            <a:prstGeom prst="line">
-              <a:avLst/>
-            </a:prstGeom>
-            <a:ln w="12700">
-              <a:prstDash val="dash"/>
-            </a:ln>
-          </p:spPr>
-          <p:style>
-            <a:lnRef idx="1">
-              <a:schemeClr val="accent1"/>
-            </a:lnRef>
-            <a:fillRef idx="0">
-              <a:schemeClr val="accent1"/>
-            </a:fillRef>
-            <a:effectRef idx="0">
-              <a:schemeClr val="accent1"/>
-            </a:effectRef>
-            <a:fontRef idx="minor">
-              <a:schemeClr val="tx1"/>
-            </a:fontRef>
-          </p:style>
-        </p:cxnSp>
-        <p:cxnSp>
-          <p:nvCxnSpPr>
-            <p:cNvPr id="8" name="Straight Connector 7"/>
-            <p:cNvCxnSpPr/>
-            <p:nvPr/>
-          </p:nvCxnSpPr>
-          <p:spPr>
-            <a:xfrm>
-              <a:off x="4614755" y="2062753"/>
-              <a:ext cx="0" cy="3020036"/>
-            </a:xfrm>
-            <a:prstGeom prst="line">
-              <a:avLst/>
-            </a:prstGeom>
-            <a:ln w="12700">
-              <a:prstDash val="dash"/>
-            </a:ln>
-          </p:spPr>
-          <p:style>
-            <a:lnRef idx="1">
-              <a:schemeClr val="accent1"/>
-            </a:lnRef>
-            <a:fillRef idx="0">
-              <a:schemeClr val="accent1"/>
-            </a:fillRef>
-            <a:effectRef idx="0">
-              <a:schemeClr val="accent1"/>
-            </a:effectRef>
-            <a:fontRef idx="minor">
-              <a:schemeClr val="tx1"/>
-            </a:fontRef>
-          </p:style>
-        </p:cxnSp>
-        <p:sp>
-          <p:nvSpPr>
-            <p:cNvPr id="9" name="Rectangle 8"/>
-            <p:cNvSpPr/>
-            <p:nvPr/>
-          </p:nvSpPr>
-          <p:spPr>
-            <a:xfrm>
-              <a:off x="355026" y="1652631"/>
-              <a:ext cx="1147193" cy="402672"/>
-            </a:xfrm>
-            <a:prstGeom prst="rect">
-              <a:avLst/>
-            </a:prstGeom>
-            <a:solidFill>
-              <a:schemeClr val="accent1">
-                <a:lumMod val="20000"/>
-                <a:lumOff val="80000"/>
-              </a:schemeClr>
-            </a:solidFill>
-            <a:ln>
-              <a:solidFill>
-                <a:srgbClr val="5B9BD5"/>
-              </a:solidFill>
-            </a:ln>
-          </p:spPr>
-          <p:style>
-            <a:lnRef idx="2">
-              <a:schemeClr val="accent1">
-                <a:shade val="50000"/>
-              </a:schemeClr>
-            </a:lnRef>
-            <a:fillRef idx="1">
-              <a:schemeClr val="accent1"/>
-            </a:fillRef>
-            <a:effectRef idx="0">
-              <a:schemeClr val="accent1"/>
-            </a:effectRef>
-            <a:fontRef idx="minor">
-              <a:schemeClr val="lt1"/>
-            </a:fontRef>
-          </p:style>
-          <p:txBody>
-            <a:bodyPr rtlCol="0" anchor="ctr"/>
-            <a:lstStyle/>
-            <a:p>
-              <a:pPr algn="ctr"/>
-              <a:r>
-                <a:rPr lang="nb-NO" sz="1400" dirty="0">
-                  <a:solidFill>
-                    <a:schemeClr val="tx2"/>
-                  </a:solidFill>
-                </a:rPr>
-                <a:t>Command Handler</a:t>
-              </a:r>
-              <a:endParaRPr lang="en-US" sz="1400" dirty="0">
-                <a:solidFill>
-                  <a:schemeClr val="tx2"/>
-                </a:solidFill>
-              </a:endParaRPr>
-            </a:p>
-          </p:txBody>
-        </p:sp>
-        <p:sp>
-          <p:nvSpPr>
-            <p:cNvPr id="10" name="Rectangle 9"/>
-            <p:cNvSpPr/>
-            <p:nvPr/>
-          </p:nvSpPr>
-          <p:spPr>
-            <a:xfrm>
-              <a:off x="1580870" y="1652631"/>
-              <a:ext cx="1147193" cy="402672"/>
-            </a:xfrm>
-            <a:prstGeom prst="rect">
-              <a:avLst/>
-            </a:prstGeom>
-            <a:solidFill>
-              <a:schemeClr val="accent1">
-                <a:lumMod val="20000"/>
-                <a:lumOff val="80000"/>
-              </a:schemeClr>
-            </a:solidFill>
-            <a:ln>
-              <a:solidFill>
-                <a:srgbClr val="5B9BD5"/>
-              </a:solidFill>
-            </a:ln>
-          </p:spPr>
-          <p:style>
-            <a:lnRef idx="2">
-              <a:schemeClr val="accent1">
-                <a:shade val="50000"/>
-              </a:schemeClr>
-            </a:lnRef>
-            <a:fillRef idx="1">
-              <a:schemeClr val="accent1"/>
-            </a:fillRef>
-            <a:effectRef idx="0">
-              <a:schemeClr val="accent1"/>
-            </a:effectRef>
-            <a:fontRef idx="minor">
-              <a:schemeClr val="lt1"/>
-            </a:fontRef>
-          </p:style>
-          <p:txBody>
-            <a:bodyPr rtlCol="0" anchor="ctr"/>
-            <a:lstStyle/>
-            <a:p>
-              <a:pPr algn="ctr"/>
-              <a:r>
-                <a:rPr lang="nb-NO" sz="1400" dirty="0">
-                  <a:solidFill>
-                    <a:schemeClr val="tx2"/>
-                  </a:solidFill>
-                </a:rPr>
-                <a:t>Tagging</a:t>
-              </a:r>
-              <a:endParaRPr lang="en-US" sz="1400" dirty="0">
-                <a:solidFill>
-                  <a:schemeClr val="tx2"/>
-                </a:solidFill>
-              </a:endParaRPr>
-            </a:p>
-          </p:txBody>
-        </p:sp>
-        <p:sp>
-          <p:nvSpPr>
-            <p:cNvPr id="11" name="Rectangle 10"/>
-            <p:cNvSpPr/>
-            <p:nvPr/>
-          </p:nvSpPr>
-          <p:spPr>
-            <a:xfrm>
-              <a:off x="2801568" y="1652631"/>
-              <a:ext cx="1147193" cy="402672"/>
-            </a:xfrm>
-            <a:prstGeom prst="rect">
-              <a:avLst/>
-            </a:prstGeom>
-            <a:solidFill>
-              <a:schemeClr val="accent1">
-                <a:lumMod val="20000"/>
-                <a:lumOff val="80000"/>
-              </a:schemeClr>
-            </a:solidFill>
-            <a:ln>
-              <a:solidFill>
-                <a:srgbClr val="5B9BD5"/>
-              </a:solidFill>
-            </a:ln>
-          </p:spPr>
-          <p:style>
-            <a:lnRef idx="2">
-              <a:schemeClr val="accent1">
-                <a:shade val="50000"/>
-              </a:schemeClr>
-            </a:lnRef>
-            <a:fillRef idx="1">
-              <a:schemeClr val="accent1"/>
-            </a:fillRef>
-            <a:effectRef idx="0">
-              <a:schemeClr val="accent1"/>
-            </a:effectRef>
-            <a:fontRef idx="minor">
-              <a:schemeClr val="lt1"/>
-            </a:fontRef>
-          </p:style>
-          <p:txBody>
-            <a:bodyPr rtlCol="0" anchor="ctr"/>
-            <a:lstStyle/>
-            <a:p>
-              <a:pPr algn="ctr"/>
-              <a:r>
-                <a:rPr lang="nb-NO" sz="1200" dirty="0">
-                  <a:solidFill>
-                    <a:schemeClr val="tx2"/>
-                  </a:solidFill>
-                </a:rPr>
-                <a:t>Event Stream</a:t>
-              </a:r>
-              <a:endParaRPr lang="en-US" sz="1200" dirty="0">
-                <a:solidFill>
-                  <a:schemeClr val="tx2"/>
-                </a:solidFill>
-              </a:endParaRPr>
-            </a:p>
-          </p:txBody>
-        </p:sp>
-        <p:sp>
-          <p:nvSpPr>
-            <p:cNvPr id="12" name="Rectangle 11"/>
-            <p:cNvSpPr/>
-            <p:nvPr/>
-          </p:nvSpPr>
-          <p:spPr>
-            <a:xfrm>
-              <a:off x="4031869" y="1652627"/>
-              <a:ext cx="1147193" cy="402672"/>
-            </a:xfrm>
-            <a:prstGeom prst="rect">
-              <a:avLst/>
-            </a:prstGeom>
-            <a:solidFill>
-              <a:schemeClr val="accent1">
-                <a:lumMod val="20000"/>
-                <a:lumOff val="80000"/>
-              </a:schemeClr>
-            </a:solidFill>
-            <a:ln>
-              <a:solidFill>
-                <a:srgbClr val="5B9BD5"/>
-              </a:solidFill>
-            </a:ln>
-          </p:spPr>
-          <p:style>
-            <a:lnRef idx="2">
-              <a:schemeClr val="accent1">
-                <a:shade val="50000"/>
-              </a:schemeClr>
-            </a:lnRef>
-            <a:fillRef idx="1">
-              <a:schemeClr val="accent1"/>
-            </a:fillRef>
-            <a:effectRef idx="0">
-              <a:schemeClr val="accent1"/>
-            </a:effectRef>
-            <a:fontRef idx="minor">
-              <a:schemeClr val="lt1"/>
-            </a:fontRef>
-          </p:style>
-          <p:txBody>
-            <a:bodyPr rtlCol="0" anchor="ctr"/>
-            <a:lstStyle/>
-            <a:p>
-              <a:pPr algn="ctr"/>
-              <a:r>
-                <a:rPr lang="nb-NO" sz="1400" dirty="0">
-                  <a:solidFill>
-                    <a:schemeClr val="tx2"/>
-                  </a:solidFill>
-                </a:rPr>
-                <a:t>Text Analytics Event Processor</a:t>
-              </a:r>
-              <a:endParaRPr lang="en-US" sz="1400" dirty="0">
-                <a:solidFill>
-                  <a:schemeClr val="tx2"/>
-                </a:solidFill>
-              </a:endParaRPr>
-            </a:p>
-          </p:txBody>
-        </p:sp>
-        <p:sp>
-          <p:nvSpPr>
-            <p:cNvPr id="13" name="Rectangle 12"/>
-            <p:cNvSpPr/>
-            <p:nvPr/>
-          </p:nvSpPr>
-          <p:spPr>
-            <a:xfrm>
-              <a:off x="5260735" y="1652628"/>
-              <a:ext cx="1147193" cy="402672"/>
-            </a:xfrm>
-            <a:prstGeom prst="rect">
-              <a:avLst/>
-            </a:prstGeom>
-            <a:solidFill>
-              <a:schemeClr val="accent1">
-                <a:lumMod val="20000"/>
-                <a:lumOff val="80000"/>
-              </a:schemeClr>
-            </a:solidFill>
-            <a:ln>
-              <a:solidFill>
-                <a:srgbClr val="5B9BD5"/>
-              </a:solidFill>
-            </a:ln>
-          </p:spPr>
-          <p:style>
-            <a:lnRef idx="2">
-              <a:schemeClr val="accent1">
-                <a:shade val="50000"/>
-              </a:schemeClr>
-            </a:lnRef>
-            <a:fillRef idx="1">
-              <a:schemeClr val="accent1"/>
-            </a:fillRef>
-            <a:effectRef idx="0">
-              <a:schemeClr val="accent1"/>
-            </a:effectRef>
-            <a:fontRef idx="minor">
-              <a:schemeClr val="lt1"/>
-            </a:fontRef>
-          </p:style>
-          <p:txBody>
-            <a:bodyPr rtlCol="0" anchor="ctr"/>
-            <a:lstStyle/>
-            <a:p>
-              <a:pPr algn="ctr"/>
-              <a:r>
-                <a:rPr lang="nb-NO" sz="1200" dirty="0">
-                  <a:solidFill>
-                    <a:schemeClr val="tx2"/>
-                  </a:solidFill>
-                </a:rPr>
-                <a:t>Text Analytics API</a:t>
-              </a:r>
-              <a:endParaRPr lang="en-US" sz="1200" dirty="0">
-                <a:solidFill>
-                  <a:schemeClr val="tx2"/>
-                </a:solidFill>
-              </a:endParaRPr>
-            </a:p>
-          </p:txBody>
-        </p:sp>
-        <p:cxnSp>
-          <p:nvCxnSpPr>
-            <p:cNvPr id="15" name="Straight Arrow Connector 14"/>
-            <p:cNvCxnSpPr>
-              <a:cxnSpLocks/>
-            </p:cNvCxnSpPr>
-            <p:nvPr/>
-          </p:nvCxnSpPr>
-          <p:spPr>
-            <a:xfrm>
-              <a:off x="994764" y="2396276"/>
-              <a:ext cx="1154027" cy="0"/>
-            </a:xfrm>
-            <a:prstGeom prst="straightConnector1">
-              <a:avLst/>
-            </a:prstGeom>
-            <a:ln w="12700">
-              <a:tailEnd type="arrow" w="lg" len="lg"/>
-            </a:ln>
-          </p:spPr>
-          <p:style>
-            <a:lnRef idx="1">
-              <a:schemeClr val="accent1"/>
-            </a:lnRef>
-            <a:fillRef idx="0">
-              <a:schemeClr val="accent1"/>
-            </a:fillRef>
-            <a:effectRef idx="0">
-              <a:schemeClr val="accent1"/>
-            </a:effectRef>
-            <a:fontRef idx="minor">
-              <a:schemeClr val="tx1"/>
-            </a:fontRef>
-          </p:style>
-        </p:cxnSp>
-        <p:sp>
-          <p:nvSpPr>
-            <p:cNvPr id="16" name="TextBox 15"/>
-            <p:cNvSpPr txBox="1"/>
-            <p:nvPr/>
-          </p:nvSpPr>
-          <p:spPr>
-            <a:xfrm>
-              <a:off x="829950" y="2180326"/>
-              <a:ext cx="1455666" cy="215950"/>
-            </a:xfrm>
-            <a:prstGeom prst="rect">
-              <a:avLst/>
-            </a:prstGeom>
-            <a:noFill/>
-          </p:spPr>
-          <p:txBody>
-            <a:bodyPr wrap="square" rtlCol="0">
-              <a:spAutoFit/>
-            </a:bodyPr>
-            <a:lstStyle/>
-            <a:p>
-              <a:pPr algn="ctr"/>
-              <a:r>
-                <a:rPr lang="nb-NO" sz="1100" dirty="0">
-                  <a:solidFill>
-                    <a:schemeClr val="accent1">
-                      <a:lumMod val="50000"/>
-                    </a:schemeClr>
-                  </a:solidFill>
-                </a:rPr>
-                <a:t>Add tag</a:t>
-              </a:r>
-              <a:endParaRPr lang="en-US" sz="1100" dirty="0">
-                <a:solidFill>
-                  <a:schemeClr val="accent1">
-                    <a:lumMod val="50000"/>
-                  </a:schemeClr>
-                </a:solidFill>
-              </a:endParaRPr>
-            </a:p>
-          </p:txBody>
-        </p:sp>
-        <p:cxnSp>
-          <p:nvCxnSpPr>
-            <p:cNvPr id="17" name="Straight Arrow Connector 16"/>
-            <p:cNvCxnSpPr>
-              <a:cxnSpLocks/>
-            </p:cNvCxnSpPr>
-            <p:nvPr/>
-          </p:nvCxnSpPr>
-          <p:spPr>
-            <a:xfrm>
-              <a:off x="2242012" y="2529485"/>
-              <a:ext cx="1106100" cy="0"/>
-            </a:xfrm>
-            <a:prstGeom prst="straightConnector1">
-              <a:avLst/>
-            </a:prstGeom>
-            <a:ln w="12700">
-              <a:tailEnd type="arrow" w="lg" len="lg"/>
-            </a:ln>
-          </p:spPr>
-          <p:style>
-            <a:lnRef idx="1">
-              <a:schemeClr val="accent1"/>
-            </a:lnRef>
-            <a:fillRef idx="0">
-              <a:schemeClr val="accent1"/>
-            </a:fillRef>
-            <a:effectRef idx="0">
-              <a:schemeClr val="accent1"/>
-            </a:effectRef>
-            <a:fontRef idx="minor">
-              <a:schemeClr val="tx1"/>
-            </a:fontRef>
-          </p:style>
-        </p:cxnSp>
-        <p:sp>
-          <p:nvSpPr>
-            <p:cNvPr id="18" name="TextBox 17"/>
-            <p:cNvSpPr txBox="1"/>
-            <p:nvPr/>
-          </p:nvSpPr>
-          <p:spPr>
-            <a:xfrm>
-              <a:off x="2033477" y="2313535"/>
-              <a:ext cx="1455666" cy="215950"/>
-            </a:xfrm>
-            <a:prstGeom prst="rect">
-              <a:avLst/>
-            </a:prstGeom>
-            <a:noFill/>
-          </p:spPr>
-          <p:txBody>
-            <a:bodyPr wrap="square" rtlCol="0">
-              <a:spAutoFit/>
-            </a:bodyPr>
-            <a:lstStyle/>
-            <a:p>
-              <a:pPr algn="ctr"/>
-              <a:r>
-                <a:rPr lang="nb-NO" sz="1100" dirty="0">
-                  <a:solidFill>
-                    <a:schemeClr val="accent1">
-                      <a:lumMod val="50000"/>
-                    </a:schemeClr>
-                  </a:solidFill>
-                </a:rPr>
-                <a:t>Tag Added</a:t>
-              </a:r>
-              <a:endParaRPr lang="en-US" sz="1100" dirty="0">
-                <a:solidFill>
-                  <a:schemeClr val="accent1">
-                    <a:lumMod val="50000"/>
-                  </a:schemeClr>
-                </a:solidFill>
-              </a:endParaRPr>
-            </a:p>
-          </p:txBody>
-        </p:sp>
-        <p:cxnSp>
-          <p:nvCxnSpPr>
-            <p:cNvPr id="21" name="Straight Arrow Connector 20"/>
-            <p:cNvCxnSpPr>
-              <a:cxnSpLocks/>
-            </p:cNvCxnSpPr>
-            <p:nvPr/>
-          </p:nvCxnSpPr>
-          <p:spPr>
-            <a:xfrm flipV="1">
-              <a:off x="3445085" y="2885929"/>
-              <a:ext cx="3535659" cy="7158"/>
-            </a:xfrm>
-            <a:prstGeom prst="straightConnector1">
-              <a:avLst/>
-            </a:prstGeom>
-            <a:ln w="12700">
-              <a:tailEnd type="arrow" w="lg" len="lg"/>
-            </a:ln>
-          </p:spPr>
-          <p:style>
-            <a:lnRef idx="1">
-              <a:schemeClr val="accent1"/>
-            </a:lnRef>
-            <a:fillRef idx="0">
-              <a:schemeClr val="accent1"/>
-            </a:fillRef>
-            <a:effectRef idx="0">
-              <a:schemeClr val="accent1"/>
-            </a:effectRef>
-            <a:fontRef idx="minor">
-              <a:schemeClr val="tx1"/>
-            </a:fontRef>
-          </p:style>
-        </p:cxnSp>
-      </p:grpSp>
-      <p:sp>
-        <p:nvSpPr>
-          <p:cNvPr id="47" name="TextBox 46">
+      <p:cxnSp>
+        <p:nvCxnSpPr>
+          <p:cNvPr id="64" name="Straight Arrow Connector 63">
             <a:extLst>
               <a:ext uri="{FF2B5EF4-FFF2-40B4-BE49-F238E27FC236}">
-                <a16:creationId xmlns:a16="http://schemas.microsoft.com/office/drawing/2014/main" id="{A71F9528-B6BB-4540-910F-D8E455F3D94D}"/>
-              </a:ext>
-            </a:extLst>
-          </p:cNvPr>
-          <p:cNvSpPr txBox="1"/>
-          <p:nvPr/>
-        </p:nvSpPr>
-        <p:spPr>
-          <a:xfrm>
-            <a:off x="325708" y="3926951"/>
-            <a:ext cx="1763446" cy="261610"/>
-          </a:xfrm>
-          <a:prstGeom prst="rect">
-            <a:avLst/>
-          </a:prstGeom>
-          <a:noFill/>
-        </p:spPr>
-        <p:txBody>
-          <a:bodyPr wrap="square" rtlCol="0">
-            <a:spAutoFit/>
-          </a:bodyPr>
-          <a:lstStyle/>
-          <a:p>
-            <a:pPr algn="ctr"/>
-            <a:r>
-              <a:rPr lang="nb-NO" sz="1100" dirty="0">
-                <a:solidFill>
-                  <a:schemeClr val="accent1">
-                    <a:lumMod val="50000"/>
-                  </a:schemeClr>
-                </a:solidFill>
-              </a:rPr>
-              <a:t>Command</a:t>
-            </a:r>
-            <a:endParaRPr lang="en-US" sz="1100" dirty="0">
-              <a:solidFill>
-                <a:schemeClr val="accent1">
-                  <a:lumMod val="50000"/>
-                </a:schemeClr>
-              </a:solidFill>
-            </a:endParaRPr>
-          </a:p>
-        </p:txBody>
-      </p:sp>
-      <p:cxnSp>
-        <p:nvCxnSpPr>
-          <p:cNvPr id="49" name="Straight Arrow Connector 48">
-            <a:extLst>
-              <a:ext uri="{FF2B5EF4-FFF2-40B4-BE49-F238E27FC236}">
-                <a16:creationId xmlns:a16="http://schemas.microsoft.com/office/drawing/2014/main" id="{C028D68F-ABD4-4AC4-8E4D-3724DC273A98}"/>
+                <a16:creationId xmlns:a16="http://schemas.microsoft.com/office/drawing/2014/main" xmlns="" id="{82B4615F-882C-4BCB-A95E-614BABD9293E}"/>
               </a:ext>
             </a:extLst>
           </p:cNvPr>
@@ -5875,9 +5123,9 @@
           <p:nvPr/>
         </p:nvCxnSpPr>
         <p:spPr>
-          <a:xfrm flipV="1">
-            <a:off x="1201519" y="3541519"/>
-            <a:ext cx="0" cy="364464"/>
+          <a:xfrm>
+            <a:off x="4694327" y="2893565"/>
+            <a:ext cx="1469721" cy="2139"/>
           </a:xfrm>
           <a:prstGeom prst="straightConnector1">
             <a:avLst/>
@@ -5901,22 +5149,181 @@
           </a:fontRef>
         </p:style>
       </p:cxnSp>
-      <p:sp>
-        <p:nvSpPr>
-          <p:cNvPr id="55" name="Rectangle 54">
-            <a:extLst>
-              <a:ext uri="{FF2B5EF4-FFF2-40B4-BE49-F238E27FC236}">
-                <a16:creationId xmlns:a16="http://schemas.microsoft.com/office/drawing/2014/main" id="{CB13440C-44FD-4345-9165-81B9D4B0A59B}"/>
-              </a:ext>
-            </a:extLst>
-          </p:cNvPr>
+      <p:cxnSp>
+        <p:nvCxnSpPr>
+          <p:cNvPr id="3" name="Straight Connector 2"/>
+          <p:cNvCxnSpPr/>
+          <p:nvPr/>
+        </p:nvCxnSpPr>
+        <p:spPr>
+          <a:xfrm>
+            <a:off x="1732589" y="2190453"/>
+            <a:ext cx="0" cy="3658581"/>
+          </a:xfrm>
+          <a:prstGeom prst="line">
+            <a:avLst/>
+          </a:prstGeom>
+          <a:ln w="12700">
+            <a:prstDash val="dash"/>
+          </a:ln>
+        </p:spPr>
+        <p:style>
+          <a:lnRef idx="1">
+            <a:schemeClr val="accent1"/>
+          </a:lnRef>
+          <a:fillRef idx="0">
+            <a:schemeClr val="accent1"/>
+          </a:fillRef>
+          <a:effectRef idx="0">
+            <a:schemeClr val="accent1"/>
+          </a:effectRef>
+          <a:fontRef idx="minor">
+            <a:schemeClr val="tx1"/>
+          </a:fontRef>
+        </p:style>
+      </p:cxnSp>
+      <p:cxnSp>
+        <p:nvCxnSpPr>
+          <p:cNvPr id="4" name="Straight Connector 3"/>
+          <p:cNvCxnSpPr/>
+          <p:nvPr/>
+        </p:nvCxnSpPr>
+        <p:spPr>
+          <a:xfrm>
+            <a:off x="3233008" y="2175142"/>
+            <a:ext cx="0" cy="3658581"/>
+          </a:xfrm>
+          <a:prstGeom prst="line">
+            <a:avLst/>
+          </a:prstGeom>
+          <a:ln w="12700">
+            <a:prstDash val="dash"/>
+          </a:ln>
+        </p:spPr>
+        <p:style>
+          <a:lnRef idx="1">
+            <a:schemeClr val="accent1"/>
+          </a:lnRef>
+          <a:fillRef idx="0">
+            <a:schemeClr val="accent1"/>
+          </a:fillRef>
+          <a:effectRef idx="0">
+            <a:schemeClr val="accent1"/>
+          </a:effectRef>
+          <a:fontRef idx="minor">
+            <a:schemeClr val="tx1"/>
+          </a:fontRef>
+        </p:style>
+      </p:cxnSp>
+      <p:cxnSp>
+        <p:nvCxnSpPr>
+          <p:cNvPr id="5" name="Straight Connector 4"/>
+          <p:cNvCxnSpPr/>
+          <p:nvPr/>
+        </p:nvCxnSpPr>
+        <p:spPr>
+          <a:xfrm>
+            <a:off x="4696418" y="2175143"/>
+            <a:ext cx="0" cy="3658581"/>
+          </a:xfrm>
+          <a:prstGeom prst="line">
+            <a:avLst/>
+          </a:prstGeom>
+          <a:ln w="12700">
+            <a:prstDash val="dash"/>
+          </a:ln>
+        </p:spPr>
+        <p:style>
+          <a:lnRef idx="1">
+            <a:schemeClr val="accent1"/>
+          </a:lnRef>
+          <a:fillRef idx="0">
+            <a:schemeClr val="accent1"/>
+          </a:fillRef>
+          <a:effectRef idx="0">
+            <a:schemeClr val="accent1"/>
+          </a:effectRef>
+          <a:fontRef idx="minor">
+            <a:schemeClr val="tx1"/>
+          </a:fontRef>
+        </p:style>
+      </p:cxnSp>
+      <p:cxnSp>
+        <p:nvCxnSpPr>
+          <p:cNvPr id="7" name="Straight Connector 6"/>
+          <p:cNvCxnSpPr/>
+          <p:nvPr/>
+        </p:nvCxnSpPr>
+        <p:spPr>
+          <a:xfrm>
+            <a:off x="7727441" y="2190452"/>
+            <a:ext cx="0" cy="3658581"/>
+          </a:xfrm>
+          <a:prstGeom prst="line">
+            <a:avLst/>
+          </a:prstGeom>
+          <a:ln w="12700">
+            <a:prstDash val="dash"/>
+          </a:ln>
+        </p:spPr>
+        <p:style>
+          <a:lnRef idx="1">
+            <a:schemeClr val="accent1"/>
+          </a:lnRef>
+          <a:fillRef idx="0">
+            <a:schemeClr val="accent1"/>
+          </a:fillRef>
+          <a:effectRef idx="0">
+            <a:schemeClr val="accent1"/>
+          </a:effectRef>
+          <a:fontRef idx="minor">
+            <a:schemeClr val="tx1"/>
+          </a:fontRef>
+        </p:style>
+      </p:cxnSp>
+      <p:cxnSp>
+        <p:nvCxnSpPr>
+          <p:cNvPr id="8" name="Straight Connector 7"/>
+          <p:cNvCxnSpPr/>
+          <p:nvPr/>
+        </p:nvCxnSpPr>
+        <p:spPr>
+          <a:xfrm>
+            <a:off x="6198104" y="2190453"/>
+            <a:ext cx="0" cy="3658581"/>
+          </a:xfrm>
+          <a:prstGeom prst="line">
+            <a:avLst/>
+          </a:prstGeom>
+          <a:ln w="12700">
+            <a:prstDash val="dash"/>
+          </a:ln>
+        </p:spPr>
+        <p:style>
+          <a:lnRef idx="1">
+            <a:schemeClr val="accent1"/>
+          </a:lnRef>
+          <a:fillRef idx="0">
+            <a:schemeClr val="accent1"/>
+          </a:fillRef>
+          <a:effectRef idx="0">
+            <a:schemeClr val="accent1"/>
+          </a:effectRef>
+          <a:fontRef idx="minor">
+            <a:schemeClr val="tx1"/>
+          </a:fontRef>
+        </p:style>
+      </p:cxnSp>
+      <p:sp>
+        <p:nvSpPr>
+          <p:cNvPr id="9" name="Rectangle 8"/>
           <p:cNvSpPr/>
           <p:nvPr/>
         </p:nvSpPr>
         <p:spPr>
           <a:xfrm>
-            <a:off x="1706149" y="2494259"/>
-            <a:ext cx="65541" cy="332960"/>
+            <a:off x="1037714" y="1693617"/>
+            <a:ext cx="1389751" cy="487811"/>
           </a:xfrm>
           <a:prstGeom prst="rect">
             <a:avLst/>
@@ -5954,6 +5361,14 @@
           <a:lstStyle/>
           <a:p>
             <a:pPr algn="ctr"/>
+            <a:r>
+              <a:rPr lang="nb-NO" sz="1400" dirty="0">
+                <a:solidFill>
+                  <a:schemeClr val="tx2"/>
+                </a:solidFill>
+              </a:rPr>
+              <a:t>Command Handler</a:t>
+            </a:r>
             <a:endParaRPr lang="en-US" sz="1400" dirty="0">
               <a:solidFill>
                 <a:schemeClr val="tx2"/>
@@ -5964,54 +5379,13 @@
       </p:sp>
       <p:sp>
         <p:nvSpPr>
-          <p:cNvPr id="74" name="TextBox 73">
-            <a:extLst>
-              <a:ext uri="{FF2B5EF4-FFF2-40B4-BE49-F238E27FC236}">
-                <a16:creationId xmlns:a16="http://schemas.microsoft.com/office/drawing/2014/main" id="{433ED686-263A-4C02-A346-2D1F2DAEFC43}"/>
-              </a:ext>
-            </a:extLst>
-          </p:cNvPr>
-          <p:cNvSpPr txBox="1"/>
-          <p:nvPr/>
-        </p:nvSpPr>
-        <p:spPr>
-          <a:xfrm>
-            <a:off x="383364" y="205547"/>
-            <a:ext cx="2248865" cy="461665"/>
-          </a:xfrm>
-          <a:prstGeom prst="rect">
-            <a:avLst/>
-          </a:prstGeom>
-          <a:noFill/>
-        </p:spPr>
-        <p:txBody>
-          <a:bodyPr wrap="square" rtlCol="0">
-            <a:spAutoFit/>
-          </a:bodyPr>
-          <a:lstStyle/>
-          <a:p>
-            <a:r>
-              <a:rPr lang="nb-NO" sz="2400" dirty="0"/>
-              <a:t>EnirKesto Flow 2</a:t>
-            </a:r>
-          </a:p>
-        </p:txBody>
-      </p:sp>
-      <p:sp>
-        <p:nvSpPr>
-          <p:cNvPr id="40" name="Rectangle 39">
-            <a:extLst>
-              <a:ext uri="{FF2B5EF4-FFF2-40B4-BE49-F238E27FC236}">
-                <a16:creationId xmlns:a16="http://schemas.microsoft.com/office/drawing/2014/main" id="{EDD9C59D-F643-4A18-A666-44FC6F9A1825}"/>
-              </a:ext>
-            </a:extLst>
-          </p:cNvPr>
+          <p:cNvPr id="10" name="Rectangle 9"/>
           <p:cNvSpPr/>
           <p:nvPr/>
         </p:nvSpPr>
         <p:spPr>
           <a:xfrm>
-            <a:off x="8461204" y="1687332"/>
+            <a:off x="2522746" y="1693617"/>
             <a:ext cx="1389751" cy="487811"/>
           </a:xfrm>
           <a:prstGeom prst="rect">
@@ -6051,14 +5425,14 @@
           <a:p>
             <a:pPr algn="ctr"/>
             <a:r>
-              <a:rPr lang="nb-NO" sz="1200" dirty="0">
+              <a:rPr lang="nb-NO" sz="1400" dirty="0">
                 <a:solidFill>
                   <a:schemeClr val="tx2"/>
                 </a:solidFill>
               </a:rPr>
-              <a:t>Message Event Processor</a:t>
-            </a:r>
-            <a:endParaRPr lang="en-US" sz="1200" dirty="0">
+              <a:t>Tagging</a:t>
+            </a:r>
+            <a:endParaRPr lang="en-US" sz="1400" dirty="0">
               <a:solidFill>
                 <a:schemeClr val="tx2"/>
               </a:solidFill>
@@ -6068,19 +5442,13 @@
       </p:sp>
       <p:sp>
         <p:nvSpPr>
-          <p:cNvPr id="41" name="Rectangle 40">
-            <a:extLst>
-              <a:ext uri="{FF2B5EF4-FFF2-40B4-BE49-F238E27FC236}">
-                <a16:creationId xmlns:a16="http://schemas.microsoft.com/office/drawing/2014/main" id="{6B069459-B682-41AE-9682-5EE3F420A06D}"/>
-              </a:ext>
-            </a:extLst>
-          </p:cNvPr>
+          <p:cNvPr id="11" name="Rectangle 10"/>
           <p:cNvSpPr/>
           <p:nvPr/>
         </p:nvSpPr>
         <p:spPr>
           <a:xfrm>
-            <a:off x="9946236" y="1687331"/>
+            <a:off x="4001543" y="1693617"/>
             <a:ext cx="1389751" cy="487811"/>
           </a:xfrm>
           <a:prstGeom prst="rect">
@@ -6120,60 +5488,16 @@
           <a:p>
             <a:pPr algn="ctr"/>
             <a:r>
-              <a:rPr lang="en-US" sz="1200" dirty="0">
+              <a:rPr lang="nb-NO" sz="1200" dirty="0">
                 <a:solidFill>
                   <a:schemeClr val="tx2"/>
                 </a:solidFill>
               </a:rPr>
-              <a:t>MongoDB</a:t>
-            </a:r>
-          </a:p>
-        </p:txBody>
-      </p:sp>
-      <p:sp>
-        <p:nvSpPr>
-          <p:cNvPr id="45" name="TextBox 44">
-            <a:extLst>
-              <a:ext uri="{FF2B5EF4-FFF2-40B4-BE49-F238E27FC236}">
-                <a16:creationId xmlns:a16="http://schemas.microsoft.com/office/drawing/2014/main" id="{BAF508F9-3025-4D89-BD8E-2C65FA351266}"/>
-              </a:ext>
-            </a:extLst>
-          </p:cNvPr>
-          <p:cNvSpPr txBox="1"/>
-          <p:nvPr/>
-        </p:nvSpPr>
-        <p:spPr>
-          <a:xfrm>
-            <a:off x="319796" y="3266652"/>
-            <a:ext cx="1763446" cy="261610"/>
-          </a:xfrm>
-          <a:prstGeom prst="rect">
-            <a:avLst/>
-          </a:prstGeom>
-          <a:noFill/>
-        </p:spPr>
-        <p:txBody>
-          <a:bodyPr wrap="square" rtlCol="0">
-            <a:spAutoFit/>
-          </a:bodyPr>
-          <a:lstStyle/>
-          <a:p>
-            <a:pPr algn="ctr"/>
-            <a:r>
-              <a:rPr lang="nb-NO" sz="1100" dirty="0">
-                <a:solidFill>
-                  <a:schemeClr val="accent1">
-                    <a:lumMod val="50000"/>
-                  </a:schemeClr>
-                </a:solidFill>
-              </a:rPr>
-              <a:t>Add tag</a:t>
-            </a:r>
-            <a:endParaRPr lang="en-US" sz="1100" dirty="0">
+              <a:t>Event Stream</a:t>
+            </a:r>
+            <a:endParaRPr lang="en-US" sz="1200" dirty="0">
               <a:solidFill>
-                <a:schemeClr val="accent1">
-                  <a:lumMod val="50000"/>
-                </a:schemeClr>
+                <a:schemeClr val="tx2"/>
               </a:solidFill>
             </a:endParaRPr>
           </a:p>
@@ -6181,306 +5505,14 @@
       </p:sp>
       <p:sp>
         <p:nvSpPr>
-          <p:cNvPr id="48" name="TextBox 47">
-            <a:extLst>
-              <a:ext uri="{FF2B5EF4-FFF2-40B4-BE49-F238E27FC236}">
-                <a16:creationId xmlns:a16="http://schemas.microsoft.com/office/drawing/2014/main" id="{2E191B90-84CD-48DA-975A-C64980655AE7}"/>
-              </a:ext>
-            </a:extLst>
-          </p:cNvPr>
-          <p:cNvSpPr txBox="1"/>
-          <p:nvPr/>
-        </p:nvSpPr>
-        <p:spPr>
-          <a:xfrm rot="18473453">
-            <a:off x="444866" y="2772063"/>
-            <a:ext cx="1763446" cy="261610"/>
-          </a:xfrm>
-          <a:prstGeom prst="rect">
-            <a:avLst/>
-          </a:prstGeom>
-          <a:noFill/>
-        </p:spPr>
-        <p:txBody>
-          <a:bodyPr wrap="square" rtlCol="0">
-            <a:spAutoFit/>
-          </a:bodyPr>
-          <a:lstStyle/>
-          <a:p>
-            <a:pPr algn="ctr"/>
-            <a:r>
-              <a:rPr lang="nb-NO" sz="1100" dirty="0">
-                <a:solidFill>
-                  <a:schemeClr val="accent1">
-                    <a:lumMod val="50000"/>
-                  </a:schemeClr>
-                </a:solidFill>
-              </a:rPr>
-              <a:t>Handle</a:t>
-            </a:r>
-            <a:endParaRPr lang="en-US" sz="1100" dirty="0">
-              <a:solidFill>
-                <a:schemeClr val="accent1">
-                  <a:lumMod val="50000"/>
-                </a:schemeClr>
-              </a:solidFill>
-            </a:endParaRPr>
-          </a:p>
-        </p:txBody>
-      </p:sp>
-      <p:cxnSp>
-        <p:nvCxnSpPr>
-          <p:cNvPr id="50" name="Straight Arrow Connector 49">
-            <a:extLst>
-              <a:ext uri="{FF2B5EF4-FFF2-40B4-BE49-F238E27FC236}">
-                <a16:creationId xmlns:a16="http://schemas.microsoft.com/office/drawing/2014/main" id="{6BD9D00D-BC6B-4C3B-8F08-9AFDD7912D9B}"/>
-              </a:ext>
-            </a:extLst>
-          </p:cNvPr>
-          <p:cNvCxnSpPr>
-            <a:cxnSpLocks/>
-          </p:cNvCxnSpPr>
-          <p:nvPr/>
-        </p:nvCxnSpPr>
-        <p:spPr>
-          <a:xfrm flipV="1">
-            <a:off x="1227892" y="2661439"/>
-            <a:ext cx="434033" cy="569060"/>
-          </a:xfrm>
-          <a:prstGeom prst="straightConnector1">
-            <a:avLst/>
-          </a:prstGeom>
-          <a:ln w="12700">
-            <a:tailEnd type="arrow" w="lg" len="lg"/>
-          </a:ln>
-        </p:spPr>
-        <p:style>
-          <a:lnRef idx="1">
-            <a:schemeClr val="accent1"/>
-          </a:lnRef>
-          <a:fillRef idx="0">
-            <a:schemeClr val="accent1"/>
-          </a:fillRef>
-          <a:effectRef idx="0">
-            <a:schemeClr val="accent1"/>
-          </a:effectRef>
-          <a:fontRef idx="minor">
-            <a:schemeClr val="tx1"/>
-          </a:fontRef>
-        </p:style>
-      </p:cxnSp>
-      <p:sp>
-        <p:nvSpPr>
-          <p:cNvPr id="51" name="TextBox 50">
-            <a:extLst>
-              <a:ext uri="{FF2B5EF4-FFF2-40B4-BE49-F238E27FC236}">
-                <a16:creationId xmlns:a16="http://schemas.microsoft.com/office/drawing/2014/main" id="{842212E6-38A2-4952-BF21-95E4B91CD084}"/>
-              </a:ext>
-            </a:extLst>
-          </p:cNvPr>
-          <p:cNvSpPr txBox="1"/>
-          <p:nvPr/>
-        </p:nvSpPr>
-        <p:spPr>
-          <a:xfrm>
-            <a:off x="4509571" y="2634094"/>
-            <a:ext cx="1763446" cy="261610"/>
-          </a:xfrm>
-          <a:prstGeom prst="rect">
-            <a:avLst/>
-          </a:prstGeom>
-          <a:noFill/>
-        </p:spPr>
-        <p:txBody>
-          <a:bodyPr wrap="square" rtlCol="0">
-            <a:spAutoFit/>
-          </a:bodyPr>
-          <a:lstStyle/>
-          <a:p>
-            <a:pPr algn="ctr"/>
-            <a:r>
-              <a:rPr lang="nb-NO" sz="1100" dirty="0">
-                <a:solidFill>
-                  <a:schemeClr val="accent1">
-                    <a:lumMod val="50000"/>
-                  </a:schemeClr>
-                </a:solidFill>
-              </a:rPr>
-              <a:t>Tag Added</a:t>
-            </a:r>
-            <a:endParaRPr lang="en-US" sz="1100" dirty="0">
-              <a:solidFill>
-                <a:schemeClr val="accent1">
-                  <a:lumMod val="50000"/>
-                </a:schemeClr>
-              </a:solidFill>
-            </a:endParaRPr>
-          </a:p>
-        </p:txBody>
-      </p:sp>
-      <p:sp>
-        <p:nvSpPr>
-          <p:cNvPr id="52" name="TextBox 51">
-            <a:extLst>
-              <a:ext uri="{FF2B5EF4-FFF2-40B4-BE49-F238E27FC236}">
-                <a16:creationId xmlns:a16="http://schemas.microsoft.com/office/drawing/2014/main" id="{0B0C182D-EC44-422B-B756-686101CF27A3}"/>
-              </a:ext>
-            </a:extLst>
-          </p:cNvPr>
-          <p:cNvSpPr txBox="1"/>
-          <p:nvPr/>
-        </p:nvSpPr>
-        <p:spPr>
-          <a:xfrm>
-            <a:off x="6094284" y="2698979"/>
-            <a:ext cx="1763446" cy="261610"/>
-          </a:xfrm>
-          <a:prstGeom prst="rect">
-            <a:avLst/>
-          </a:prstGeom>
-          <a:noFill/>
-        </p:spPr>
-        <p:txBody>
-          <a:bodyPr wrap="square" rtlCol="0">
-            <a:spAutoFit/>
-          </a:bodyPr>
-          <a:lstStyle/>
-          <a:p>
-            <a:pPr algn="ctr"/>
-            <a:r>
-              <a:rPr lang="nb-NO" sz="1100" dirty="0">
-                <a:solidFill>
-                  <a:schemeClr val="accent1">
-                    <a:lumMod val="50000"/>
-                  </a:schemeClr>
-                </a:solidFill>
-              </a:rPr>
-              <a:t>Put:tag model/doc</a:t>
-            </a:r>
-            <a:endParaRPr lang="en-US" sz="1100" dirty="0">
-              <a:solidFill>
-                <a:schemeClr val="accent1">
-                  <a:lumMod val="50000"/>
-                </a:schemeClr>
-              </a:solidFill>
-            </a:endParaRPr>
-          </a:p>
-        </p:txBody>
-      </p:sp>
-      <p:sp>
-        <p:nvSpPr>
-          <p:cNvPr id="53" name="TextBox 52">
-            <a:extLst>
-              <a:ext uri="{FF2B5EF4-FFF2-40B4-BE49-F238E27FC236}">
-                <a16:creationId xmlns:a16="http://schemas.microsoft.com/office/drawing/2014/main" id="{EE78DAC7-0534-454E-87D5-7A7A31296538}"/>
-              </a:ext>
-            </a:extLst>
-          </p:cNvPr>
-          <p:cNvSpPr txBox="1"/>
-          <p:nvPr/>
-        </p:nvSpPr>
-        <p:spPr>
-          <a:xfrm>
-            <a:off x="7482956" y="2919787"/>
-            <a:ext cx="1763446" cy="261610"/>
-          </a:xfrm>
-          <a:prstGeom prst="rect">
-            <a:avLst/>
-          </a:prstGeom>
-          <a:noFill/>
-        </p:spPr>
-        <p:txBody>
-          <a:bodyPr wrap="square" rtlCol="0">
-            <a:spAutoFit/>
-          </a:bodyPr>
-          <a:lstStyle/>
-          <a:p>
-            <a:pPr algn="ctr"/>
-            <a:r>
-              <a:rPr lang="nb-NO" sz="1100" dirty="0">
-                <a:solidFill>
-                  <a:schemeClr val="accent1">
-                    <a:lumMod val="50000"/>
-                  </a:schemeClr>
-                </a:solidFill>
-              </a:rPr>
-              <a:t>Tag Added</a:t>
-            </a:r>
-            <a:endParaRPr lang="en-US" sz="1100" dirty="0">
-              <a:solidFill>
-                <a:schemeClr val="accent1">
-                  <a:lumMod val="50000"/>
-                </a:schemeClr>
-              </a:solidFill>
-            </a:endParaRPr>
-          </a:p>
-        </p:txBody>
-      </p:sp>
-      <p:sp>
-        <p:nvSpPr>
-          <p:cNvPr id="54" name="TextBox 53">
-            <a:extLst>
-              <a:ext uri="{FF2B5EF4-FFF2-40B4-BE49-F238E27FC236}">
-                <a16:creationId xmlns:a16="http://schemas.microsoft.com/office/drawing/2014/main" id="{6A907F73-50CE-40B2-8ADF-3F5A43A48CE6}"/>
-              </a:ext>
-            </a:extLst>
-          </p:cNvPr>
-          <p:cNvSpPr txBox="1"/>
-          <p:nvPr/>
-        </p:nvSpPr>
-        <p:spPr>
-          <a:xfrm>
-            <a:off x="9016105" y="2928753"/>
-            <a:ext cx="1763446" cy="261610"/>
-          </a:xfrm>
-          <a:prstGeom prst="rect">
-            <a:avLst/>
-          </a:prstGeom>
-          <a:noFill/>
-        </p:spPr>
-        <p:txBody>
-          <a:bodyPr wrap="square" rtlCol="0">
-            <a:spAutoFit/>
-          </a:bodyPr>
-          <a:lstStyle/>
-          <a:p>
-            <a:pPr algn="ctr"/>
-            <a:r>
-              <a:rPr lang="nb-NO" sz="1100" dirty="0">
-                <a:solidFill>
-                  <a:schemeClr val="accent1">
-                    <a:lumMod val="50000"/>
-                  </a:schemeClr>
-                </a:solidFill>
-              </a:rPr>
-              <a:t>Update</a:t>
-            </a:r>
-            <a:endParaRPr lang="en-US" sz="1100" dirty="0">
-              <a:solidFill>
-                <a:schemeClr val="accent1">
-                  <a:lumMod val="50000"/>
-                </a:schemeClr>
-              </a:solidFill>
-            </a:endParaRPr>
-          </a:p>
-        </p:txBody>
-      </p:sp>
-      <p:sp>
-        <p:nvSpPr>
-          <p:cNvPr id="56" name="Rectangle 55">
-            <a:extLst>
-              <a:ext uri="{FF2B5EF4-FFF2-40B4-BE49-F238E27FC236}">
-                <a16:creationId xmlns:a16="http://schemas.microsoft.com/office/drawing/2014/main" id="{3911D466-4C0A-4D9A-B49B-12872D3F5B9D}"/>
-              </a:ext>
-            </a:extLst>
-          </p:cNvPr>
+          <p:cNvPr id="12" name="Rectangle 11"/>
           <p:cNvSpPr/>
           <p:nvPr/>
         </p:nvSpPr>
         <p:spPr>
           <a:xfrm>
-            <a:off x="3210746" y="2494959"/>
-            <a:ext cx="65541" cy="332960"/>
+            <a:off x="5491974" y="1693612"/>
+            <a:ext cx="1389751" cy="487811"/>
           </a:xfrm>
           <a:prstGeom prst="rect">
             <a:avLst/>
@@ -6518,6 +5550,14 @@
           <a:lstStyle/>
           <a:p>
             <a:pPr algn="ctr"/>
+            <a:r>
+              <a:rPr lang="nb-NO" sz="1400" dirty="0">
+                <a:solidFill>
+                  <a:schemeClr val="tx2"/>
+                </a:solidFill>
+              </a:rPr>
+              <a:t>Text Analytics Event Processor</a:t>
+            </a:r>
             <a:endParaRPr lang="en-US" sz="1400" dirty="0">
               <a:solidFill>
                 <a:schemeClr val="tx2"/>
@@ -6528,20 +5568,14 @@
       </p:sp>
       <p:sp>
         <p:nvSpPr>
-          <p:cNvPr id="62" name="Rectangle 61">
-            <a:extLst>
-              <a:ext uri="{FF2B5EF4-FFF2-40B4-BE49-F238E27FC236}">
-                <a16:creationId xmlns:a16="http://schemas.microsoft.com/office/drawing/2014/main" id="{81CD0725-8321-46F3-9E4C-AC8890456F34}"/>
-              </a:ext>
-            </a:extLst>
-          </p:cNvPr>
+          <p:cNvPr id="13" name="Rectangle 12"/>
           <p:cNvSpPr/>
           <p:nvPr/>
         </p:nvSpPr>
         <p:spPr>
           <a:xfrm>
-            <a:off x="4663647" y="2600670"/>
-            <a:ext cx="58093" cy="798406"/>
+            <a:off x="6980667" y="1693613"/>
+            <a:ext cx="1389751" cy="487811"/>
           </a:xfrm>
           <a:prstGeom prst="rect">
             <a:avLst/>
@@ -6579,7 +5613,15 @@
           <a:lstStyle/>
           <a:p>
             <a:pPr algn="ctr"/>
-            <a:endParaRPr lang="en-US" sz="1400" dirty="0">
+            <a:r>
+              <a:rPr lang="nb-NO" sz="1200" dirty="0">
+                <a:solidFill>
+                  <a:schemeClr val="tx2"/>
+                </a:solidFill>
+              </a:rPr>
+              <a:t>Text Analytics API</a:t>
+            </a:r>
+            <a:endParaRPr lang="en-US" sz="1200" dirty="0">
               <a:solidFill>
                 <a:schemeClr val="tx2"/>
               </a:solidFill>
@@ -6589,10 +5631,202 @@
       </p:sp>
       <p:cxnSp>
         <p:nvCxnSpPr>
-          <p:cNvPr id="64" name="Straight Arrow Connector 63">
+          <p:cNvPr id="15" name="Straight Arrow Connector 14"/>
+          <p:cNvCxnSpPr>
+            <a:cxnSpLocks/>
+          </p:cNvCxnSpPr>
+          <p:nvPr/>
+        </p:nvCxnSpPr>
+        <p:spPr>
+          <a:xfrm flipV="1">
+            <a:off x="1771690" y="2594495"/>
+            <a:ext cx="1439056" cy="1"/>
+          </a:xfrm>
+          <a:prstGeom prst="straightConnector1">
+            <a:avLst/>
+          </a:prstGeom>
+          <a:ln w="12700">
+            <a:tailEnd type="arrow" w="lg" len="lg"/>
+          </a:ln>
+        </p:spPr>
+        <p:style>
+          <a:lnRef idx="1">
+            <a:schemeClr val="accent1"/>
+          </a:lnRef>
+          <a:fillRef idx="0">
+            <a:schemeClr val="accent1"/>
+          </a:fillRef>
+          <a:effectRef idx="0">
+            <a:schemeClr val="accent1"/>
+          </a:effectRef>
+          <a:fontRef idx="minor">
+            <a:schemeClr val="tx1"/>
+          </a:fontRef>
+        </p:style>
+      </p:cxnSp>
+      <p:sp>
+        <p:nvSpPr>
+          <p:cNvPr id="16" name="TextBox 15"/>
+          <p:cNvSpPr txBox="1"/>
+          <p:nvPr/>
+        </p:nvSpPr>
+        <p:spPr>
+          <a:xfrm>
+            <a:off x="1613054" y="2332886"/>
+            <a:ext cx="1763446" cy="261610"/>
+          </a:xfrm>
+          <a:prstGeom prst="rect">
+            <a:avLst/>
+          </a:prstGeom>
+          <a:noFill/>
+        </p:spPr>
+        <p:txBody>
+          <a:bodyPr wrap="square" rtlCol="0">
+            <a:spAutoFit/>
+          </a:bodyPr>
+          <a:lstStyle/>
+          <a:p>
+            <a:pPr algn="ctr"/>
+            <a:r>
+              <a:rPr lang="nb-NO" sz="1100" dirty="0">
+                <a:solidFill>
+                  <a:schemeClr val="accent1">
+                    <a:lumMod val="50000"/>
+                  </a:schemeClr>
+                </a:solidFill>
+              </a:rPr>
+              <a:t>Add tag</a:t>
+            </a:r>
+            <a:endParaRPr lang="en-US" sz="1100" dirty="0">
+              <a:solidFill>
+                <a:schemeClr val="accent1">
+                  <a:lumMod val="50000"/>
+                </a:schemeClr>
+              </a:solidFill>
+            </a:endParaRPr>
+          </a:p>
+        </p:txBody>
+      </p:sp>
+      <p:cxnSp>
+        <p:nvCxnSpPr>
+          <p:cNvPr id="17" name="Straight Arrow Connector 16"/>
+          <p:cNvCxnSpPr>
+            <a:cxnSpLocks/>
+          </p:cNvCxnSpPr>
+          <p:nvPr/>
+        </p:nvCxnSpPr>
+        <p:spPr>
+          <a:xfrm>
+            <a:off x="3276287" y="2753070"/>
+            <a:ext cx="1387358" cy="2798"/>
+          </a:xfrm>
+          <a:prstGeom prst="straightConnector1">
+            <a:avLst/>
+          </a:prstGeom>
+          <a:ln w="12700">
+            <a:tailEnd type="arrow" w="lg" len="lg"/>
+          </a:ln>
+        </p:spPr>
+        <p:style>
+          <a:lnRef idx="1">
+            <a:schemeClr val="accent1"/>
+          </a:lnRef>
+          <a:fillRef idx="0">
+            <a:schemeClr val="accent1"/>
+          </a:fillRef>
+          <a:effectRef idx="0">
+            <a:schemeClr val="accent1"/>
+          </a:effectRef>
+          <a:fontRef idx="minor">
+            <a:schemeClr val="tx1"/>
+          </a:fontRef>
+        </p:style>
+      </p:cxnSp>
+      <p:sp>
+        <p:nvSpPr>
+          <p:cNvPr id="18" name="TextBox 17"/>
+          <p:cNvSpPr txBox="1"/>
+          <p:nvPr/>
+        </p:nvSpPr>
+        <p:spPr>
+          <a:xfrm>
+            <a:off x="3071050" y="2494260"/>
+            <a:ext cx="1763446" cy="261610"/>
+          </a:xfrm>
+          <a:prstGeom prst="rect">
+            <a:avLst/>
+          </a:prstGeom>
+          <a:noFill/>
+        </p:spPr>
+        <p:txBody>
+          <a:bodyPr wrap="square" rtlCol="0">
+            <a:spAutoFit/>
+          </a:bodyPr>
+          <a:lstStyle/>
+          <a:p>
+            <a:pPr algn="ctr"/>
+            <a:r>
+              <a:rPr lang="nb-NO" sz="1100" dirty="0">
+                <a:solidFill>
+                  <a:schemeClr val="accent1">
+                    <a:lumMod val="50000"/>
+                  </a:schemeClr>
+                </a:solidFill>
+              </a:rPr>
+              <a:t>Tag Added</a:t>
+            </a:r>
+            <a:endParaRPr lang="en-US" sz="1100" dirty="0">
+              <a:solidFill>
+                <a:schemeClr val="accent1">
+                  <a:lumMod val="50000"/>
+                </a:schemeClr>
+              </a:solidFill>
+            </a:endParaRPr>
+          </a:p>
+        </p:txBody>
+      </p:sp>
+      <p:cxnSp>
+        <p:nvCxnSpPr>
+          <p:cNvPr id="21" name="Straight Arrow Connector 20"/>
+          <p:cNvCxnSpPr>
+            <a:cxnSpLocks/>
+            <a:endCxn id="75" idx="1"/>
+          </p:cNvCxnSpPr>
+          <p:nvPr/>
+        </p:nvCxnSpPr>
+        <p:spPr>
+          <a:xfrm flipV="1">
+            <a:off x="4721740" y="3187678"/>
+            <a:ext cx="4401991" cy="2686"/>
+          </a:xfrm>
+          <a:prstGeom prst="straightConnector1">
+            <a:avLst/>
+          </a:prstGeom>
+          <a:ln w="12700">
+            <a:tailEnd type="arrow" w="lg" len="lg"/>
+          </a:ln>
+        </p:spPr>
+        <p:style>
+          <a:lnRef idx="1">
+            <a:schemeClr val="accent1"/>
+          </a:lnRef>
+          <a:fillRef idx="0">
+            <a:schemeClr val="accent1"/>
+          </a:fillRef>
+          <a:effectRef idx="0">
+            <a:schemeClr val="accent1"/>
+          </a:effectRef>
+          <a:fontRef idx="minor">
+            <a:schemeClr val="tx1"/>
+          </a:fontRef>
+        </p:style>
+      </p:cxnSp>
+      <p:cxnSp>
+        <p:nvCxnSpPr>
+          <p:cNvPr id="49" name="Straight Arrow Connector 48">
             <a:extLst>
               <a:ext uri="{FF2B5EF4-FFF2-40B4-BE49-F238E27FC236}">
-                <a16:creationId xmlns:a16="http://schemas.microsoft.com/office/drawing/2014/main" id="{82B4615F-882C-4BCB-A95E-614BABD9293E}"/>
+                <a16:creationId xmlns:a16="http://schemas.microsoft.com/office/drawing/2014/main" xmlns="" id="{C028D68F-ABD4-4AC4-8E4D-3724DC273A98}"/>
               </a:ext>
             </a:extLst>
           </p:cNvPr>
@@ -6602,9 +5836,9 @@
           <p:nvPr/>
         </p:nvCxnSpPr>
         <p:spPr>
-          <a:xfrm flipV="1">
-            <a:off x="4781123" y="2887431"/>
-            <a:ext cx="1351441" cy="8158"/>
+          <a:xfrm>
+            <a:off x="1122881" y="2516570"/>
+            <a:ext cx="574322" cy="0"/>
           </a:xfrm>
           <a:prstGeom prst="straightConnector1">
             <a:avLst/>
@@ -6630,10 +5864,10 @@
       </p:cxnSp>
       <p:sp>
         <p:nvSpPr>
-          <p:cNvPr id="67" name="Rectangle 66">
+          <p:cNvPr id="55" name="Rectangle 54">
             <a:extLst>
               <a:ext uri="{FF2B5EF4-FFF2-40B4-BE49-F238E27FC236}">
-                <a16:creationId xmlns:a16="http://schemas.microsoft.com/office/drawing/2014/main" id="{778812C9-3C13-4BC0-ACCA-E1F985BAD902}"/>
+                <a16:creationId xmlns:a16="http://schemas.microsoft.com/office/drawing/2014/main" xmlns="" id="{CB13440C-44FD-4345-9165-81B9D4B0A59B}"/>
               </a:ext>
             </a:extLst>
           </p:cNvPr>
@@ -6642,7 +5876,7 @@
         </p:nvSpPr>
         <p:spPr>
           <a:xfrm>
-            <a:off x="6165333" y="2753070"/>
+            <a:off x="1706149" y="2494259"/>
             <a:ext cx="65541" cy="332960"/>
           </a:xfrm>
           <a:prstGeom prst="rect">
@@ -6689,51 +5923,47 @@
           </a:p>
         </p:txBody>
       </p:sp>
-      <p:cxnSp>
-        <p:nvCxnSpPr>
-          <p:cNvPr id="73" name="Straight Connector 72">
+      <p:sp>
+        <p:nvSpPr>
+          <p:cNvPr id="74" name="TextBox 73">
             <a:extLst>
               <a:ext uri="{FF2B5EF4-FFF2-40B4-BE49-F238E27FC236}">
-                <a16:creationId xmlns:a16="http://schemas.microsoft.com/office/drawing/2014/main" id="{FD54078C-5A77-4602-B6BA-669131F5C39A}"/>
+                <a16:creationId xmlns:a16="http://schemas.microsoft.com/office/drawing/2014/main" xmlns="" id="{433ED686-263A-4C02-A346-2D1F2DAEFC43}"/>
               </a:ext>
             </a:extLst>
           </p:cNvPr>
-          <p:cNvCxnSpPr/>
+          <p:cNvSpPr txBox="1"/>
           <p:nvPr/>
-        </p:nvCxnSpPr>
-        <p:spPr>
-          <a:xfrm>
-            <a:off x="9162314" y="2181427"/>
-            <a:ext cx="0" cy="3658581"/>
-          </a:xfrm>
-          <a:prstGeom prst="line">
-            <a:avLst/>
-          </a:prstGeom>
-          <a:ln w="12700">
-            <a:prstDash val="dash"/>
-          </a:ln>
-        </p:spPr>
-        <p:style>
-          <a:lnRef idx="1">
-            <a:schemeClr val="accent1"/>
-          </a:lnRef>
-          <a:fillRef idx="0">
-            <a:schemeClr val="accent1"/>
-          </a:fillRef>
-          <a:effectRef idx="0">
-            <a:schemeClr val="accent1"/>
-          </a:effectRef>
-          <a:fontRef idx="minor">
-            <a:schemeClr val="tx1"/>
-          </a:fontRef>
-        </p:style>
-      </p:cxnSp>
-      <p:sp>
-        <p:nvSpPr>
-          <p:cNvPr id="75" name="Rectangle 74">
+        </p:nvSpPr>
+        <p:spPr>
+          <a:xfrm>
+            <a:off x="383364" y="205547"/>
+            <a:ext cx="2248865" cy="461665"/>
+          </a:xfrm>
+          <a:prstGeom prst="rect">
+            <a:avLst/>
+          </a:prstGeom>
+          <a:noFill/>
+        </p:spPr>
+        <p:txBody>
+          <a:bodyPr wrap="square" rtlCol="0">
+            <a:spAutoFit/>
+          </a:bodyPr>
+          <a:lstStyle/>
+          <a:p>
+            <a:r>
+              <a:rPr lang="nb-NO" sz="2400" dirty="0"/>
+              <a:t>EnirKesto Flow 2</a:t>
+            </a:r>
+          </a:p>
+        </p:txBody>
+      </p:sp>
+      <p:sp>
+        <p:nvSpPr>
+          <p:cNvPr id="40" name="Rectangle 39">
             <a:extLst>
               <a:ext uri="{FF2B5EF4-FFF2-40B4-BE49-F238E27FC236}">
-                <a16:creationId xmlns:a16="http://schemas.microsoft.com/office/drawing/2014/main" id="{F03EB75A-F534-47AB-87F6-2035059307D9}"/>
+                <a16:creationId xmlns:a16="http://schemas.microsoft.com/office/drawing/2014/main" xmlns="" id="{EDD9C59D-F643-4A18-A666-44FC6F9A1825}"/>
               </a:ext>
             </a:extLst>
           </p:cNvPr>
@@ -6742,8 +5972,8 @@
         </p:nvSpPr>
         <p:spPr>
           <a:xfrm>
-            <a:off x="9123731" y="3021198"/>
-            <a:ext cx="65541" cy="332960"/>
+            <a:off x="8461204" y="1687332"/>
+            <a:ext cx="1389751" cy="487811"/>
           </a:xfrm>
           <a:prstGeom prst="rect">
             <a:avLst/>
@@ -6781,7 +6011,15 @@
           <a:lstStyle/>
           <a:p>
             <a:pPr algn="ctr"/>
-            <a:endParaRPr lang="en-US" sz="1400" dirty="0">
+            <a:r>
+              <a:rPr lang="nb-NO" sz="1200" dirty="0">
+                <a:solidFill>
+                  <a:schemeClr val="tx2"/>
+                </a:solidFill>
+              </a:rPr>
+              <a:t>Message Event Processor</a:t>
+            </a:r>
+            <a:endParaRPr lang="en-US" sz="1200" dirty="0">
               <a:solidFill>
                 <a:schemeClr val="tx2"/>
               </a:solidFill>
@@ -6791,10 +6029,10 @@
       </p:sp>
       <p:sp>
         <p:nvSpPr>
-          <p:cNvPr id="76" name="Rectangle 75">
+          <p:cNvPr id="41" name="Rectangle 40">
             <a:extLst>
               <a:ext uri="{FF2B5EF4-FFF2-40B4-BE49-F238E27FC236}">
-                <a16:creationId xmlns:a16="http://schemas.microsoft.com/office/drawing/2014/main" id="{AD4DEC29-6C96-4924-BD70-01886721F458}"/>
+                <a16:creationId xmlns:a16="http://schemas.microsoft.com/office/drawing/2014/main" xmlns="" id="{6B069459-B682-41AE-9682-5EE3F420A06D}"/>
               </a:ext>
             </a:extLst>
           </p:cNvPr>
@@ -6803,8 +6041,8 @@
         </p:nvSpPr>
         <p:spPr>
           <a:xfrm>
-            <a:off x="7693148" y="2760055"/>
-            <a:ext cx="65541" cy="332960"/>
+            <a:off x="9946236" y="1687331"/>
+            <a:ext cx="1389751" cy="487811"/>
           </a:xfrm>
           <a:prstGeom prst="rect">
             <a:avLst/>
@@ -6842,6 +6080,348 @@
           <a:lstStyle/>
           <a:p>
             <a:pPr algn="ctr"/>
+            <a:r>
+              <a:rPr lang="en-US" sz="1200" dirty="0">
+                <a:solidFill>
+                  <a:schemeClr val="tx2"/>
+                </a:solidFill>
+              </a:rPr>
+              <a:t>MongoDB</a:t>
+            </a:r>
+          </a:p>
+        </p:txBody>
+      </p:sp>
+      <p:sp>
+        <p:nvSpPr>
+          <p:cNvPr id="45" name="TextBox 44">
+            <a:extLst>
+              <a:ext uri="{FF2B5EF4-FFF2-40B4-BE49-F238E27FC236}">
+                <a16:creationId xmlns:a16="http://schemas.microsoft.com/office/drawing/2014/main" xmlns="" id="{BAF508F9-3025-4D89-BD8E-2C65FA351266}"/>
+              </a:ext>
+            </a:extLst>
+          </p:cNvPr>
+          <p:cNvSpPr txBox="1"/>
+          <p:nvPr/>
+        </p:nvSpPr>
+        <p:spPr>
+          <a:xfrm>
+            <a:off x="-187194" y="2268092"/>
+            <a:ext cx="1763446" cy="430887"/>
+          </a:xfrm>
+          <a:prstGeom prst="rect">
+            <a:avLst/>
+          </a:prstGeom>
+          <a:noFill/>
+        </p:spPr>
+        <p:txBody>
+          <a:bodyPr wrap="square" rtlCol="0">
+            <a:spAutoFit/>
+          </a:bodyPr>
+          <a:lstStyle/>
+          <a:p>
+            <a:pPr algn="ctr"/>
+            <a:r>
+              <a:rPr lang="nb-NO" sz="1100" dirty="0" err="1">
+                <a:solidFill>
+                  <a:schemeClr val="accent1">
+                    <a:lumMod val="50000"/>
+                  </a:schemeClr>
+                </a:solidFill>
+              </a:rPr>
+              <a:t>Add</a:t>
+            </a:r>
+            <a:r>
+              <a:rPr lang="nb-NO" sz="1100" dirty="0">
+                <a:solidFill>
+                  <a:schemeClr val="accent1">
+                    <a:lumMod val="50000"/>
+                  </a:schemeClr>
+                </a:solidFill>
+              </a:rPr>
+              <a:t> </a:t>
+            </a:r>
+            <a:r>
+              <a:rPr lang="nb-NO" sz="1100" dirty="0" smtClean="0">
+                <a:solidFill>
+                  <a:schemeClr val="accent1">
+                    <a:lumMod val="50000"/>
+                  </a:schemeClr>
+                </a:solidFill>
+              </a:rPr>
+              <a:t>tag</a:t>
+            </a:r>
+          </a:p>
+          <a:p>
+            <a:pPr algn="ctr"/>
+            <a:r>
+              <a:rPr lang="nb-NO" sz="1100" dirty="0" err="1" smtClean="0">
+                <a:solidFill>
+                  <a:schemeClr val="accent1">
+                    <a:lumMod val="50000"/>
+                  </a:schemeClr>
+                </a:solidFill>
+              </a:rPr>
+              <a:t>Command</a:t>
+            </a:r>
+            <a:endParaRPr lang="en-US" sz="1100" dirty="0">
+              <a:solidFill>
+                <a:schemeClr val="accent1">
+                  <a:lumMod val="50000"/>
+                </a:schemeClr>
+              </a:solidFill>
+            </a:endParaRPr>
+          </a:p>
+        </p:txBody>
+      </p:sp>
+      <p:sp>
+        <p:nvSpPr>
+          <p:cNvPr id="51" name="TextBox 50">
+            <a:extLst>
+              <a:ext uri="{FF2B5EF4-FFF2-40B4-BE49-F238E27FC236}">
+                <a16:creationId xmlns:a16="http://schemas.microsoft.com/office/drawing/2014/main" xmlns="" id="{842212E6-38A2-4952-BF21-95E4B91CD084}"/>
+              </a:ext>
+            </a:extLst>
+          </p:cNvPr>
+          <p:cNvSpPr txBox="1"/>
+          <p:nvPr/>
+        </p:nvSpPr>
+        <p:spPr>
+          <a:xfrm>
+            <a:off x="4509571" y="2634094"/>
+            <a:ext cx="1763446" cy="261610"/>
+          </a:xfrm>
+          <a:prstGeom prst="rect">
+            <a:avLst/>
+          </a:prstGeom>
+          <a:noFill/>
+        </p:spPr>
+        <p:txBody>
+          <a:bodyPr wrap="square" rtlCol="0">
+            <a:spAutoFit/>
+          </a:bodyPr>
+          <a:lstStyle/>
+          <a:p>
+            <a:pPr algn="ctr"/>
+            <a:r>
+              <a:rPr lang="nb-NO" sz="1100" dirty="0">
+                <a:solidFill>
+                  <a:schemeClr val="accent1">
+                    <a:lumMod val="50000"/>
+                  </a:schemeClr>
+                </a:solidFill>
+              </a:rPr>
+              <a:t>Tag Added</a:t>
+            </a:r>
+            <a:endParaRPr lang="en-US" sz="1100" dirty="0">
+              <a:solidFill>
+                <a:schemeClr val="accent1">
+                  <a:lumMod val="50000"/>
+                </a:schemeClr>
+              </a:solidFill>
+            </a:endParaRPr>
+          </a:p>
+        </p:txBody>
+      </p:sp>
+      <p:sp>
+        <p:nvSpPr>
+          <p:cNvPr id="52" name="TextBox 51">
+            <a:extLst>
+              <a:ext uri="{FF2B5EF4-FFF2-40B4-BE49-F238E27FC236}">
+                <a16:creationId xmlns:a16="http://schemas.microsoft.com/office/drawing/2014/main" xmlns="" id="{0B0C182D-EC44-422B-B756-686101CF27A3}"/>
+              </a:ext>
+            </a:extLst>
+          </p:cNvPr>
+          <p:cNvSpPr txBox="1"/>
+          <p:nvPr/>
+        </p:nvSpPr>
+        <p:spPr>
+          <a:xfrm>
+            <a:off x="6094284" y="2698979"/>
+            <a:ext cx="1763446" cy="261610"/>
+          </a:xfrm>
+          <a:prstGeom prst="rect">
+            <a:avLst/>
+          </a:prstGeom>
+          <a:noFill/>
+        </p:spPr>
+        <p:txBody>
+          <a:bodyPr wrap="square" rtlCol="0">
+            <a:spAutoFit/>
+          </a:bodyPr>
+          <a:lstStyle/>
+          <a:p>
+            <a:pPr algn="ctr"/>
+            <a:r>
+              <a:rPr lang="nb-NO" sz="1100" dirty="0">
+                <a:solidFill>
+                  <a:schemeClr val="accent1">
+                    <a:lumMod val="50000"/>
+                  </a:schemeClr>
+                </a:solidFill>
+              </a:rPr>
+              <a:t>Put:tag model/doc</a:t>
+            </a:r>
+            <a:endParaRPr lang="en-US" sz="1100" dirty="0">
+              <a:solidFill>
+                <a:schemeClr val="accent1">
+                  <a:lumMod val="50000"/>
+                </a:schemeClr>
+              </a:solidFill>
+            </a:endParaRPr>
+          </a:p>
+        </p:txBody>
+      </p:sp>
+      <p:sp>
+        <p:nvSpPr>
+          <p:cNvPr id="53" name="TextBox 52">
+            <a:extLst>
+              <a:ext uri="{FF2B5EF4-FFF2-40B4-BE49-F238E27FC236}">
+                <a16:creationId xmlns:a16="http://schemas.microsoft.com/office/drawing/2014/main" xmlns="" id="{EE78DAC7-0534-454E-87D5-7A7A31296538}"/>
+              </a:ext>
+            </a:extLst>
+          </p:cNvPr>
+          <p:cNvSpPr txBox="1"/>
+          <p:nvPr/>
+        </p:nvSpPr>
+        <p:spPr>
+          <a:xfrm>
+            <a:off x="7482956" y="2919787"/>
+            <a:ext cx="1763446" cy="261610"/>
+          </a:xfrm>
+          <a:prstGeom prst="rect">
+            <a:avLst/>
+          </a:prstGeom>
+          <a:noFill/>
+        </p:spPr>
+        <p:txBody>
+          <a:bodyPr wrap="square" rtlCol="0">
+            <a:spAutoFit/>
+          </a:bodyPr>
+          <a:lstStyle/>
+          <a:p>
+            <a:pPr algn="ctr"/>
+            <a:r>
+              <a:rPr lang="nb-NO" sz="1100" dirty="0">
+                <a:solidFill>
+                  <a:schemeClr val="accent1">
+                    <a:lumMod val="50000"/>
+                  </a:schemeClr>
+                </a:solidFill>
+              </a:rPr>
+              <a:t>Tag Added</a:t>
+            </a:r>
+            <a:endParaRPr lang="en-US" sz="1100" dirty="0">
+              <a:solidFill>
+                <a:schemeClr val="accent1">
+                  <a:lumMod val="50000"/>
+                </a:schemeClr>
+              </a:solidFill>
+            </a:endParaRPr>
+          </a:p>
+        </p:txBody>
+      </p:sp>
+      <p:sp>
+        <p:nvSpPr>
+          <p:cNvPr id="54" name="TextBox 53">
+            <a:extLst>
+              <a:ext uri="{FF2B5EF4-FFF2-40B4-BE49-F238E27FC236}">
+                <a16:creationId xmlns:a16="http://schemas.microsoft.com/office/drawing/2014/main" xmlns="" id="{6A907F73-50CE-40B2-8ADF-3F5A43A48CE6}"/>
+              </a:ext>
+            </a:extLst>
+          </p:cNvPr>
+          <p:cNvSpPr txBox="1"/>
+          <p:nvPr/>
+        </p:nvSpPr>
+        <p:spPr>
+          <a:xfrm>
+            <a:off x="9016105" y="2928753"/>
+            <a:ext cx="1763446" cy="261610"/>
+          </a:xfrm>
+          <a:prstGeom prst="rect">
+            <a:avLst/>
+          </a:prstGeom>
+          <a:noFill/>
+        </p:spPr>
+        <p:txBody>
+          <a:bodyPr wrap="square" rtlCol="0">
+            <a:spAutoFit/>
+          </a:bodyPr>
+          <a:lstStyle/>
+          <a:p>
+            <a:pPr algn="ctr"/>
+            <a:r>
+              <a:rPr lang="nb-NO" sz="1100" dirty="0">
+                <a:solidFill>
+                  <a:schemeClr val="accent1">
+                    <a:lumMod val="50000"/>
+                  </a:schemeClr>
+                </a:solidFill>
+              </a:rPr>
+              <a:t>Update</a:t>
+            </a:r>
+            <a:endParaRPr lang="en-US" sz="1100" dirty="0">
+              <a:solidFill>
+                <a:schemeClr val="accent1">
+                  <a:lumMod val="50000"/>
+                </a:schemeClr>
+              </a:solidFill>
+            </a:endParaRPr>
+          </a:p>
+        </p:txBody>
+      </p:sp>
+      <p:sp>
+        <p:nvSpPr>
+          <p:cNvPr id="56" name="Rectangle 55">
+            <a:extLst>
+              <a:ext uri="{FF2B5EF4-FFF2-40B4-BE49-F238E27FC236}">
+                <a16:creationId xmlns:a16="http://schemas.microsoft.com/office/drawing/2014/main" xmlns="" id="{3911D466-4C0A-4D9A-B49B-12872D3F5B9D}"/>
+              </a:ext>
+            </a:extLst>
+          </p:cNvPr>
+          <p:cNvSpPr/>
+          <p:nvPr/>
+        </p:nvSpPr>
+        <p:spPr>
+          <a:xfrm>
+            <a:off x="3210746" y="2494959"/>
+            <a:ext cx="65541" cy="332960"/>
+          </a:xfrm>
+          <a:prstGeom prst="rect">
+            <a:avLst/>
+          </a:prstGeom>
+          <a:solidFill>
+            <a:schemeClr val="accent1">
+              <a:lumMod val="20000"/>
+              <a:lumOff val="80000"/>
+            </a:schemeClr>
+          </a:solidFill>
+          <a:ln>
+            <a:solidFill>
+              <a:srgbClr val="5B9BD5"/>
+            </a:solidFill>
+          </a:ln>
+        </p:spPr>
+        <p:style>
+          <a:lnRef idx="2">
+            <a:schemeClr val="accent1">
+              <a:shade val="50000"/>
+            </a:schemeClr>
+          </a:lnRef>
+          <a:fillRef idx="1">
+            <a:schemeClr val="accent1"/>
+          </a:fillRef>
+          <a:effectRef idx="0">
+            <a:schemeClr val="accent1"/>
+          </a:effectRef>
+          <a:fontRef idx="minor">
+            <a:schemeClr val="lt1"/>
+          </a:fontRef>
+        </p:style>
+        <p:txBody>
+          <a:bodyPr rtlCol="0" anchor="ctr"/>
+          <a:lstStyle/>
+          <a:p>
+            <a:pPr algn="ctr"/>
             <a:endParaRPr lang="en-US" sz="1400" dirty="0">
               <a:solidFill>
                 <a:schemeClr val="tx2"/>
@@ -6850,12 +6430,295 @@
           </a:p>
         </p:txBody>
       </p:sp>
+      <p:sp>
+        <p:nvSpPr>
+          <p:cNvPr id="62" name="Rectangle 61">
+            <a:extLst>
+              <a:ext uri="{FF2B5EF4-FFF2-40B4-BE49-F238E27FC236}">
+                <a16:creationId xmlns:a16="http://schemas.microsoft.com/office/drawing/2014/main" xmlns="" id="{81CD0725-8321-46F3-9E4C-AC8890456F34}"/>
+              </a:ext>
+            </a:extLst>
+          </p:cNvPr>
+          <p:cNvSpPr/>
+          <p:nvPr/>
+        </p:nvSpPr>
+        <p:spPr>
+          <a:xfrm>
+            <a:off x="4663647" y="2600670"/>
+            <a:ext cx="58093" cy="798406"/>
+          </a:xfrm>
+          <a:prstGeom prst="rect">
+            <a:avLst/>
+          </a:prstGeom>
+          <a:solidFill>
+            <a:schemeClr val="accent1">
+              <a:lumMod val="20000"/>
+              <a:lumOff val="80000"/>
+            </a:schemeClr>
+          </a:solidFill>
+          <a:ln>
+            <a:solidFill>
+              <a:srgbClr val="5B9BD5"/>
+            </a:solidFill>
+          </a:ln>
+        </p:spPr>
+        <p:style>
+          <a:lnRef idx="2">
+            <a:schemeClr val="accent1">
+              <a:shade val="50000"/>
+            </a:schemeClr>
+          </a:lnRef>
+          <a:fillRef idx="1">
+            <a:schemeClr val="accent1"/>
+          </a:fillRef>
+          <a:effectRef idx="0">
+            <a:schemeClr val="accent1"/>
+          </a:effectRef>
+          <a:fontRef idx="minor">
+            <a:schemeClr val="lt1"/>
+          </a:fontRef>
+        </p:style>
+        <p:txBody>
+          <a:bodyPr rtlCol="0" anchor="ctr"/>
+          <a:lstStyle/>
+          <a:p>
+            <a:pPr algn="ctr"/>
+            <a:endParaRPr lang="en-US" sz="1400" dirty="0">
+              <a:solidFill>
+                <a:schemeClr val="tx2"/>
+              </a:solidFill>
+            </a:endParaRPr>
+          </a:p>
+        </p:txBody>
+      </p:sp>
+      <p:sp>
+        <p:nvSpPr>
+          <p:cNvPr id="67" name="Rectangle 66">
+            <a:extLst>
+              <a:ext uri="{FF2B5EF4-FFF2-40B4-BE49-F238E27FC236}">
+                <a16:creationId xmlns:a16="http://schemas.microsoft.com/office/drawing/2014/main" xmlns="" id="{778812C9-3C13-4BC0-ACCA-E1F985BAD902}"/>
+              </a:ext>
+            </a:extLst>
+          </p:cNvPr>
+          <p:cNvSpPr/>
+          <p:nvPr/>
+        </p:nvSpPr>
+        <p:spPr>
+          <a:xfrm>
+            <a:off x="6165333" y="2753070"/>
+            <a:ext cx="65541" cy="332960"/>
+          </a:xfrm>
+          <a:prstGeom prst="rect">
+            <a:avLst/>
+          </a:prstGeom>
+          <a:solidFill>
+            <a:schemeClr val="accent1">
+              <a:lumMod val="20000"/>
+              <a:lumOff val="80000"/>
+            </a:schemeClr>
+          </a:solidFill>
+          <a:ln>
+            <a:solidFill>
+              <a:srgbClr val="5B9BD5"/>
+            </a:solidFill>
+          </a:ln>
+        </p:spPr>
+        <p:style>
+          <a:lnRef idx="2">
+            <a:schemeClr val="accent1">
+              <a:shade val="50000"/>
+            </a:schemeClr>
+          </a:lnRef>
+          <a:fillRef idx="1">
+            <a:schemeClr val="accent1"/>
+          </a:fillRef>
+          <a:effectRef idx="0">
+            <a:schemeClr val="accent1"/>
+          </a:effectRef>
+          <a:fontRef idx="minor">
+            <a:schemeClr val="lt1"/>
+          </a:fontRef>
+        </p:style>
+        <p:txBody>
+          <a:bodyPr rtlCol="0" anchor="ctr"/>
+          <a:lstStyle/>
+          <a:p>
+            <a:pPr algn="ctr"/>
+            <a:endParaRPr lang="en-US" sz="1400" dirty="0">
+              <a:solidFill>
+                <a:schemeClr val="tx2"/>
+              </a:solidFill>
+            </a:endParaRPr>
+          </a:p>
+        </p:txBody>
+      </p:sp>
+      <p:cxnSp>
+        <p:nvCxnSpPr>
+          <p:cNvPr id="73" name="Straight Connector 72">
+            <a:extLst>
+              <a:ext uri="{FF2B5EF4-FFF2-40B4-BE49-F238E27FC236}">
+                <a16:creationId xmlns:a16="http://schemas.microsoft.com/office/drawing/2014/main" xmlns="" id="{FD54078C-5A77-4602-B6BA-669131F5C39A}"/>
+              </a:ext>
+            </a:extLst>
+          </p:cNvPr>
+          <p:cNvCxnSpPr/>
+          <p:nvPr/>
+        </p:nvCxnSpPr>
+        <p:spPr>
+          <a:xfrm>
+            <a:off x="9162314" y="2181427"/>
+            <a:ext cx="0" cy="3658581"/>
+          </a:xfrm>
+          <a:prstGeom prst="line">
+            <a:avLst/>
+          </a:prstGeom>
+          <a:ln w="12700">
+            <a:prstDash val="dash"/>
+          </a:ln>
+        </p:spPr>
+        <p:style>
+          <a:lnRef idx="1">
+            <a:schemeClr val="accent1"/>
+          </a:lnRef>
+          <a:fillRef idx="0">
+            <a:schemeClr val="accent1"/>
+          </a:fillRef>
+          <a:effectRef idx="0">
+            <a:schemeClr val="accent1"/>
+          </a:effectRef>
+          <a:fontRef idx="minor">
+            <a:schemeClr val="tx1"/>
+          </a:fontRef>
+        </p:style>
+      </p:cxnSp>
+      <p:sp>
+        <p:nvSpPr>
+          <p:cNvPr id="75" name="Rectangle 74">
+            <a:extLst>
+              <a:ext uri="{FF2B5EF4-FFF2-40B4-BE49-F238E27FC236}">
+                <a16:creationId xmlns:a16="http://schemas.microsoft.com/office/drawing/2014/main" xmlns="" id="{F03EB75A-F534-47AB-87F6-2035059307D9}"/>
+              </a:ext>
+            </a:extLst>
+          </p:cNvPr>
+          <p:cNvSpPr/>
+          <p:nvPr/>
+        </p:nvSpPr>
+        <p:spPr>
+          <a:xfrm>
+            <a:off x="9123731" y="3021198"/>
+            <a:ext cx="65541" cy="332960"/>
+          </a:xfrm>
+          <a:prstGeom prst="rect">
+            <a:avLst/>
+          </a:prstGeom>
+          <a:solidFill>
+            <a:schemeClr val="accent1">
+              <a:lumMod val="20000"/>
+              <a:lumOff val="80000"/>
+            </a:schemeClr>
+          </a:solidFill>
+          <a:ln>
+            <a:solidFill>
+              <a:srgbClr val="5B9BD5"/>
+            </a:solidFill>
+          </a:ln>
+        </p:spPr>
+        <p:style>
+          <a:lnRef idx="2">
+            <a:schemeClr val="accent1">
+              <a:shade val="50000"/>
+            </a:schemeClr>
+          </a:lnRef>
+          <a:fillRef idx="1">
+            <a:schemeClr val="accent1"/>
+          </a:fillRef>
+          <a:effectRef idx="0">
+            <a:schemeClr val="accent1"/>
+          </a:effectRef>
+          <a:fontRef idx="minor">
+            <a:schemeClr val="lt1"/>
+          </a:fontRef>
+        </p:style>
+        <p:txBody>
+          <a:bodyPr rtlCol="0" anchor="ctr"/>
+          <a:lstStyle/>
+          <a:p>
+            <a:pPr algn="ctr"/>
+            <a:endParaRPr lang="en-US" sz="1400" dirty="0">
+              <a:solidFill>
+                <a:schemeClr val="tx2"/>
+              </a:solidFill>
+            </a:endParaRPr>
+          </a:p>
+        </p:txBody>
+      </p:sp>
+      <p:sp>
+        <p:nvSpPr>
+          <p:cNvPr id="76" name="Rectangle 75">
+            <a:extLst>
+              <a:ext uri="{FF2B5EF4-FFF2-40B4-BE49-F238E27FC236}">
+                <a16:creationId xmlns:a16="http://schemas.microsoft.com/office/drawing/2014/main" xmlns="" id="{AD4DEC29-6C96-4924-BD70-01886721F458}"/>
+              </a:ext>
+            </a:extLst>
+          </p:cNvPr>
+          <p:cNvSpPr/>
+          <p:nvPr/>
+        </p:nvSpPr>
+        <p:spPr>
+          <a:xfrm>
+            <a:off x="7693148" y="2760055"/>
+            <a:ext cx="65541" cy="332960"/>
+          </a:xfrm>
+          <a:prstGeom prst="rect">
+            <a:avLst/>
+          </a:prstGeom>
+          <a:solidFill>
+            <a:schemeClr val="accent1">
+              <a:lumMod val="20000"/>
+              <a:lumOff val="80000"/>
+            </a:schemeClr>
+          </a:solidFill>
+          <a:ln>
+            <a:solidFill>
+              <a:srgbClr val="5B9BD5"/>
+            </a:solidFill>
+          </a:ln>
+        </p:spPr>
+        <p:style>
+          <a:lnRef idx="2">
+            <a:schemeClr val="accent1">
+              <a:shade val="50000"/>
+            </a:schemeClr>
+          </a:lnRef>
+          <a:fillRef idx="1">
+            <a:schemeClr val="accent1"/>
+          </a:fillRef>
+          <a:effectRef idx="0">
+            <a:schemeClr val="accent1"/>
+          </a:effectRef>
+          <a:fontRef idx="minor">
+            <a:schemeClr val="lt1"/>
+          </a:fontRef>
+        </p:style>
+        <p:txBody>
+          <a:bodyPr rtlCol="0" anchor="ctr"/>
+          <a:lstStyle/>
+          <a:p>
+            <a:pPr algn="ctr"/>
+            <a:endParaRPr lang="en-US" sz="1400" dirty="0">
+              <a:solidFill>
+                <a:schemeClr val="tx2"/>
+              </a:solidFill>
+            </a:endParaRPr>
+          </a:p>
+        </p:txBody>
+      </p:sp>
       <p:cxnSp>
         <p:nvCxnSpPr>
           <p:cNvPr id="77" name="Straight Arrow Connector 76">
             <a:extLst>
               <a:ext uri="{FF2B5EF4-FFF2-40B4-BE49-F238E27FC236}">
-                <a16:creationId xmlns:a16="http://schemas.microsoft.com/office/drawing/2014/main" id="{0BB56056-7C9B-45CE-9F8D-DC28E9DE11C0}"/>
+                <a16:creationId xmlns:a16="http://schemas.microsoft.com/office/drawing/2014/main" xmlns="" id="{0BB56056-7C9B-45CE-9F8D-DC28E9DE11C0}"/>
               </a:ext>
             </a:extLst>
           </p:cNvPr>
@@ -6865,9 +6728,9 @@
           <p:nvPr/>
         </p:nvCxnSpPr>
         <p:spPr>
-          <a:xfrm>
-            <a:off x="9256778" y="3192826"/>
-            <a:ext cx="1300923" cy="0"/>
+          <a:xfrm flipV="1">
+            <a:off x="9189272" y="3192826"/>
+            <a:ext cx="1368429" cy="5080"/>
           </a:xfrm>
           <a:prstGeom prst="straightConnector1">
             <a:avLst/>
@@ -6896,7 +6759,7 @@
           <p:cNvPr id="78" name="Straight Connector 77">
             <a:extLst>
               <a:ext uri="{FF2B5EF4-FFF2-40B4-BE49-F238E27FC236}">
-                <a16:creationId xmlns:a16="http://schemas.microsoft.com/office/drawing/2014/main" id="{5CF65DD6-B898-4BB9-AF17-514C95A2483F}"/>
+                <a16:creationId xmlns:a16="http://schemas.microsoft.com/office/drawing/2014/main" xmlns="" id="{5CF65DD6-B898-4BB9-AF17-514C95A2483F}"/>
               </a:ext>
             </a:extLst>
           </p:cNvPr>
@@ -6935,7 +6798,7 @@
           <p:cNvPr id="79" name="Rectangle 78">
             <a:extLst>
               <a:ext uri="{FF2B5EF4-FFF2-40B4-BE49-F238E27FC236}">
-                <a16:creationId xmlns:a16="http://schemas.microsoft.com/office/drawing/2014/main" id="{FE4FD5E0-9104-42A2-8120-DB6A95BFBB39}"/>
+                <a16:creationId xmlns:a16="http://schemas.microsoft.com/office/drawing/2014/main" xmlns="" id="{FE4FD5E0-9104-42A2-8120-DB6A95BFBB39}"/>
               </a:ext>
             </a:extLst>
           </p:cNvPr>
@@ -6996,7 +6859,7 @@
           <p:cNvPr id="83" name="Straight Connector 82">
             <a:extLst>
               <a:ext uri="{FF2B5EF4-FFF2-40B4-BE49-F238E27FC236}">
-                <a16:creationId xmlns:a16="http://schemas.microsoft.com/office/drawing/2014/main" id="{DAB1804F-76C7-41C5-AD2E-683BC340A6E8}"/>
+                <a16:creationId xmlns:a16="http://schemas.microsoft.com/office/drawing/2014/main" xmlns="" id="{DAB1804F-76C7-41C5-AD2E-683BC340A6E8}"/>
               </a:ext>
             </a:extLst>
           </p:cNvPr>
@@ -7035,7 +6898,7 @@
           <p:cNvPr id="84" name="Straight Connector 83">
             <a:extLst>
               <a:ext uri="{FF2B5EF4-FFF2-40B4-BE49-F238E27FC236}">
-                <a16:creationId xmlns:a16="http://schemas.microsoft.com/office/drawing/2014/main" id="{C0BC7490-7FA0-43B8-9315-E866FF4DBF4D}"/>
+                <a16:creationId xmlns:a16="http://schemas.microsoft.com/office/drawing/2014/main" xmlns="" id="{C0BC7490-7FA0-43B8-9315-E866FF4DBF4D}"/>
               </a:ext>
             </a:extLst>
           </p:cNvPr>
@@ -7074,7 +6937,7 @@
           <p:cNvPr id="85" name="Straight Connector 84">
             <a:extLst>
               <a:ext uri="{FF2B5EF4-FFF2-40B4-BE49-F238E27FC236}">
-                <a16:creationId xmlns:a16="http://schemas.microsoft.com/office/drawing/2014/main" id="{40CB137B-474F-499E-9FBB-A69CA4F1B2EE}"/>
+                <a16:creationId xmlns:a16="http://schemas.microsoft.com/office/drawing/2014/main" xmlns="" id="{40CB137B-474F-499E-9FBB-A69CA4F1B2EE}"/>
               </a:ext>
             </a:extLst>
           </p:cNvPr>
@@ -7115,7 +6978,7 @@
           <p:cNvPr id="88" name="TextBox 87">
             <a:extLst>
               <a:ext uri="{FF2B5EF4-FFF2-40B4-BE49-F238E27FC236}">
-                <a16:creationId xmlns:a16="http://schemas.microsoft.com/office/drawing/2014/main" id="{9A26BE70-F4E8-4CD1-B6C4-5BD51E65F2ED}"/>
+                <a16:creationId xmlns:a16="http://schemas.microsoft.com/office/drawing/2014/main" xmlns="" id="{9A26BE70-F4E8-4CD1-B6C4-5BD51E65F2ED}"/>
               </a:ext>
             </a:extLst>
           </p:cNvPr>
@@ -7157,7 +7020,7 @@
           <p:cNvPr id="89" name="TextBox 88">
             <a:extLst>
               <a:ext uri="{FF2B5EF4-FFF2-40B4-BE49-F238E27FC236}">
-                <a16:creationId xmlns:a16="http://schemas.microsoft.com/office/drawing/2014/main" id="{FB8DCF3F-2183-46EC-844E-BFECE4E3CF78}"/>
+                <a16:creationId xmlns:a16="http://schemas.microsoft.com/office/drawing/2014/main" xmlns="" id="{FB8DCF3F-2183-46EC-844E-BFECE4E3CF78}"/>
               </a:ext>
             </a:extLst>
           </p:cNvPr>

--- a/Documentation/EnirKesto flow ppt.pptx
+++ b/Documentation/EnirKesto flow ppt.pptx
@@ -3682,12 +3682,20 @@
           <a:p>
             <a:pPr algn="ctr"/>
             <a:r>
-              <a:rPr lang="nb-NO" sz="1400" dirty="0">
+              <a:rPr lang="nb-NO" sz="1400" dirty="0" smtClean="0">
                 <a:solidFill>
                   <a:schemeClr val="tx2"/>
                 </a:solidFill>
               </a:rPr>
-              <a:t>POP3 Messages</a:t>
+              <a:t>Message Source </a:t>
+            </a:r>
+            <a:r>
+              <a:rPr lang="nb-NO" sz="1000" dirty="0" smtClean="0">
+                <a:solidFill>
+                  <a:schemeClr val="tx2"/>
+                </a:solidFill>
+              </a:rPr>
+              <a:t>(e.g. POP3, Manual)</a:t>
             </a:r>
             <a:endParaRPr lang="en-US" sz="1400" dirty="0">
               <a:solidFill>

--- a/Documentation/EnirKesto flow ppt.pptx
+++ b/Documentation/EnirKesto flow ppt.pptx
@@ -198,7 +198,7 @@
           <a:p>
             <a:fld id="{7434BC37-04A8-A344-9841-A3D291134CFB}" type="datetimeFigureOut">
               <a:rPr lang="en-US" smtClean="0"/>
-              <a:t>5/4/17</a:t>
+              <a:t>5/13/17</a:t>
             </a:fld>
             <a:endParaRPr lang="en-US"/>
           </a:p>
@@ -762,7 +762,7 @@
           <a:p>
             <a:fld id="{F3FE53C9-709B-6141-9C40-501A141F6151}" type="datetimeFigureOut">
               <a:rPr lang="en-US" smtClean="0"/>
-              <a:t>5/4/17</a:t>
+              <a:t>5/13/17</a:t>
             </a:fld>
             <a:endParaRPr lang="en-US"/>
           </a:p>
@@ -930,7 +930,7 @@
           <a:p>
             <a:fld id="{F3FE53C9-709B-6141-9C40-501A141F6151}" type="datetimeFigureOut">
               <a:rPr lang="en-US" smtClean="0"/>
-              <a:t>5/4/17</a:t>
+              <a:t>5/13/17</a:t>
             </a:fld>
             <a:endParaRPr lang="en-US"/>
           </a:p>
@@ -1108,7 +1108,7 @@
           <a:p>
             <a:fld id="{F3FE53C9-709B-6141-9C40-501A141F6151}" type="datetimeFigureOut">
               <a:rPr lang="en-US" smtClean="0"/>
-              <a:t>5/4/17</a:t>
+              <a:t>5/13/17</a:t>
             </a:fld>
             <a:endParaRPr lang="en-US"/>
           </a:p>
@@ -1276,7 +1276,7 @@
           <a:p>
             <a:fld id="{F3FE53C9-709B-6141-9C40-501A141F6151}" type="datetimeFigureOut">
               <a:rPr lang="en-US" smtClean="0"/>
-              <a:t>5/4/17</a:t>
+              <a:t>5/13/17</a:t>
             </a:fld>
             <a:endParaRPr lang="en-US"/>
           </a:p>
@@ -1521,7 +1521,7 @@
           <a:p>
             <a:fld id="{F3FE53C9-709B-6141-9C40-501A141F6151}" type="datetimeFigureOut">
               <a:rPr lang="en-US" smtClean="0"/>
-              <a:t>5/4/17</a:t>
+              <a:t>5/13/17</a:t>
             </a:fld>
             <a:endParaRPr lang="en-US"/>
           </a:p>
@@ -1750,7 +1750,7 @@
           <a:p>
             <a:fld id="{F3FE53C9-709B-6141-9C40-501A141F6151}" type="datetimeFigureOut">
               <a:rPr lang="en-US" smtClean="0"/>
-              <a:t>5/4/17</a:t>
+              <a:t>5/13/17</a:t>
             </a:fld>
             <a:endParaRPr lang="en-US"/>
           </a:p>
@@ -2114,7 +2114,7 @@
           <a:p>
             <a:fld id="{F3FE53C9-709B-6141-9C40-501A141F6151}" type="datetimeFigureOut">
               <a:rPr lang="en-US" smtClean="0"/>
-              <a:t>5/4/17</a:t>
+              <a:t>5/13/17</a:t>
             </a:fld>
             <a:endParaRPr lang="en-US"/>
           </a:p>
@@ -2231,7 +2231,7 @@
           <a:p>
             <a:fld id="{F3FE53C9-709B-6141-9C40-501A141F6151}" type="datetimeFigureOut">
               <a:rPr lang="en-US" smtClean="0"/>
-              <a:t>5/4/17</a:t>
+              <a:t>5/13/17</a:t>
             </a:fld>
             <a:endParaRPr lang="en-US"/>
           </a:p>
@@ -2326,7 +2326,7 @@
           <a:p>
             <a:fld id="{F3FE53C9-709B-6141-9C40-501A141F6151}" type="datetimeFigureOut">
               <a:rPr lang="en-US" smtClean="0"/>
-              <a:t>5/4/17</a:t>
+              <a:t>5/13/17</a:t>
             </a:fld>
             <a:endParaRPr lang="en-US"/>
           </a:p>
@@ -2601,7 +2601,7 @@
           <a:p>
             <a:fld id="{F3FE53C9-709B-6141-9C40-501A141F6151}" type="datetimeFigureOut">
               <a:rPr lang="en-US" smtClean="0"/>
-              <a:t>5/4/17</a:t>
+              <a:t>5/13/17</a:t>
             </a:fld>
             <a:endParaRPr lang="en-US"/>
           </a:p>
@@ -2853,7 +2853,7 @@
           <a:p>
             <a:fld id="{F3FE53C9-709B-6141-9C40-501A141F6151}" type="datetimeFigureOut">
               <a:rPr lang="en-US" smtClean="0"/>
-              <a:t>5/4/17</a:t>
+              <a:t>5/13/17</a:t>
             </a:fld>
             <a:endParaRPr lang="en-US"/>
           </a:p>
@@ -3064,7 +3064,7 @@
           <a:p>
             <a:fld id="{F3FE53C9-709B-6141-9C40-501A141F6151}" type="datetimeFigureOut">
               <a:rPr lang="en-US" smtClean="0"/>
-              <a:t>5/4/17</a:t>
+              <a:t>5/13/17</a:t>
             </a:fld>
             <a:endParaRPr lang="en-US"/>
           </a:p>
@@ -4510,7 +4510,7 @@
           <p:cNvPr id="42" name="Picture 41">
             <a:extLst>
               <a:ext uri="{FF2B5EF4-FFF2-40B4-BE49-F238E27FC236}">
-                <a16:creationId xmlns:a16="http://schemas.microsoft.com/office/drawing/2014/main" xmlns="" id="{4FE2A4FA-504C-467D-9F82-DA370EF3C4E7}"/>
+                <a16:creationId xmlns="" xmlns:a16="http://schemas.microsoft.com/office/drawing/2014/main" id="{4FE2A4FA-504C-467D-9F82-DA370EF3C4E7}"/>
               </a:ext>
             </a:extLst>
           </p:cNvPr>
@@ -4540,7 +4540,7 @@
           <p:cNvPr id="44" name="Picture 43">
             <a:extLst>
               <a:ext uri="{FF2B5EF4-FFF2-40B4-BE49-F238E27FC236}">
-                <a16:creationId xmlns:a16="http://schemas.microsoft.com/office/drawing/2014/main" xmlns="" id="{C0D289B3-C691-456E-9886-A279D7A95551}"/>
+                <a16:creationId xmlns="" xmlns:a16="http://schemas.microsoft.com/office/drawing/2014/main" id="{C0D289B3-C691-456E-9886-A279D7A95551}"/>
               </a:ext>
             </a:extLst>
           </p:cNvPr>
@@ -4570,7 +4570,7 @@
           <p:cNvPr id="46" name="Picture 45">
             <a:extLst>
               <a:ext uri="{FF2B5EF4-FFF2-40B4-BE49-F238E27FC236}">
-                <a16:creationId xmlns:a16="http://schemas.microsoft.com/office/drawing/2014/main" xmlns="" id="{66041D7D-85C0-4DF2-A6B4-171CEC9D0D5B}"/>
+                <a16:creationId xmlns="" xmlns:a16="http://schemas.microsoft.com/office/drawing/2014/main" id="{66041D7D-85C0-4DF2-A6B4-171CEC9D0D5B}"/>
               </a:ext>
             </a:extLst>
           </p:cNvPr>
@@ -4600,7 +4600,7 @@
           <p:cNvPr id="47" name="TextBox 46">
             <a:extLst>
               <a:ext uri="{FF2B5EF4-FFF2-40B4-BE49-F238E27FC236}">
-                <a16:creationId xmlns:a16="http://schemas.microsoft.com/office/drawing/2014/main" xmlns="" id="{A71F9528-B6BB-4540-910F-D8E455F3D94D}"/>
+                <a16:creationId xmlns="" xmlns:a16="http://schemas.microsoft.com/office/drawing/2014/main" id="{A71F9528-B6BB-4540-910F-D8E455F3D94D}"/>
               </a:ext>
             </a:extLst>
           </p:cNvPr>
@@ -4649,7 +4649,7 @@
           <p:cNvPr id="49" name="Straight Arrow Connector 48">
             <a:extLst>
               <a:ext uri="{FF2B5EF4-FFF2-40B4-BE49-F238E27FC236}">
-                <a16:creationId xmlns:a16="http://schemas.microsoft.com/office/drawing/2014/main" xmlns="" id="{C028D68F-ABD4-4AC4-8E4D-3724DC273A98}"/>
+                <a16:creationId xmlns="" xmlns:a16="http://schemas.microsoft.com/office/drawing/2014/main" id="{C028D68F-ABD4-4AC4-8E4D-3724DC273A98}"/>
               </a:ext>
             </a:extLst>
           </p:cNvPr>
@@ -4690,7 +4690,7 @@
           <p:cNvPr id="55" name="Rectangle 54">
             <a:extLst>
               <a:ext uri="{FF2B5EF4-FFF2-40B4-BE49-F238E27FC236}">
-                <a16:creationId xmlns:a16="http://schemas.microsoft.com/office/drawing/2014/main" xmlns="" id="{CB13440C-44FD-4345-9165-81B9D4B0A59B}"/>
+                <a16:creationId xmlns="" xmlns:a16="http://schemas.microsoft.com/office/drawing/2014/main" id="{CB13440C-44FD-4345-9165-81B9D4B0A59B}"/>
               </a:ext>
             </a:extLst>
           </p:cNvPr>
@@ -4751,7 +4751,7 @@
           <p:cNvPr id="57" name="Rectangle 56">
             <a:extLst>
               <a:ext uri="{FF2B5EF4-FFF2-40B4-BE49-F238E27FC236}">
-                <a16:creationId xmlns:a16="http://schemas.microsoft.com/office/drawing/2014/main" xmlns="" id="{6DCF4139-A4EC-4EBC-9A2A-A71FED06CEBA}"/>
+                <a16:creationId xmlns="" xmlns:a16="http://schemas.microsoft.com/office/drawing/2014/main" id="{6DCF4139-A4EC-4EBC-9A2A-A71FED06CEBA}"/>
               </a:ext>
             </a:extLst>
           </p:cNvPr>
@@ -4812,7 +4812,7 @@
           <p:cNvPr id="59" name="Rectangle 58">
             <a:extLst>
               <a:ext uri="{FF2B5EF4-FFF2-40B4-BE49-F238E27FC236}">
-                <a16:creationId xmlns:a16="http://schemas.microsoft.com/office/drawing/2014/main" xmlns="" id="{0F581339-09DB-4FDE-BDD3-026604AFF957}"/>
+                <a16:creationId xmlns="" xmlns:a16="http://schemas.microsoft.com/office/drawing/2014/main" id="{0F581339-09DB-4FDE-BDD3-026604AFF957}"/>
               </a:ext>
             </a:extLst>
           </p:cNvPr>
@@ -4873,7 +4873,7 @@
           <p:cNvPr id="61" name="Rectangle 60">
             <a:extLst>
               <a:ext uri="{FF2B5EF4-FFF2-40B4-BE49-F238E27FC236}">
-                <a16:creationId xmlns:a16="http://schemas.microsoft.com/office/drawing/2014/main" xmlns="" id="{DE16778B-5857-44BB-ABB4-1C0EB854BAD8}"/>
+                <a16:creationId xmlns="" xmlns:a16="http://schemas.microsoft.com/office/drawing/2014/main" id="{DE16778B-5857-44BB-ABB4-1C0EB854BAD8}"/>
               </a:ext>
             </a:extLst>
           </p:cNvPr>
@@ -4934,7 +4934,7 @@
           <p:cNvPr id="70" name="Rectangle 69">
             <a:extLst>
               <a:ext uri="{FF2B5EF4-FFF2-40B4-BE49-F238E27FC236}">
-                <a16:creationId xmlns:a16="http://schemas.microsoft.com/office/drawing/2014/main" xmlns="" id="{B0FBBB91-E4E5-4DB8-BBA0-3FF3F60EDDE9}"/>
+                <a16:creationId xmlns="" xmlns:a16="http://schemas.microsoft.com/office/drawing/2014/main" id="{B0FBBB91-E4E5-4DB8-BBA0-3FF3F60EDDE9}"/>
               </a:ext>
             </a:extLst>
           </p:cNvPr>
@@ -4995,7 +4995,7 @@
           <p:cNvPr id="72" name="Rectangle 71">
             <a:extLst>
               <a:ext uri="{FF2B5EF4-FFF2-40B4-BE49-F238E27FC236}">
-                <a16:creationId xmlns:a16="http://schemas.microsoft.com/office/drawing/2014/main" xmlns="" id="{CD0C4AA4-3FE7-41E8-8C4B-A6BAE3EDB06C}"/>
+                <a16:creationId xmlns="" xmlns:a16="http://schemas.microsoft.com/office/drawing/2014/main" id="{CD0C4AA4-3FE7-41E8-8C4B-A6BAE3EDB06C}"/>
               </a:ext>
             </a:extLst>
           </p:cNvPr>
@@ -5056,7 +5056,7 @@
           <p:cNvPr id="74" name="TextBox 73">
             <a:extLst>
               <a:ext uri="{FF2B5EF4-FFF2-40B4-BE49-F238E27FC236}">
-                <a16:creationId xmlns:a16="http://schemas.microsoft.com/office/drawing/2014/main" xmlns="" id="{433ED686-263A-4C02-A346-2D1F2DAEFC43}"/>
+                <a16:creationId xmlns="" xmlns:a16="http://schemas.microsoft.com/office/drawing/2014/main" id="{433ED686-263A-4C02-A346-2D1F2DAEFC43}"/>
               </a:ext>
             </a:extLst>
           </p:cNvPr>
@@ -5066,7 +5066,7 @@
         <p:spPr>
           <a:xfrm>
             <a:off x="383364" y="205547"/>
-            <a:ext cx="2248865" cy="461665"/>
+            <a:ext cx="3056522" cy="461665"/>
           </a:xfrm>
           <a:prstGeom prst="rect">
             <a:avLst/>
@@ -5080,9 +5080,14 @@
           <a:lstStyle/>
           <a:p>
             <a:r>
-              <a:rPr lang="nb-NO" sz="2400" dirty="0"/>
-              <a:t>EnirKesto Flow</a:t>
-            </a:r>
+              <a:rPr lang="nb-NO" sz="2400" dirty="0" smtClean="0"/>
+              <a:t>Message ingress </a:t>
+            </a:r>
+            <a:r>
+              <a:rPr lang="nb-NO" sz="2400" dirty="0" err="1" smtClean="0"/>
+              <a:t>flow</a:t>
+            </a:r>
+            <a:endParaRPr lang="nb-NO" sz="2400" dirty="0"/>
           </a:p>
         </p:txBody>
       </p:sp>
@@ -5121,7 +5126,7 @@
           <p:cNvPr id="64" name="Straight Arrow Connector 63">
             <a:extLst>
               <a:ext uri="{FF2B5EF4-FFF2-40B4-BE49-F238E27FC236}">
-                <a16:creationId xmlns:a16="http://schemas.microsoft.com/office/drawing/2014/main" xmlns="" id="{82B4615F-882C-4BCB-A95E-614BABD9293E}"/>
+                <a16:creationId xmlns="" xmlns:a16="http://schemas.microsoft.com/office/drawing/2014/main" id="{82B4615F-882C-4BCB-A95E-614BABD9293E}"/>
               </a:ext>
             </a:extLst>
           </p:cNvPr>
@@ -5834,7 +5839,7 @@
           <p:cNvPr id="49" name="Straight Arrow Connector 48">
             <a:extLst>
               <a:ext uri="{FF2B5EF4-FFF2-40B4-BE49-F238E27FC236}">
-                <a16:creationId xmlns:a16="http://schemas.microsoft.com/office/drawing/2014/main" xmlns="" id="{C028D68F-ABD4-4AC4-8E4D-3724DC273A98}"/>
+                <a16:creationId xmlns="" xmlns:a16="http://schemas.microsoft.com/office/drawing/2014/main" id="{C028D68F-ABD4-4AC4-8E4D-3724DC273A98}"/>
               </a:ext>
             </a:extLst>
           </p:cNvPr>
@@ -5875,7 +5880,7 @@
           <p:cNvPr id="55" name="Rectangle 54">
             <a:extLst>
               <a:ext uri="{FF2B5EF4-FFF2-40B4-BE49-F238E27FC236}">
-                <a16:creationId xmlns:a16="http://schemas.microsoft.com/office/drawing/2014/main" xmlns="" id="{CB13440C-44FD-4345-9165-81B9D4B0A59B}"/>
+                <a16:creationId xmlns="" xmlns:a16="http://schemas.microsoft.com/office/drawing/2014/main" id="{CB13440C-44FD-4345-9165-81B9D4B0A59B}"/>
               </a:ext>
             </a:extLst>
           </p:cNvPr>
@@ -5936,7 +5941,7 @@
           <p:cNvPr id="74" name="TextBox 73">
             <a:extLst>
               <a:ext uri="{FF2B5EF4-FFF2-40B4-BE49-F238E27FC236}">
-                <a16:creationId xmlns:a16="http://schemas.microsoft.com/office/drawing/2014/main" xmlns="" id="{433ED686-263A-4C02-A346-2D1F2DAEFC43}"/>
+                <a16:creationId xmlns="" xmlns:a16="http://schemas.microsoft.com/office/drawing/2014/main" id="{433ED686-263A-4C02-A346-2D1F2DAEFC43}"/>
               </a:ext>
             </a:extLst>
           </p:cNvPr>
@@ -5946,7 +5951,7 @@
         <p:spPr>
           <a:xfrm>
             <a:off x="383364" y="205547"/>
-            <a:ext cx="2248865" cy="461665"/>
+            <a:ext cx="2892923" cy="461665"/>
           </a:xfrm>
           <a:prstGeom prst="rect">
             <a:avLst/>
@@ -5960,9 +5965,14 @@
           <a:lstStyle/>
           <a:p>
             <a:r>
-              <a:rPr lang="nb-NO" sz="2400" dirty="0"/>
-              <a:t>EnirKesto Flow 2</a:t>
-            </a:r>
+              <a:rPr lang="nb-NO" sz="2400" dirty="0" smtClean="0"/>
+              <a:t>Message tagging </a:t>
+            </a:r>
+            <a:r>
+              <a:rPr lang="nb-NO" sz="2400" dirty="0" err="1" smtClean="0"/>
+              <a:t>flow</a:t>
+            </a:r>
+            <a:endParaRPr lang="nb-NO" sz="2400" dirty="0"/>
           </a:p>
         </p:txBody>
       </p:sp>
@@ -5971,7 +5981,7 @@
           <p:cNvPr id="40" name="Rectangle 39">
             <a:extLst>
               <a:ext uri="{FF2B5EF4-FFF2-40B4-BE49-F238E27FC236}">
-                <a16:creationId xmlns:a16="http://schemas.microsoft.com/office/drawing/2014/main" xmlns="" id="{EDD9C59D-F643-4A18-A666-44FC6F9A1825}"/>
+                <a16:creationId xmlns="" xmlns:a16="http://schemas.microsoft.com/office/drawing/2014/main" id="{EDD9C59D-F643-4A18-A666-44FC6F9A1825}"/>
               </a:ext>
             </a:extLst>
           </p:cNvPr>
@@ -6040,7 +6050,7 @@
           <p:cNvPr id="41" name="Rectangle 40">
             <a:extLst>
               <a:ext uri="{FF2B5EF4-FFF2-40B4-BE49-F238E27FC236}">
-                <a16:creationId xmlns:a16="http://schemas.microsoft.com/office/drawing/2014/main" xmlns="" id="{6B069459-B682-41AE-9682-5EE3F420A06D}"/>
+                <a16:creationId xmlns="" xmlns:a16="http://schemas.microsoft.com/office/drawing/2014/main" id="{6B069459-B682-41AE-9682-5EE3F420A06D}"/>
               </a:ext>
             </a:extLst>
           </p:cNvPr>
@@ -6104,7 +6114,7 @@
           <p:cNvPr id="45" name="TextBox 44">
             <a:extLst>
               <a:ext uri="{FF2B5EF4-FFF2-40B4-BE49-F238E27FC236}">
-                <a16:creationId xmlns:a16="http://schemas.microsoft.com/office/drawing/2014/main" xmlns="" id="{BAF508F9-3025-4D89-BD8E-2C65FA351266}"/>
+                <a16:creationId xmlns="" xmlns:a16="http://schemas.microsoft.com/office/drawing/2014/main" id="{BAF508F9-3025-4D89-BD8E-2C65FA351266}"/>
               </a:ext>
             </a:extLst>
           </p:cNvPr>
@@ -6186,7 +6196,7 @@
           <p:cNvPr id="51" name="TextBox 50">
             <a:extLst>
               <a:ext uri="{FF2B5EF4-FFF2-40B4-BE49-F238E27FC236}">
-                <a16:creationId xmlns:a16="http://schemas.microsoft.com/office/drawing/2014/main" xmlns="" id="{842212E6-38A2-4952-BF21-95E4B91CD084}"/>
+                <a16:creationId xmlns="" xmlns:a16="http://schemas.microsoft.com/office/drawing/2014/main" id="{842212E6-38A2-4952-BF21-95E4B91CD084}"/>
               </a:ext>
             </a:extLst>
           </p:cNvPr>
@@ -6235,7 +6245,7 @@
           <p:cNvPr id="52" name="TextBox 51">
             <a:extLst>
               <a:ext uri="{FF2B5EF4-FFF2-40B4-BE49-F238E27FC236}">
-                <a16:creationId xmlns:a16="http://schemas.microsoft.com/office/drawing/2014/main" xmlns="" id="{0B0C182D-EC44-422B-B756-686101CF27A3}"/>
+                <a16:creationId xmlns="" xmlns:a16="http://schemas.microsoft.com/office/drawing/2014/main" id="{0B0C182D-EC44-422B-B756-686101CF27A3}"/>
               </a:ext>
             </a:extLst>
           </p:cNvPr>
@@ -6284,7 +6294,7 @@
           <p:cNvPr id="53" name="TextBox 52">
             <a:extLst>
               <a:ext uri="{FF2B5EF4-FFF2-40B4-BE49-F238E27FC236}">
-                <a16:creationId xmlns:a16="http://schemas.microsoft.com/office/drawing/2014/main" xmlns="" id="{EE78DAC7-0534-454E-87D5-7A7A31296538}"/>
+                <a16:creationId xmlns="" xmlns:a16="http://schemas.microsoft.com/office/drawing/2014/main" id="{EE78DAC7-0534-454E-87D5-7A7A31296538}"/>
               </a:ext>
             </a:extLst>
           </p:cNvPr>
@@ -6333,7 +6343,7 @@
           <p:cNvPr id="54" name="TextBox 53">
             <a:extLst>
               <a:ext uri="{FF2B5EF4-FFF2-40B4-BE49-F238E27FC236}">
-                <a16:creationId xmlns:a16="http://schemas.microsoft.com/office/drawing/2014/main" xmlns="" id="{6A907F73-50CE-40B2-8ADF-3F5A43A48CE6}"/>
+                <a16:creationId xmlns="" xmlns:a16="http://schemas.microsoft.com/office/drawing/2014/main" id="{6A907F73-50CE-40B2-8ADF-3F5A43A48CE6}"/>
               </a:ext>
             </a:extLst>
           </p:cNvPr>
@@ -6382,7 +6392,7 @@
           <p:cNvPr id="56" name="Rectangle 55">
             <a:extLst>
               <a:ext uri="{FF2B5EF4-FFF2-40B4-BE49-F238E27FC236}">
-                <a16:creationId xmlns:a16="http://schemas.microsoft.com/office/drawing/2014/main" xmlns="" id="{3911D466-4C0A-4D9A-B49B-12872D3F5B9D}"/>
+                <a16:creationId xmlns="" xmlns:a16="http://schemas.microsoft.com/office/drawing/2014/main" id="{3911D466-4C0A-4D9A-B49B-12872D3F5B9D}"/>
               </a:ext>
             </a:extLst>
           </p:cNvPr>
@@ -6443,7 +6453,7 @@
           <p:cNvPr id="62" name="Rectangle 61">
             <a:extLst>
               <a:ext uri="{FF2B5EF4-FFF2-40B4-BE49-F238E27FC236}">
-                <a16:creationId xmlns:a16="http://schemas.microsoft.com/office/drawing/2014/main" xmlns="" id="{81CD0725-8321-46F3-9E4C-AC8890456F34}"/>
+                <a16:creationId xmlns="" xmlns:a16="http://schemas.microsoft.com/office/drawing/2014/main" id="{81CD0725-8321-46F3-9E4C-AC8890456F34}"/>
               </a:ext>
             </a:extLst>
           </p:cNvPr>
@@ -6504,7 +6514,7 @@
           <p:cNvPr id="67" name="Rectangle 66">
             <a:extLst>
               <a:ext uri="{FF2B5EF4-FFF2-40B4-BE49-F238E27FC236}">
-                <a16:creationId xmlns:a16="http://schemas.microsoft.com/office/drawing/2014/main" xmlns="" id="{778812C9-3C13-4BC0-ACCA-E1F985BAD902}"/>
+                <a16:creationId xmlns="" xmlns:a16="http://schemas.microsoft.com/office/drawing/2014/main" id="{778812C9-3C13-4BC0-ACCA-E1F985BAD902}"/>
               </a:ext>
             </a:extLst>
           </p:cNvPr>
@@ -6565,7 +6575,7 @@
           <p:cNvPr id="73" name="Straight Connector 72">
             <a:extLst>
               <a:ext uri="{FF2B5EF4-FFF2-40B4-BE49-F238E27FC236}">
-                <a16:creationId xmlns:a16="http://schemas.microsoft.com/office/drawing/2014/main" xmlns="" id="{FD54078C-5A77-4602-B6BA-669131F5C39A}"/>
+                <a16:creationId xmlns="" xmlns:a16="http://schemas.microsoft.com/office/drawing/2014/main" id="{FD54078C-5A77-4602-B6BA-669131F5C39A}"/>
               </a:ext>
             </a:extLst>
           </p:cNvPr>
@@ -6604,7 +6614,7 @@
           <p:cNvPr id="75" name="Rectangle 74">
             <a:extLst>
               <a:ext uri="{FF2B5EF4-FFF2-40B4-BE49-F238E27FC236}">
-                <a16:creationId xmlns:a16="http://schemas.microsoft.com/office/drawing/2014/main" xmlns="" id="{F03EB75A-F534-47AB-87F6-2035059307D9}"/>
+                <a16:creationId xmlns="" xmlns:a16="http://schemas.microsoft.com/office/drawing/2014/main" id="{F03EB75A-F534-47AB-87F6-2035059307D9}"/>
               </a:ext>
             </a:extLst>
           </p:cNvPr>
@@ -6665,7 +6675,7 @@
           <p:cNvPr id="76" name="Rectangle 75">
             <a:extLst>
               <a:ext uri="{FF2B5EF4-FFF2-40B4-BE49-F238E27FC236}">
-                <a16:creationId xmlns:a16="http://schemas.microsoft.com/office/drawing/2014/main" xmlns="" id="{AD4DEC29-6C96-4924-BD70-01886721F458}"/>
+                <a16:creationId xmlns="" xmlns:a16="http://schemas.microsoft.com/office/drawing/2014/main" id="{AD4DEC29-6C96-4924-BD70-01886721F458}"/>
               </a:ext>
             </a:extLst>
           </p:cNvPr>
@@ -6726,7 +6736,7 @@
           <p:cNvPr id="77" name="Straight Arrow Connector 76">
             <a:extLst>
               <a:ext uri="{FF2B5EF4-FFF2-40B4-BE49-F238E27FC236}">
-                <a16:creationId xmlns:a16="http://schemas.microsoft.com/office/drawing/2014/main" xmlns="" id="{0BB56056-7C9B-45CE-9F8D-DC28E9DE11C0}"/>
+                <a16:creationId xmlns="" xmlns:a16="http://schemas.microsoft.com/office/drawing/2014/main" id="{0BB56056-7C9B-45CE-9F8D-DC28E9DE11C0}"/>
               </a:ext>
             </a:extLst>
           </p:cNvPr>
@@ -6767,7 +6777,7 @@
           <p:cNvPr id="78" name="Straight Connector 77">
             <a:extLst>
               <a:ext uri="{FF2B5EF4-FFF2-40B4-BE49-F238E27FC236}">
-                <a16:creationId xmlns:a16="http://schemas.microsoft.com/office/drawing/2014/main" xmlns="" id="{5CF65DD6-B898-4BB9-AF17-514C95A2483F}"/>
+                <a16:creationId xmlns="" xmlns:a16="http://schemas.microsoft.com/office/drawing/2014/main" id="{5CF65DD6-B898-4BB9-AF17-514C95A2483F}"/>
               </a:ext>
             </a:extLst>
           </p:cNvPr>
@@ -6806,7 +6816,7 @@
           <p:cNvPr id="79" name="Rectangle 78">
             <a:extLst>
               <a:ext uri="{FF2B5EF4-FFF2-40B4-BE49-F238E27FC236}">
-                <a16:creationId xmlns:a16="http://schemas.microsoft.com/office/drawing/2014/main" xmlns="" id="{FE4FD5E0-9104-42A2-8120-DB6A95BFBB39}"/>
+                <a16:creationId xmlns="" xmlns:a16="http://schemas.microsoft.com/office/drawing/2014/main" id="{FE4FD5E0-9104-42A2-8120-DB6A95BFBB39}"/>
               </a:ext>
             </a:extLst>
           </p:cNvPr>
@@ -6867,7 +6877,7 @@
           <p:cNvPr id="83" name="Straight Connector 82">
             <a:extLst>
               <a:ext uri="{FF2B5EF4-FFF2-40B4-BE49-F238E27FC236}">
-                <a16:creationId xmlns:a16="http://schemas.microsoft.com/office/drawing/2014/main" xmlns="" id="{DAB1804F-76C7-41C5-AD2E-683BC340A6E8}"/>
+                <a16:creationId xmlns="" xmlns:a16="http://schemas.microsoft.com/office/drawing/2014/main" id="{DAB1804F-76C7-41C5-AD2E-683BC340A6E8}"/>
               </a:ext>
             </a:extLst>
           </p:cNvPr>
@@ -6906,7 +6916,7 @@
           <p:cNvPr id="84" name="Straight Connector 83">
             <a:extLst>
               <a:ext uri="{FF2B5EF4-FFF2-40B4-BE49-F238E27FC236}">
-                <a16:creationId xmlns:a16="http://schemas.microsoft.com/office/drawing/2014/main" xmlns="" id="{C0BC7490-7FA0-43B8-9315-E866FF4DBF4D}"/>
+                <a16:creationId xmlns="" xmlns:a16="http://schemas.microsoft.com/office/drawing/2014/main" id="{C0BC7490-7FA0-43B8-9315-E866FF4DBF4D}"/>
               </a:ext>
             </a:extLst>
           </p:cNvPr>
@@ -6945,7 +6955,7 @@
           <p:cNvPr id="85" name="Straight Connector 84">
             <a:extLst>
               <a:ext uri="{FF2B5EF4-FFF2-40B4-BE49-F238E27FC236}">
-                <a16:creationId xmlns:a16="http://schemas.microsoft.com/office/drawing/2014/main" xmlns="" id="{40CB137B-474F-499E-9FBB-A69CA4F1B2EE}"/>
+                <a16:creationId xmlns="" xmlns:a16="http://schemas.microsoft.com/office/drawing/2014/main" id="{40CB137B-474F-499E-9FBB-A69CA4F1B2EE}"/>
               </a:ext>
             </a:extLst>
           </p:cNvPr>
@@ -6986,7 +6996,7 @@
           <p:cNvPr id="88" name="TextBox 87">
             <a:extLst>
               <a:ext uri="{FF2B5EF4-FFF2-40B4-BE49-F238E27FC236}">
-                <a16:creationId xmlns:a16="http://schemas.microsoft.com/office/drawing/2014/main" xmlns="" id="{9A26BE70-F4E8-4CD1-B6C4-5BD51E65F2ED}"/>
+                <a16:creationId xmlns="" xmlns:a16="http://schemas.microsoft.com/office/drawing/2014/main" id="{9A26BE70-F4E8-4CD1-B6C4-5BD51E65F2ED}"/>
               </a:ext>
             </a:extLst>
           </p:cNvPr>
@@ -7028,7 +7038,7 @@
           <p:cNvPr id="89" name="TextBox 88">
             <a:extLst>
               <a:ext uri="{FF2B5EF4-FFF2-40B4-BE49-F238E27FC236}">
-                <a16:creationId xmlns:a16="http://schemas.microsoft.com/office/drawing/2014/main" xmlns="" id="{FB8DCF3F-2183-46EC-844E-BFECE4E3CF78}"/>
+                <a16:creationId xmlns="" xmlns:a16="http://schemas.microsoft.com/office/drawing/2014/main" id="{FB8DCF3F-2183-46EC-844E-BFECE4E3CF78}"/>
               </a:ext>
             </a:extLst>
           </p:cNvPr>
